--- a/week12/sql.pptx
+++ b/week12/sql.pptx
@@ -5,7 +5,7 @@
     <p:sldMasterId id="2147483648" r:id="rId1"/>
   </p:sldMasterIdLst>
   <p:notesMasterIdLst>
-    <p:notesMasterId r:id="rId39"/>
+    <p:notesMasterId r:id="rId40"/>
   </p:notesMasterIdLst>
   <p:sldIdLst>
     <p:sldId id="256" r:id="rId2"/>
@@ -45,6 +45,7 @@
     <p:sldId id="329" r:id="rId36"/>
     <p:sldId id="330" r:id="rId37"/>
     <p:sldId id="331" r:id="rId38"/>
+    <p:sldId id="332" r:id="rId39"/>
   </p:sldIdLst>
   <p:sldSz cx="9144000" cy="6858000" type="screen4x3"/>
   <p:notesSz cx="6858000" cy="9144000"/>
@@ -145,7 +146,7 @@
   </p:defaultTextStyle>
   <p:extLst>
     <p:ext uri="{EFAFB233-063F-42B5-8137-9DF3F51BA10A}">
-      <p15:sldGuideLst xmlns="" xmlns:p15="http://schemas.microsoft.com/office/powerpoint/2012/main">
+      <p15:sldGuideLst xmlns:p15="http://schemas.microsoft.com/office/powerpoint/2012/main">
         <p15:guide id="1" orient="horz" pos="2160">
           <p15:clr>
             <a:srgbClr val="A4A3A4"/>
@@ -244,7 +245,7 @@
           <a:p>
             <a:fld id="{BB853691-2568-724D-8AC3-0B4EBB217FA1}" type="datetimeFigureOut">
               <a:rPr lang="en-US" smtClean="0"/>
-              <a:t>11/3/2016</a:t>
+              <a:t>11/4/2016</a:t>
             </a:fld>
             <a:endParaRPr lang="en-US"/>
           </a:p>
@@ -695,7 +696,7 @@
           <a:p>
             <a:fld id="{1FACF698-560B-A546-A4FA-6B15CCA392CB}" type="datetimeFigureOut">
               <a:rPr lang="en-US" smtClean="0"/>
-              <a:t>11/3/2016</a:t>
+              <a:t>11/4/2016</a:t>
             </a:fld>
             <a:endParaRPr lang="en-US"/>
           </a:p>
@@ -860,7 +861,7 @@
           <a:p>
             <a:fld id="{1FACF698-560B-A546-A4FA-6B15CCA392CB}" type="datetimeFigureOut">
               <a:rPr lang="en-US" smtClean="0"/>
-              <a:t>11/3/2016</a:t>
+              <a:t>11/4/2016</a:t>
             </a:fld>
             <a:endParaRPr lang="en-US"/>
           </a:p>
@@ -1035,7 +1036,7 @@
           <a:p>
             <a:fld id="{1FACF698-560B-A546-A4FA-6B15CCA392CB}" type="datetimeFigureOut">
               <a:rPr lang="en-US" smtClean="0"/>
-              <a:t>11/3/2016</a:t>
+              <a:t>11/4/2016</a:t>
             </a:fld>
             <a:endParaRPr lang="en-US"/>
           </a:p>
@@ -1200,7 +1201,7 @@
           <a:p>
             <a:fld id="{1FACF698-560B-A546-A4FA-6B15CCA392CB}" type="datetimeFigureOut">
               <a:rPr lang="en-US" smtClean="0"/>
-              <a:t>11/3/2016</a:t>
+              <a:t>11/4/2016</a:t>
             </a:fld>
             <a:endParaRPr lang="en-US"/>
           </a:p>
@@ -1441,7 +1442,7 @@
           <a:p>
             <a:fld id="{1FACF698-560B-A546-A4FA-6B15CCA392CB}" type="datetimeFigureOut">
               <a:rPr lang="en-US" smtClean="0"/>
-              <a:t>11/3/2016</a:t>
+              <a:t>11/4/2016</a:t>
             </a:fld>
             <a:endParaRPr lang="en-US"/>
           </a:p>
@@ -1724,7 +1725,7 @@
           <a:p>
             <a:fld id="{1FACF698-560B-A546-A4FA-6B15CCA392CB}" type="datetimeFigureOut">
               <a:rPr lang="en-US" smtClean="0"/>
-              <a:t>11/3/2016</a:t>
+              <a:t>11/4/2016</a:t>
             </a:fld>
             <a:endParaRPr lang="en-US"/>
           </a:p>
@@ -2141,7 +2142,7 @@
           <a:p>
             <a:fld id="{1FACF698-560B-A546-A4FA-6B15CCA392CB}" type="datetimeFigureOut">
               <a:rPr lang="en-US" smtClean="0"/>
-              <a:t>11/3/2016</a:t>
+              <a:t>11/4/2016</a:t>
             </a:fld>
             <a:endParaRPr lang="en-US"/>
           </a:p>
@@ -2254,7 +2255,7 @@
           <a:p>
             <a:fld id="{1FACF698-560B-A546-A4FA-6B15CCA392CB}" type="datetimeFigureOut">
               <a:rPr lang="en-US" smtClean="0"/>
-              <a:t>11/3/2016</a:t>
+              <a:t>11/4/2016</a:t>
             </a:fld>
             <a:endParaRPr lang="en-US"/>
           </a:p>
@@ -2344,7 +2345,7 @@
           <a:p>
             <a:fld id="{1FACF698-560B-A546-A4FA-6B15CCA392CB}" type="datetimeFigureOut">
               <a:rPr lang="en-US" smtClean="0"/>
-              <a:t>11/3/2016</a:t>
+              <a:t>11/4/2016</a:t>
             </a:fld>
             <a:endParaRPr lang="en-US"/>
           </a:p>
@@ -2616,7 +2617,7 @@
           <a:p>
             <a:fld id="{1FACF698-560B-A546-A4FA-6B15CCA392CB}" type="datetimeFigureOut">
               <a:rPr lang="en-US" smtClean="0"/>
-              <a:t>11/3/2016</a:t>
+              <a:t>11/4/2016</a:t>
             </a:fld>
             <a:endParaRPr lang="en-US"/>
           </a:p>
@@ -2864,7 +2865,7 @@
           <a:p>
             <a:fld id="{1FACF698-560B-A546-A4FA-6B15CCA392CB}" type="datetimeFigureOut">
               <a:rPr lang="en-US" smtClean="0"/>
-              <a:t>11/3/2016</a:t>
+              <a:t>11/4/2016</a:t>
             </a:fld>
             <a:endParaRPr lang="en-US"/>
           </a:p>
@@ -3072,7 +3073,7 @@
           <a:p>
             <a:fld id="{1FACF698-560B-A546-A4FA-6B15CCA392CB}" type="datetimeFigureOut">
               <a:rPr lang="en-US" smtClean="0"/>
-              <a:t>11/3/2016</a:t>
+              <a:t>11/4/2016</a:t>
             </a:fld>
             <a:endParaRPr lang="en-US"/>
           </a:p>
@@ -3621,7 +3622,15 @@
             </a:r>
             <a:r>
               <a:rPr lang="ru-RU" sz="2400" dirty="0"/>
-              <a:t>таблица должна содержать первичный ключ (</a:t>
+              <a:t>таблица должна содержать </a:t>
+            </a:r>
+            <a:r>
+              <a:rPr lang="ru-RU" sz="2400" b="1" dirty="0"/>
+              <a:t>первичный ключ </a:t>
+            </a:r>
+            <a:r>
+              <a:rPr lang="ru-RU" sz="2400" dirty="0"/>
+              <a:t>(</a:t>
             </a:r>
             <a:r>
               <a:rPr lang="ru-RU" sz="2400" dirty="0" err="1"/>
@@ -3666,12 +3675,48 @@
             <a:tbl>
               <a:tblPr/>
               <a:tblGrid>
-                <a:gridCol w="529114"/>
-                <a:gridCol w="1020434"/>
-                <a:gridCol w="1222001"/>
-                <a:gridCol w="1776312"/>
-                <a:gridCol w="1625137"/>
-                <a:gridCol w="2217240"/>
+                <a:gridCol w="529114">
+                  <a:extLst>
+                    <a:ext uri="{9D8B030D-6E8A-4147-A177-3AD203B41FA5}">
+                      <a16:colId xmlns:a16="http://schemas.microsoft.com/office/drawing/2014/main" val="20000"/>
+                    </a:ext>
+                  </a:extLst>
+                </a:gridCol>
+                <a:gridCol w="1020434">
+                  <a:extLst>
+                    <a:ext uri="{9D8B030D-6E8A-4147-A177-3AD203B41FA5}">
+                      <a16:colId xmlns:a16="http://schemas.microsoft.com/office/drawing/2014/main" val="20001"/>
+                    </a:ext>
+                  </a:extLst>
+                </a:gridCol>
+                <a:gridCol w="1222001">
+                  <a:extLst>
+                    <a:ext uri="{9D8B030D-6E8A-4147-A177-3AD203B41FA5}">
+                      <a16:colId xmlns:a16="http://schemas.microsoft.com/office/drawing/2014/main" val="20002"/>
+                    </a:ext>
+                  </a:extLst>
+                </a:gridCol>
+                <a:gridCol w="1776312">
+                  <a:extLst>
+                    <a:ext uri="{9D8B030D-6E8A-4147-A177-3AD203B41FA5}">
+                      <a16:colId xmlns:a16="http://schemas.microsoft.com/office/drawing/2014/main" val="20003"/>
+                    </a:ext>
+                  </a:extLst>
+                </a:gridCol>
+                <a:gridCol w="1625137">
+                  <a:extLst>
+                    <a:ext uri="{9D8B030D-6E8A-4147-A177-3AD203B41FA5}">
+                      <a16:colId xmlns:a16="http://schemas.microsoft.com/office/drawing/2014/main" val="20004"/>
+                    </a:ext>
+                  </a:extLst>
+                </a:gridCol>
+                <a:gridCol w="2217240">
+                  <a:extLst>
+                    <a:ext uri="{9D8B030D-6E8A-4147-A177-3AD203B41FA5}">
+                      <a16:colId xmlns:a16="http://schemas.microsoft.com/office/drawing/2014/main" val="20005"/>
+                    </a:ext>
+                  </a:extLst>
+                </a:gridCol>
               </a:tblGrid>
               <a:tr h="645023">
                 <a:tc>
@@ -4013,6 +4058,11 @@
                     </a:solidFill>
                   </a:tcPr>
                 </a:tc>
+                <a:extLst>
+                  <a:ext uri="{0D108BD9-81ED-4DB2-BD59-A6C34878D82A}">
+                    <a16:rowId xmlns:a16="http://schemas.microsoft.com/office/drawing/2014/main" val="10000"/>
+                  </a:ext>
+                </a:extLst>
               </a:tr>
               <a:tr h="378117">
                 <a:tc>
@@ -4345,6 +4395,11 @@
                     </a:solidFill>
                   </a:tcPr>
                 </a:tc>
+                <a:extLst>
+                  <a:ext uri="{0D108BD9-81ED-4DB2-BD59-A6C34878D82A}">
+                    <a16:rowId xmlns:a16="http://schemas.microsoft.com/office/drawing/2014/main" val="10001"/>
+                  </a:ext>
+                </a:extLst>
               </a:tr>
               <a:tr h="378117">
                 <a:tc>
@@ -4677,6 +4732,11 @@
                     </a:solidFill>
                   </a:tcPr>
                 </a:tc>
+                <a:extLst>
+                  <a:ext uri="{0D108BD9-81ED-4DB2-BD59-A6C34878D82A}">
+                    <a16:rowId xmlns:a16="http://schemas.microsoft.com/office/drawing/2014/main" val="10002"/>
+                  </a:ext>
+                </a:extLst>
               </a:tr>
               <a:tr h="645023">
                 <a:tc>
@@ -5009,6 +5069,11 @@
                     </a:solidFill>
                   </a:tcPr>
                 </a:tc>
+                <a:extLst>
+                  <a:ext uri="{0D108BD9-81ED-4DB2-BD59-A6C34878D82A}">
+                    <a16:rowId xmlns:a16="http://schemas.microsoft.com/office/drawing/2014/main" val="10003"/>
+                  </a:ext>
+                </a:extLst>
               </a:tr>
             </a:tbl>
           </a:graphicData>
@@ -5145,6 +5210,97 @@
                                         </p:tgtEl>
                                       </p:cBhvr>
                                     </p:animEffect>
+                                  </p:childTnLst>
+                                </p:cTn>
+                              </p:par>
+                            </p:childTnLst>
+                          </p:cTn>
+                        </p:par>
+                      </p:childTnLst>
+                    </p:cTn>
+                  </p:par>
+                  <p:par>
+                    <p:cTn id="13" fill="hold">
+                      <p:stCondLst>
+                        <p:cond delay="indefinite"/>
+                      </p:stCondLst>
+                      <p:childTnLst>
+                        <p:par>
+                          <p:cTn id="14" fill="hold">
+                            <p:stCondLst>
+                              <p:cond delay="0"/>
+                            </p:stCondLst>
+                            <p:childTnLst>
+                              <p:par>
+                                <p:cTn id="15" presetID="2" presetClass="entr" presetSubtype="4" fill="hold" nodeType="clickEffect">
+                                  <p:stCondLst>
+                                    <p:cond delay="0"/>
+                                  </p:stCondLst>
+                                  <p:childTnLst>
+                                    <p:set>
+                                      <p:cBhvr>
+                                        <p:cTn id="16" dur="1" fill="hold">
+                                          <p:stCondLst>
+                                            <p:cond delay="0"/>
+                                          </p:stCondLst>
+                                        </p:cTn>
+                                        <p:tgtEl>
+                                          <p:spTgt spid="4"/>
+                                        </p:tgtEl>
+                                        <p:attrNameLst>
+                                          <p:attrName>style.visibility</p:attrName>
+                                        </p:attrNameLst>
+                                      </p:cBhvr>
+                                      <p:to>
+                                        <p:strVal val="visible"/>
+                                      </p:to>
+                                    </p:set>
+                                    <p:anim calcmode="lin" valueType="num">
+                                      <p:cBhvr additive="base">
+                                        <p:cTn id="17" dur="500" fill="hold"/>
+                                        <p:tgtEl>
+                                          <p:spTgt spid="4"/>
+                                        </p:tgtEl>
+                                        <p:attrNameLst>
+                                          <p:attrName>ppt_x</p:attrName>
+                                        </p:attrNameLst>
+                                      </p:cBhvr>
+                                      <p:tavLst>
+                                        <p:tav tm="0">
+                                          <p:val>
+                                            <p:strVal val="#ppt_x"/>
+                                          </p:val>
+                                        </p:tav>
+                                        <p:tav tm="100000">
+                                          <p:val>
+                                            <p:strVal val="#ppt_x"/>
+                                          </p:val>
+                                        </p:tav>
+                                      </p:tavLst>
+                                    </p:anim>
+                                    <p:anim calcmode="lin" valueType="num">
+                                      <p:cBhvr additive="base">
+                                        <p:cTn id="18" dur="500" fill="hold"/>
+                                        <p:tgtEl>
+                                          <p:spTgt spid="4"/>
+                                        </p:tgtEl>
+                                        <p:attrNameLst>
+                                          <p:attrName>ppt_y</p:attrName>
+                                        </p:attrNameLst>
+                                      </p:cBhvr>
+                                      <p:tavLst>
+                                        <p:tav tm="0">
+                                          <p:val>
+                                            <p:strVal val="1+#ppt_h/2"/>
+                                          </p:val>
+                                        </p:tav>
+                                        <p:tav tm="100000">
+                                          <p:val>
+                                            <p:strVal val="#ppt_y"/>
+                                          </p:val>
+                                        </p:tav>
+                                      </p:tavLst>
+                                    </p:anim>
                                   </p:childTnLst>
                                 </p:cTn>
                               </p:par>
@@ -5951,6 +6107,97 @@
                       </p:childTnLst>
                     </p:cTn>
                   </p:par>
+                  <p:par>
+                    <p:cTn id="8" fill="hold">
+                      <p:stCondLst>
+                        <p:cond delay="indefinite"/>
+                      </p:stCondLst>
+                      <p:childTnLst>
+                        <p:par>
+                          <p:cTn id="9" fill="hold">
+                            <p:stCondLst>
+                              <p:cond delay="0"/>
+                            </p:stCondLst>
+                            <p:childTnLst>
+                              <p:par>
+                                <p:cTn id="10" presetID="2" presetClass="entr" presetSubtype="4" fill="hold" nodeType="clickEffect">
+                                  <p:stCondLst>
+                                    <p:cond delay="0"/>
+                                  </p:stCondLst>
+                                  <p:childTnLst>
+                                    <p:set>
+                                      <p:cBhvr>
+                                        <p:cTn id="11" dur="1" fill="hold">
+                                          <p:stCondLst>
+                                            <p:cond delay="0"/>
+                                          </p:stCondLst>
+                                        </p:cTn>
+                                        <p:tgtEl>
+                                          <p:spTgt spid="8194"/>
+                                        </p:tgtEl>
+                                        <p:attrNameLst>
+                                          <p:attrName>style.visibility</p:attrName>
+                                        </p:attrNameLst>
+                                      </p:cBhvr>
+                                      <p:to>
+                                        <p:strVal val="visible"/>
+                                      </p:to>
+                                    </p:set>
+                                    <p:anim calcmode="lin" valueType="num">
+                                      <p:cBhvr additive="base">
+                                        <p:cTn id="12" dur="500" fill="hold"/>
+                                        <p:tgtEl>
+                                          <p:spTgt spid="8194"/>
+                                        </p:tgtEl>
+                                        <p:attrNameLst>
+                                          <p:attrName>ppt_x</p:attrName>
+                                        </p:attrNameLst>
+                                      </p:cBhvr>
+                                      <p:tavLst>
+                                        <p:tav tm="0">
+                                          <p:val>
+                                            <p:strVal val="#ppt_x"/>
+                                          </p:val>
+                                        </p:tav>
+                                        <p:tav tm="100000">
+                                          <p:val>
+                                            <p:strVal val="#ppt_x"/>
+                                          </p:val>
+                                        </p:tav>
+                                      </p:tavLst>
+                                    </p:anim>
+                                    <p:anim calcmode="lin" valueType="num">
+                                      <p:cBhvr additive="base">
+                                        <p:cTn id="13" dur="500" fill="hold"/>
+                                        <p:tgtEl>
+                                          <p:spTgt spid="8194"/>
+                                        </p:tgtEl>
+                                        <p:attrNameLst>
+                                          <p:attrName>ppt_y</p:attrName>
+                                        </p:attrNameLst>
+                                      </p:cBhvr>
+                                      <p:tavLst>
+                                        <p:tav tm="0">
+                                          <p:val>
+                                            <p:strVal val="1+#ppt_h/2"/>
+                                          </p:val>
+                                        </p:tav>
+                                        <p:tav tm="100000">
+                                          <p:val>
+                                            <p:strVal val="#ppt_y"/>
+                                          </p:val>
+                                        </p:tav>
+                                      </p:tavLst>
+                                    </p:anim>
+                                  </p:childTnLst>
+                                </p:cTn>
+                              </p:par>
+                            </p:childTnLst>
+                          </p:cTn>
+                        </p:par>
+                      </p:childTnLst>
+                    </p:cTn>
+                  </p:par>
                 </p:childTnLst>
               </p:cTn>
               <p:prevCondLst>
@@ -6199,6 +6446,97 @@
                       </p:childTnLst>
                     </p:cTn>
                   </p:par>
+                  <p:par>
+                    <p:cTn id="8" fill="hold">
+                      <p:stCondLst>
+                        <p:cond delay="indefinite"/>
+                      </p:stCondLst>
+                      <p:childTnLst>
+                        <p:par>
+                          <p:cTn id="9" fill="hold">
+                            <p:stCondLst>
+                              <p:cond delay="0"/>
+                            </p:stCondLst>
+                            <p:childTnLst>
+                              <p:par>
+                                <p:cTn id="10" presetID="2" presetClass="entr" presetSubtype="4" fill="hold" nodeType="clickEffect">
+                                  <p:stCondLst>
+                                    <p:cond delay="0"/>
+                                  </p:stCondLst>
+                                  <p:childTnLst>
+                                    <p:set>
+                                      <p:cBhvr>
+                                        <p:cTn id="11" dur="1" fill="hold">
+                                          <p:stCondLst>
+                                            <p:cond delay="0"/>
+                                          </p:stCondLst>
+                                        </p:cTn>
+                                        <p:tgtEl>
+                                          <p:spTgt spid="9218"/>
+                                        </p:tgtEl>
+                                        <p:attrNameLst>
+                                          <p:attrName>style.visibility</p:attrName>
+                                        </p:attrNameLst>
+                                      </p:cBhvr>
+                                      <p:to>
+                                        <p:strVal val="visible"/>
+                                      </p:to>
+                                    </p:set>
+                                    <p:anim calcmode="lin" valueType="num">
+                                      <p:cBhvr additive="base">
+                                        <p:cTn id="12" dur="500" fill="hold"/>
+                                        <p:tgtEl>
+                                          <p:spTgt spid="9218"/>
+                                        </p:tgtEl>
+                                        <p:attrNameLst>
+                                          <p:attrName>ppt_x</p:attrName>
+                                        </p:attrNameLst>
+                                      </p:cBhvr>
+                                      <p:tavLst>
+                                        <p:tav tm="0">
+                                          <p:val>
+                                            <p:strVal val="#ppt_x"/>
+                                          </p:val>
+                                        </p:tav>
+                                        <p:tav tm="100000">
+                                          <p:val>
+                                            <p:strVal val="#ppt_x"/>
+                                          </p:val>
+                                        </p:tav>
+                                      </p:tavLst>
+                                    </p:anim>
+                                    <p:anim calcmode="lin" valueType="num">
+                                      <p:cBhvr additive="base">
+                                        <p:cTn id="13" dur="500" fill="hold"/>
+                                        <p:tgtEl>
+                                          <p:spTgt spid="9218"/>
+                                        </p:tgtEl>
+                                        <p:attrNameLst>
+                                          <p:attrName>ppt_y</p:attrName>
+                                        </p:attrNameLst>
+                                      </p:cBhvr>
+                                      <p:tavLst>
+                                        <p:tav tm="0">
+                                          <p:val>
+                                            <p:strVal val="1+#ppt_h/2"/>
+                                          </p:val>
+                                        </p:tav>
+                                        <p:tav tm="100000">
+                                          <p:val>
+                                            <p:strVal val="#ppt_y"/>
+                                          </p:val>
+                                        </p:tav>
+                                      </p:tavLst>
+                                    </p:anim>
+                                  </p:childTnLst>
+                                </p:cTn>
+                              </p:par>
+                            </p:childTnLst>
+                          </p:cTn>
+                        </p:par>
+                      </p:childTnLst>
+                    </p:cTn>
+                  </p:par>
                 </p:childTnLst>
               </p:cTn>
               <p:prevCondLst>
@@ -6447,6 +6785,97 @@
                       </p:childTnLst>
                     </p:cTn>
                   </p:par>
+                  <p:par>
+                    <p:cTn id="8" fill="hold">
+                      <p:stCondLst>
+                        <p:cond delay="indefinite"/>
+                      </p:stCondLst>
+                      <p:childTnLst>
+                        <p:par>
+                          <p:cTn id="9" fill="hold">
+                            <p:stCondLst>
+                              <p:cond delay="0"/>
+                            </p:stCondLst>
+                            <p:childTnLst>
+                              <p:par>
+                                <p:cTn id="10" presetID="2" presetClass="entr" presetSubtype="4" fill="hold" nodeType="clickEffect">
+                                  <p:stCondLst>
+                                    <p:cond delay="0"/>
+                                  </p:stCondLst>
+                                  <p:childTnLst>
+                                    <p:set>
+                                      <p:cBhvr>
+                                        <p:cTn id="11" dur="1" fill="hold">
+                                          <p:stCondLst>
+                                            <p:cond delay="0"/>
+                                          </p:stCondLst>
+                                        </p:cTn>
+                                        <p:tgtEl>
+                                          <p:spTgt spid="10242"/>
+                                        </p:tgtEl>
+                                        <p:attrNameLst>
+                                          <p:attrName>style.visibility</p:attrName>
+                                        </p:attrNameLst>
+                                      </p:cBhvr>
+                                      <p:to>
+                                        <p:strVal val="visible"/>
+                                      </p:to>
+                                    </p:set>
+                                    <p:anim calcmode="lin" valueType="num">
+                                      <p:cBhvr additive="base">
+                                        <p:cTn id="12" dur="500" fill="hold"/>
+                                        <p:tgtEl>
+                                          <p:spTgt spid="10242"/>
+                                        </p:tgtEl>
+                                        <p:attrNameLst>
+                                          <p:attrName>ppt_x</p:attrName>
+                                        </p:attrNameLst>
+                                      </p:cBhvr>
+                                      <p:tavLst>
+                                        <p:tav tm="0">
+                                          <p:val>
+                                            <p:strVal val="#ppt_x"/>
+                                          </p:val>
+                                        </p:tav>
+                                        <p:tav tm="100000">
+                                          <p:val>
+                                            <p:strVal val="#ppt_x"/>
+                                          </p:val>
+                                        </p:tav>
+                                      </p:tavLst>
+                                    </p:anim>
+                                    <p:anim calcmode="lin" valueType="num">
+                                      <p:cBhvr additive="base">
+                                        <p:cTn id="13" dur="500" fill="hold"/>
+                                        <p:tgtEl>
+                                          <p:spTgt spid="10242"/>
+                                        </p:tgtEl>
+                                        <p:attrNameLst>
+                                          <p:attrName>ppt_y</p:attrName>
+                                        </p:attrNameLst>
+                                      </p:cBhvr>
+                                      <p:tavLst>
+                                        <p:tav tm="0">
+                                          <p:val>
+                                            <p:strVal val="1+#ppt_h/2"/>
+                                          </p:val>
+                                        </p:tav>
+                                        <p:tav tm="100000">
+                                          <p:val>
+                                            <p:strVal val="#ppt_y"/>
+                                          </p:val>
+                                        </p:tav>
+                                      </p:tavLst>
+                                    </p:anim>
+                                  </p:childTnLst>
+                                </p:cTn>
+                              </p:par>
+                            </p:childTnLst>
+                          </p:cTn>
+                        </p:par>
+                      </p:childTnLst>
+                    </p:cTn>
+                  </p:par>
                 </p:childTnLst>
               </p:cTn>
               <p:prevCondLst>
@@ -6556,6 +6985,13 @@
   <p:clrMapOvr>
     <a:masterClrMapping/>
   </p:clrMapOvr>
+  <p:timing>
+    <p:tnLst>
+      <p:par>
+        <p:cTn id="1" dur="indefinite" restart="never" nodeType="tmRoot"/>
+      </p:par>
+    </p:tnLst>
+  </p:timing>
 </p:sld>
 </file>
 
@@ -6800,6 +7236,79 @@
                                         </p:tgtEl>
                                       </p:cBhvr>
                                     </p:animEffect>
+                                  </p:childTnLst>
+                                </p:cTn>
+                              </p:par>
+                              <p:par>
+                                <p:cTn id="8" presetID="2" presetClass="entr" presetSubtype="4" fill="hold" nodeType="withEffect">
+                                  <p:stCondLst>
+                                    <p:cond delay="0"/>
+                                  </p:stCondLst>
+                                  <p:childTnLst>
+                                    <p:set>
+                                      <p:cBhvr>
+                                        <p:cTn id="9" dur="1" fill="hold">
+                                          <p:stCondLst>
+                                            <p:cond delay="0"/>
+                                          </p:stCondLst>
+                                        </p:cTn>
+                                        <p:tgtEl>
+                                          <p:spTgt spid="11266"/>
+                                        </p:tgtEl>
+                                        <p:attrNameLst>
+                                          <p:attrName>style.visibility</p:attrName>
+                                        </p:attrNameLst>
+                                      </p:cBhvr>
+                                      <p:to>
+                                        <p:strVal val="visible"/>
+                                      </p:to>
+                                    </p:set>
+                                    <p:anim calcmode="lin" valueType="num">
+                                      <p:cBhvr additive="base">
+                                        <p:cTn id="10" dur="500" fill="hold"/>
+                                        <p:tgtEl>
+                                          <p:spTgt spid="11266"/>
+                                        </p:tgtEl>
+                                        <p:attrNameLst>
+                                          <p:attrName>ppt_x</p:attrName>
+                                        </p:attrNameLst>
+                                      </p:cBhvr>
+                                      <p:tavLst>
+                                        <p:tav tm="0">
+                                          <p:val>
+                                            <p:strVal val="#ppt_x"/>
+                                          </p:val>
+                                        </p:tav>
+                                        <p:tav tm="100000">
+                                          <p:val>
+                                            <p:strVal val="#ppt_x"/>
+                                          </p:val>
+                                        </p:tav>
+                                      </p:tavLst>
+                                    </p:anim>
+                                    <p:anim calcmode="lin" valueType="num">
+                                      <p:cBhvr additive="base">
+                                        <p:cTn id="11" dur="500" fill="hold"/>
+                                        <p:tgtEl>
+                                          <p:spTgt spid="11266"/>
+                                        </p:tgtEl>
+                                        <p:attrNameLst>
+                                          <p:attrName>ppt_y</p:attrName>
+                                        </p:attrNameLst>
+                                      </p:cBhvr>
+                                      <p:tavLst>
+                                        <p:tav tm="0">
+                                          <p:val>
+                                            <p:strVal val="1+#ppt_h/2"/>
+                                          </p:val>
+                                        </p:tav>
+                                        <p:tav tm="100000">
+                                          <p:val>
+                                            <p:strVal val="#ppt_y"/>
+                                          </p:val>
+                                        </p:tav>
+                                      </p:tavLst>
+                                    </p:anim>
                                   </p:childTnLst>
                                 </p:cTn>
                               </p:par>
@@ -7432,8 +7941,12 @@
           <a:lstStyle/>
           <a:p>
             <a:r>
+              <a:rPr lang="ru-RU" sz="2000" b="1" dirty="0"/>
+              <a:t>DDL</a:t>
+            </a:r>
+            <a:r>
               <a:rPr lang="ru-RU" sz="2000" dirty="0"/>
-              <a:t>DDL (</a:t>
+              <a:t> (</a:t>
             </a:r>
             <a:r>
               <a:rPr lang="ru-RU" sz="2000" dirty="0" err="1"/>
@@ -7462,8 +7975,12 @@
           </a:p>
           <a:p>
             <a:r>
+              <a:rPr lang="ru-RU" sz="2000" b="1" dirty="0"/>
+              <a:t>DML</a:t>
+            </a:r>
+            <a:r>
               <a:rPr lang="ru-RU" sz="2000" dirty="0"/>
-              <a:t>DML (</a:t>
+              <a:t> (</a:t>
             </a:r>
             <a:r>
               <a:rPr lang="ru-RU" sz="2000" dirty="0" err="1"/>
@@ -7492,8 +8009,12 @@
           </a:p>
           <a:p>
             <a:r>
+              <a:rPr lang="ru-RU" sz="2000" b="1" dirty="0"/>
+              <a:t>DQL</a:t>
+            </a:r>
+            <a:r>
               <a:rPr lang="ru-RU" sz="2000" dirty="0"/>
-              <a:t>DQL (</a:t>
+              <a:t> (</a:t>
             </a:r>
             <a:r>
               <a:rPr lang="ru-RU" sz="2000" dirty="0" err="1"/>
@@ -7522,8 +8043,12 @@
           </a:p>
           <a:p>
             <a:r>
+              <a:rPr lang="ru-RU" sz="2000" b="1" dirty="0"/>
+              <a:t>DCL</a:t>
+            </a:r>
+            <a:r>
               <a:rPr lang="ru-RU" sz="2000" dirty="0"/>
-              <a:t>DCL (</a:t>
+              <a:t> (</a:t>
             </a:r>
             <a:r>
               <a:rPr lang="ru-RU" sz="2000" dirty="0" err="1"/>
@@ -7929,20 +8454,32 @@
           </a:p>
           <a:p>
             <a:r>
+              <a:rPr lang="ru-RU" sz="2000" b="1" dirty="0"/>
+              <a:t>CREATE</a:t>
+            </a:r>
+            <a:r>
               <a:rPr lang="ru-RU" sz="2000" dirty="0"/>
-              <a:t>CREATE — создание объекта (например таблицы);</a:t>
+              <a:t> — создание объекта (например таблицы);</a:t>
             </a:r>
           </a:p>
           <a:p>
             <a:r>
+              <a:rPr lang="ru-RU" sz="2000" b="1" dirty="0"/>
+              <a:t>ALERT</a:t>
+            </a:r>
+            <a:r>
               <a:rPr lang="ru-RU" sz="2000" dirty="0"/>
-              <a:t>ALERT — изменение объекта (например добавление/изменение полей);</a:t>
+              <a:t> — изменение объекта (например добавление/изменение полей);</a:t>
             </a:r>
           </a:p>
           <a:p>
             <a:r>
+              <a:rPr lang="ru-RU" sz="2000" b="1" dirty="0"/>
+              <a:t>DROP</a:t>
+            </a:r>
+            <a:r>
               <a:rPr lang="ru-RU" sz="2000" dirty="0"/>
-              <a:t>DROP — удаление объекта;</a:t>
+              <a:t> — удаление объекта;</a:t>
             </a:r>
           </a:p>
         </p:txBody>
@@ -8574,11 +9111,7 @@
             </a:pPr>
             <a:r>
               <a:rPr lang="en-US" sz="2000" dirty="0" smtClean="0"/>
-              <a:t>   </a:t>
-            </a:r>
-            <a:r>
-              <a:rPr lang="en-US" sz="2000" dirty="0" smtClean="0"/>
-              <a:t>[[ </a:t>
+              <a:t>   [[ </a:t>
             </a:r>
             <a:r>
               <a:rPr lang="en-US" sz="2000" dirty="0">
@@ -8772,6 +9305,110 @@
                                         <p:tgtEl>
                                           <p:spTgt spid="3">
                                             <p:txEl>
+                                              <p:pRg st="0" end="0"/>
+                                            </p:txEl>
+                                          </p:spTgt>
+                                        </p:tgtEl>
+                                        <p:attrNameLst>
+                                          <p:attrName>style.visibility</p:attrName>
+                                        </p:attrNameLst>
+                                      </p:cBhvr>
+                                      <p:to>
+                                        <p:strVal val="visible"/>
+                                      </p:to>
+                                    </p:set>
+                                    <p:animEffect transition="in" filter="fade">
+                                      <p:cBhvr>
+                                        <p:cTn id="7" dur="500"/>
+                                        <p:tgtEl>
+                                          <p:spTgt spid="3">
+                                            <p:txEl>
+                                              <p:pRg st="0" end="0"/>
+                                            </p:txEl>
+                                          </p:spTgt>
+                                        </p:tgtEl>
+                                      </p:cBhvr>
+                                    </p:animEffect>
+                                  </p:childTnLst>
+                                </p:cTn>
+                              </p:par>
+                              <p:par>
+                                <p:cTn id="8" presetID="10" presetClass="entr" presetSubtype="0" fill="hold" nodeType="withEffect">
+                                  <p:stCondLst>
+                                    <p:cond delay="0"/>
+                                  </p:stCondLst>
+                                  <p:childTnLst>
+                                    <p:set>
+                                      <p:cBhvr>
+                                        <p:cTn id="9" dur="1" fill="hold">
+                                          <p:stCondLst>
+                                            <p:cond delay="0"/>
+                                          </p:stCondLst>
+                                        </p:cTn>
+                                        <p:tgtEl>
+                                          <p:spTgt spid="3">
+                                            <p:txEl>
+                                              <p:pRg st="10" end="10"/>
+                                            </p:txEl>
+                                          </p:spTgt>
+                                        </p:tgtEl>
+                                        <p:attrNameLst>
+                                          <p:attrName>style.visibility</p:attrName>
+                                        </p:attrNameLst>
+                                      </p:cBhvr>
+                                      <p:to>
+                                        <p:strVal val="visible"/>
+                                      </p:to>
+                                    </p:set>
+                                    <p:animEffect transition="in" filter="fade">
+                                      <p:cBhvr>
+                                        <p:cTn id="10" dur="500"/>
+                                        <p:tgtEl>
+                                          <p:spTgt spid="3">
+                                            <p:txEl>
+                                              <p:pRg st="10" end="10"/>
+                                            </p:txEl>
+                                          </p:spTgt>
+                                        </p:tgtEl>
+                                      </p:cBhvr>
+                                    </p:animEffect>
+                                  </p:childTnLst>
+                                </p:cTn>
+                              </p:par>
+                            </p:childTnLst>
+                          </p:cTn>
+                        </p:par>
+                      </p:childTnLst>
+                    </p:cTn>
+                  </p:par>
+                  <p:par>
+                    <p:cTn id="11" fill="hold">
+                      <p:stCondLst>
+                        <p:cond delay="indefinite"/>
+                      </p:stCondLst>
+                      <p:childTnLst>
+                        <p:par>
+                          <p:cTn id="12" fill="hold">
+                            <p:stCondLst>
+                              <p:cond delay="0"/>
+                            </p:stCondLst>
+                            <p:childTnLst>
+                              <p:par>
+                                <p:cTn id="13" presetID="10" presetClass="entr" presetSubtype="0" fill="hold" nodeType="clickEffect">
+                                  <p:stCondLst>
+                                    <p:cond delay="0"/>
+                                  </p:stCondLst>
+                                  <p:childTnLst>
+                                    <p:set>
+                                      <p:cBhvr>
+                                        <p:cTn id="14" dur="1" fill="hold">
+                                          <p:stCondLst>
+                                            <p:cond delay="0"/>
+                                          </p:stCondLst>
+                                        </p:cTn>
+                                        <p:tgtEl>
+                                          <p:spTgt spid="3">
+                                            <p:txEl>
                                               <p:pRg st="2" end="2"/>
                                             </p:txEl>
                                           </p:spTgt>
@@ -8786,7 +9423,7 @@
                                     </p:set>
                                     <p:animEffect transition="in" filter="fade">
                                       <p:cBhvr>
-                                        <p:cTn id="7" dur="500"/>
+                                        <p:cTn id="15" dur="500"/>
                                         <p:tgtEl>
                                           <p:spTgt spid="3">
                                             <p:txEl>
@@ -8806,87 +9443,26 @@
                     </p:cTn>
                   </p:par>
                   <p:par>
-                    <p:cTn id="8" fill="hold">
+                    <p:cTn id="16" fill="hold">
                       <p:stCondLst>
                         <p:cond delay="indefinite"/>
                       </p:stCondLst>
                       <p:childTnLst>
                         <p:par>
-                          <p:cTn id="9" fill="hold">
+                          <p:cTn id="17" fill="hold">
                             <p:stCondLst>
                               <p:cond delay="0"/>
                             </p:stCondLst>
                             <p:childTnLst>
                               <p:par>
-                                <p:cTn id="10" presetID="10" presetClass="entr" presetSubtype="0" fill="hold" nodeType="clickEffect">
+                                <p:cTn id="18" presetID="10" presetClass="entr" presetSubtype="0" fill="hold" nodeType="clickEffect">
                                   <p:stCondLst>
                                     <p:cond delay="0"/>
                                   </p:stCondLst>
                                   <p:childTnLst>
                                     <p:set>
                                       <p:cBhvr>
-                                        <p:cTn id="11" dur="1" fill="hold">
-                                          <p:stCondLst>
-                                            <p:cond delay="0"/>
-                                          </p:stCondLst>
-                                        </p:cTn>
-                                        <p:tgtEl>
-                                          <p:spTgt spid="3">
-                                            <p:txEl>
-                                              <p:pRg st="0" end="0"/>
-                                            </p:txEl>
-                                          </p:spTgt>
-                                        </p:tgtEl>
-                                        <p:attrNameLst>
-                                          <p:attrName>style.visibility</p:attrName>
-                                        </p:attrNameLst>
-                                      </p:cBhvr>
-                                      <p:to>
-                                        <p:strVal val="visible"/>
-                                      </p:to>
-                                    </p:set>
-                                    <p:animEffect transition="in" filter="fade">
-                                      <p:cBhvr>
-                                        <p:cTn id="12" dur="500"/>
-                                        <p:tgtEl>
-                                          <p:spTgt spid="3">
-                                            <p:txEl>
-                                              <p:pRg st="0" end="0"/>
-                                            </p:txEl>
-                                          </p:spTgt>
-                                        </p:tgtEl>
-                                      </p:cBhvr>
-                                    </p:animEffect>
-                                  </p:childTnLst>
-                                </p:cTn>
-                              </p:par>
-                            </p:childTnLst>
-                          </p:cTn>
-                        </p:par>
-                      </p:childTnLst>
-                    </p:cTn>
-                  </p:par>
-                  <p:par>
-                    <p:cTn id="13" fill="hold">
-                      <p:stCondLst>
-                        <p:cond delay="indefinite"/>
-                      </p:stCondLst>
-                      <p:childTnLst>
-                        <p:par>
-                          <p:cTn id="14" fill="hold">
-                            <p:stCondLst>
-                              <p:cond delay="0"/>
-                            </p:stCondLst>
-                            <p:childTnLst>
-                              <p:par>
-                                <p:cTn id="15" presetID="10" presetClass="entr" presetSubtype="0" fill="hold" nodeType="clickEffect">
-                                  <p:stCondLst>
-                                    <p:cond delay="0"/>
-                                  </p:stCondLst>
-                                  <p:childTnLst>
-                                    <p:set>
-                                      <p:cBhvr>
-                                        <p:cTn id="16" dur="1" fill="hold">
+                                        <p:cTn id="19" dur="1" fill="hold">
                                           <p:stCondLst>
                                             <p:cond delay="0"/>
                                           </p:stCondLst>
@@ -8908,7 +9484,7 @@
                                     </p:set>
                                     <p:animEffect transition="in" filter="fade">
                                       <p:cBhvr>
-                                        <p:cTn id="17" dur="500"/>
+                                        <p:cTn id="20" dur="500"/>
                                         <p:tgtEl>
                                           <p:spTgt spid="3">
                                             <p:txEl>
@@ -8921,33 +9497,58 @@
                                   </p:childTnLst>
                                 </p:cTn>
                               </p:par>
-                            </p:childTnLst>
-                          </p:cTn>
-                        </p:par>
-                      </p:childTnLst>
-                    </p:cTn>
-                  </p:par>
-                  <p:par>
-                    <p:cTn id="18" fill="hold">
-                      <p:stCondLst>
-                        <p:cond delay="indefinite"/>
-                      </p:stCondLst>
-                      <p:childTnLst>
-                        <p:par>
-                          <p:cTn id="19" fill="hold">
-                            <p:stCondLst>
-                              <p:cond delay="0"/>
-                            </p:stCondLst>
-                            <p:childTnLst>
                               <p:par>
-                                <p:cTn id="20" presetID="10" presetClass="entr" presetSubtype="0" fill="hold" nodeType="clickEffect">
+                                <p:cTn id="21" presetID="10" presetClass="entr" presetSubtype="0" fill="hold" nodeType="withEffect">
                                   <p:stCondLst>
                                     <p:cond delay="0"/>
                                   </p:stCondLst>
                                   <p:childTnLst>
                                     <p:set>
                                       <p:cBhvr>
-                                        <p:cTn id="21" dur="1" fill="hold">
+                                        <p:cTn id="22" dur="1" fill="hold">
+                                          <p:stCondLst>
+                                            <p:cond delay="0"/>
+                                          </p:stCondLst>
+                                        </p:cTn>
+                                        <p:tgtEl>
+                                          <p:spTgt spid="3">
+                                            <p:txEl>
+                                              <p:pRg st="8" end="8"/>
+                                            </p:txEl>
+                                          </p:spTgt>
+                                        </p:tgtEl>
+                                        <p:attrNameLst>
+                                          <p:attrName>style.visibility</p:attrName>
+                                        </p:attrNameLst>
+                                      </p:cBhvr>
+                                      <p:to>
+                                        <p:strVal val="visible"/>
+                                      </p:to>
+                                    </p:set>
+                                    <p:animEffect transition="in" filter="fade">
+                                      <p:cBhvr>
+                                        <p:cTn id="23" dur="500"/>
+                                        <p:tgtEl>
+                                          <p:spTgt spid="3">
+                                            <p:txEl>
+                                              <p:pRg st="8" end="8"/>
+                                            </p:txEl>
+                                          </p:spTgt>
+                                        </p:tgtEl>
+                                      </p:cBhvr>
+                                    </p:animEffect>
+                                  </p:childTnLst>
+                                </p:cTn>
+                              </p:par>
+                              <p:par>
+                                <p:cTn id="24" presetID="10" presetClass="entr" presetSubtype="0" fill="hold" nodeType="withEffect">
+                                  <p:stCondLst>
+                                    <p:cond delay="0"/>
+                                  </p:stCondLst>
+                                  <p:childTnLst>
+                                    <p:set>
+                                      <p:cBhvr>
+                                        <p:cTn id="25" dur="1" fill="hold">
                                           <p:stCondLst>
                                             <p:cond delay="0"/>
                                           </p:stCondLst>
@@ -8969,7 +9570,7 @@
                                     </p:set>
                                     <p:animEffect transition="in" filter="fade">
                                       <p:cBhvr>
-                                        <p:cTn id="22" dur="500"/>
+                                        <p:cTn id="26" dur="500"/>
                                         <p:tgtEl>
                                           <p:spTgt spid="3">
                                             <p:txEl>
@@ -8989,26 +9590,26 @@
                     </p:cTn>
                   </p:par>
                   <p:par>
-                    <p:cTn id="23" fill="hold">
+                    <p:cTn id="27" fill="hold">
                       <p:stCondLst>
                         <p:cond delay="indefinite"/>
                       </p:stCondLst>
                       <p:childTnLst>
                         <p:par>
-                          <p:cTn id="24" fill="hold">
+                          <p:cTn id="28" fill="hold">
                             <p:stCondLst>
                               <p:cond delay="0"/>
                             </p:stCondLst>
                             <p:childTnLst>
                               <p:par>
-                                <p:cTn id="25" presetID="10" presetClass="entr" presetSubtype="0" fill="hold" nodeType="clickEffect">
+                                <p:cTn id="29" presetID="10" presetClass="entr" presetSubtype="0" fill="hold" nodeType="clickEffect">
                                   <p:stCondLst>
                                     <p:cond delay="0"/>
                                   </p:stCondLst>
                                   <p:childTnLst>
                                     <p:set>
                                       <p:cBhvr>
-                                        <p:cTn id="26" dur="1" fill="hold">
+                                        <p:cTn id="30" dur="1" fill="hold">
                                           <p:stCondLst>
                                             <p:cond delay="0"/>
                                           </p:stCondLst>
@@ -9030,7 +9631,7 @@
                                     </p:set>
                                     <p:animEffect transition="in" filter="fade">
                                       <p:cBhvr>
-                                        <p:cTn id="27" dur="500"/>
+                                        <p:cTn id="31" dur="500"/>
                                         <p:tgtEl>
                                           <p:spTgt spid="3">
                                             <p:txEl>
@@ -9050,26 +9651,26 @@
                     </p:cTn>
                   </p:par>
                   <p:par>
-                    <p:cTn id="28" fill="hold">
+                    <p:cTn id="32" fill="hold">
                       <p:stCondLst>
                         <p:cond delay="indefinite"/>
                       </p:stCondLst>
                       <p:childTnLst>
                         <p:par>
-                          <p:cTn id="29" fill="hold">
+                          <p:cTn id="33" fill="hold">
                             <p:stCondLst>
                               <p:cond delay="0"/>
                             </p:stCondLst>
                             <p:childTnLst>
                               <p:par>
-                                <p:cTn id="30" presetID="10" presetClass="entr" presetSubtype="0" fill="hold" nodeType="clickEffect">
+                                <p:cTn id="34" presetID="10" presetClass="entr" presetSubtype="0" fill="hold" nodeType="clickEffect">
                                   <p:stCondLst>
                                     <p:cond delay="0"/>
                                   </p:stCondLst>
                                   <p:childTnLst>
                                     <p:set>
                                       <p:cBhvr>
-                                        <p:cTn id="31" dur="1" fill="hold">
+                                        <p:cTn id="35" dur="1" fill="hold">
                                           <p:stCondLst>
                                             <p:cond delay="0"/>
                                           </p:stCondLst>
@@ -9091,7 +9692,7 @@
                                     </p:set>
                                     <p:animEffect transition="in" filter="fade">
                                       <p:cBhvr>
-                                        <p:cTn id="32" dur="500"/>
+                                        <p:cTn id="36" dur="500"/>
                                         <p:tgtEl>
                                           <p:spTgt spid="3">
                                             <p:txEl>
@@ -9111,26 +9712,26 @@
                     </p:cTn>
                   </p:par>
                   <p:par>
-                    <p:cTn id="33" fill="hold">
+                    <p:cTn id="37" fill="hold">
                       <p:stCondLst>
                         <p:cond delay="indefinite"/>
                       </p:stCondLst>
                       <p:childTnLst>
                         <p:par>
-                          <p:cTn id="34" fill="hold">
+                          <p:cTn id="38" fill="hold">
                             <p:stCondLst>
                               <p:cond delay="0"/>
                             </p:stCondLst>
                             <p:childTnLst>
                               <p:par>
-                                <p:cTn id="35" presetID="10" presetClass="entr" presetSubtype="0" fill="hold" nodeType="clickEffect">
+                                <p:cTn id="39" presetID="10" presetClass="entr" presetSubtype="0" fill="hold" nodeType="clickEffect">
                                   <p:stCondLst>
                                     <p:cond delay="0"/>
                                   </p:stCondLst>
                                   <p:childTnLst>
                                     <p:set>
                                       <p:cBhvr>
-                                        <p:cTn id="36" dur="1" fill="hold">
+                                        <p:cTn id="40" dur="1" fill="hold">
                                           <p:stCondLst>
                                             <p:cond delay="0"/>
                                           </p:stCondLst>
@@ -9152,7 +9753,7 @@
                                     </p:set>
                                     <p:animEffect transition="in" filter="fade">
                                       <p:cBhvr>
-                                        <p:cTn id="37" dur="500"/>
+                                        <p:cTn id="41" dur="500"/>
                                         <p:tgtEl>
                                           <p:spTgt spid="3">
                                             <p:txEl>
@@ -9172,148 +9773,26 @@
                     </p:cTn>
                   </p:par>
                   <p:par>
-                    <p:cTn id="38" fill="hold">
+                    <p:cTn id="42" fill="hold">
                       <p:stCondLst>
                         <p:cond delay="indefinite"/>
                       </p:stCondLst>
                       <p:childTnLst>
                         <p:par>
-                          <p:cTn id="39" fill="hold">
+                          <p:cTn id="43" fill="hold">
                             <p:stCondLst>
                               <p:cond delay="0"/>
                             </p:stCondLst>
                             <p:childTnLst>
                               <p:par>
-                                <p:cTn id="40" presetID="10" presetClass="entr" presetSubtype="0" fill="hold" nodeType="clickEffect">
+                                <p:cTn id="44" presetID="10" presetClass="entr" presetSubtype="0" fill="hold" nodeType="clickEffect">
                                   <p:stCondLst>
                                     <p:cond delay="0"/>
                                   </p:stCondLst>
                                   <p:childTnLst>
                                     <p:set>
                                       <p:cBhvr>
-                                        <p:cTn id="41" dur="1" fill="hold">
-                                          <p:stCondLst>
-                                            <p:cond delay="0"/>
-                                          </p:stCondLst>
-                                        </p:cTn>
-                                        <p:tgtEl>
-                                          <p:spTgt spid="3">
-                                            <p:txEl>
-                                              <p:pRg st="8" end="8"/>
-                                            </p:txEl>
-                                          </p:spTgt>
-                                        </p:tgtEl>
-                                        <p:attrNameLst>
-                                          <p:attrName>style.visibility</p:attrName>
-                                        </p:attrNameLst>
-                                      </p:cBhvr>
-                                      <p:to>
-                                        <p:strVal val="visible"/>
-                                      </p:to>
-                                    </p:set>
-                                    <p:animEffect transition="in" filter="fade">
-                                      <p:cBhvr>
-                                        <p:cTn id="42" dur="500"/>
-                                        <p:tgtEl>
-                                          <p:spTgt spid="3">
-                                            <p:txEl>
-                                              <p:pRg st="8" end="8"/>
-                                            </p:txEl>
-                                          </p:spTgt>
-                                        </p:tgtEl>
-                                      </p:cBhvr>
-                                    </p:animEffect>
-                                  </p:childTnLst>
-                                </p:cTn>
-                              </p:par>
-                            </p:childTnLst>
-                          </p:cTn>
-                        </p:par>
-                      </p:childTnLst>
-                    </p:cTn>
-                  </p:par>
-                  <p:par>
-                    <p:cTn id="43" fill="hold">
-                      <p:stCondLst>
-                        <p:cond delay="indefinite"/>
-                      </p:stCondLst>
-                      <p:childTnLst>
-                        <p:par>
-                          <p:cTn id="44" fill="hold">
-                            <p:stCondLst>
-                              <p:cond delay="0"/>
-                            </p:stCondLst>
-                            <p:childTnLst>
-                              <p:par>
-                                <p:cTn id="45" presetID="10" presetClass="entr" presetSubtype="0" fill="hold" nodeType="clickEffect">
-                                  <p:stCondLst>
-                                    <p:cond delay="0"/>
-                                  </p:stCondLst>
-                                  <p:childTnLst>
-                                    <p:set>
-                                      <p:cBhvr>
-                                        <p:cTn id="46" dur="1" fill="hold">
-                                          <p:stCondLst>
-                                            <p:cond delay="0"/>
-                                          </p:stCondLst>
-                                        </p:cTn>
-                                        <p:tgtEl>
-                                          <p:spTgt spid="3">
-                                            <p:txEl>
-                                              <p:pRg st="10" end="10"/>
-                                            </p:txEl>
-                                          </p:spTgt>
-                                        </p:tgtEl>
-                                        <p:attrNameLst>
-                                          <p:attrName>style.visibility</p:attrName>
-                                        </p:attrNameLst>
-                                      </p:cBhvr>
-                                      <p:to>
-                                        <p:strVal val="visible"/>
-                                      </p:to>
-                                    </p:set>
-                                    <p:animEffect transition="in" filter="fade">
-                                      <p:cBhvr>
-                                        <p:cTn id="47" dur="500"/>
-                                        <p:tgtEl>
-                                          <p:spTgt spid="3">
-                                            <p:txEl>
-                                              <p:pRg st="10" end="10"/>
-                                            </p:txEl>
-                                          </p:spTgt>
-                                        </p:tgtEl>
-                                      </p:cBhvr>
-                                    </p:animEffect>
-                                  </p:childTnLst>
-                                </p:cTn>
-                              </p:par>
-                            </p:childTnLst>
-                          </p:cTn>
-                        </p:par>
-                      </p:childTnLst>
-                    </p:cTn>
-                  </p:par>
-                  <p:par>
-                    <p:cTn id="48" fill="hold">
-                      <p:stCondLst>
-                        <p:cond delay="indefinite"/>
-                      </p:stCondLst>
-                      <p:childTnLst>
-                        <p:par>
-                          <p:cTn id="49" fill="hold">
-                            <p:stCondLst>
-                              <p:cond delay="0"/>
-                            </p:stCondLst>
-                            <p:childTnLst>
-                              <p:par>
-                                <p:cTn id="50" presetID="10" presetClass="entr" presetSubtype="0" fill="hold" nodeType="clickEffect">
-                                  <p:stCondLst>
-                                    <p:cond delay="0"/>
-                                  </p:stCondLst>
-                                  <p:childTnLst>
-                                    <p:set>
-                                      <p:cBhvr>
-                                        <p:cTn id="51" dur="1" fill="hold">
+                                        <p:cTn id="45" dur="1" fill="hold">
                                           <p:stCondLst>
                                             <p:cond delay="0"/>
                                           </p:stCondLst>
@@ -9335,7 +9814,7 @@
                                     </p:set>
                                     <p:animEffect transition="in" filter="fade">
                                       <p:cBhvr>
-                                        <p:cTn id="52" dur="500"/>
+                                        <p:cTn id="46" dur="500"/>
                                         <p:tgtEl>
                                           <p:spTgt spid="3">
                                             <p:txEl>
@@ -9429,11 +9908,6 @@
               </a:rPr>
               <a:t>SQL</a:t>
             </a:r>
-            <a:endParaRPr lang="en-US" dirty="0">
-              <a:solidFill>
-                <a:srgbClr val="984807"/>
-              </a:solidFill>
-            </a:endParaRPr>
           </a:p>
         </p:txBody>
       </p:sp>
@@ -10303,7 +10777,16 @@
                 </a:solidFill>
                 <a:cs typeface="Cordia New" pitchFamily="34" charset="-34"/>
               </a:rPr>
-              <a:t>-- таблица публикаций</a:t>
+              <a:t>-- таблица </a:t>
+            </a:r>
+            <a:r>
+              <a:rPr lang="ru-RU" sz="2000" i="1" dirty="0" smtClean="0">
+                <a:solidFill>
+                  <a:srgbClr val="808080"/>
+                </a:solidFill>
+                <a:cs typeface="Cordia New" pitchFamily="34" charset="-34"/>
+              </a:rPr>
+              <a:t>издателей</a:t>
             </a:r>
             <a:endParaRPr kumimoji="0" lang="en-US" sz="2000" b="1" i="0" u="none" strike="noStrike" cap="none" normalizeH="0" baseline="0" dirty="0" smtClean="0">
               <a:ln>
@@ -11361,11 +11844,6 @@
               </a:rPr>
               <a:t>ALERT)</a:t>
             </a:r>
-            <a:endParaRPr lang="en-US" dirty="0">
-              <a:solidFill>
-                <a:srgbClr val="984807"/>
-              </a:solidFill>
-            </a:endParaRPr>
           </a:p>
         </p:txBody>
       </p:sp>
@@ -11381,7 +11859,7 @@
         </p:nvSpPr>
         <p:spPr>
           <a:xfrm>
-            <a:off x="457199" y="1448529"/>
+            <a:off x="492143" y="1417638"/>
             <a:ext cx="8587947" cy="4766920"/>
           </a:xfrm>
         </p:spPr>
@@ -11461,8 +11939,14 @@
               <a:rPr lang="en-US" sz="2000" dirty="0" smtClean="0"/>
               <a:t>ADD </a:t>
             </a:r>
-            <a:r>
-              <a:rPr lang="en-US" sz="2000" dirty="0"/>
+            <a:endParaRPr lang="ru-RU" sz="2000" dirty="0" smtClean="0"/>
+          </a:p>
+          <a:p>
+            <a:pPr marL="0" indent="0">
+              <a:buNone/>
+            </a:pPr>
+            <a:r>
+              <a:rPr lang="en-US" sz="2000" dirty="0" smtClean="0"/>
               <a:t>( </a:t>
             </a:r>
             <a:endParaRPr lang="en-US" sz="2000" dirty="0" smtClean="0"/>
@@ -11756,7 +12240,6 @@
               <a:rPr lang="ru-RU" sz="2000" dirty="0"/>
               <a:t>,...)</a:t>
             </a:r>
-            <a:endParaRPr lang="ru-RU" sz="2000" dirty="0"/>
           </a:p>
         </p:txBody>
       </p:sp>
@@ -11773,7 +12256,446 @@
   <p:timing>
     <p:tnLst>
       <p:par>
-        <p:cTn id="1" dur="indefinite" restart="never" nodeType="tmRoot"/>
+        <p:cTn id="1" dur="indefinite" restart="never" nodeType="tmRoot">
+          <p:childTnLst>
+            <p:seq concurrent="1" nextAc="seek">
+              <p:cTn id="2" dur="indefinite" nodeType="mainSeq">
+                <p:childTnLst>
+                  <p:par>
+                    <p:cTn id="3" fill="hold">
+                      <p:stCondLst>
+                        <p:cond delay="indefinite"/>
+                      </p:stCondLst>
+                      <p:childTnLst>
+                        <p:par>
+                          <p:cTn id="4" fill="hold">
+                            <p:stCondLst>
+                              <p:cond delay="0"/>
+                            </p:stCondLst>
+                            <p:childTnLst>
+                              <p:par>
+                                <p:cTn id="5" presetID="10" presetClass="entr" presetSubtype="0" fill="hold" nodeType="clickEffect">
+                                  <p:stCondLst>
+                                    <p:cond delay="0"/>
+                                  </p:stCondLst>
+                                  <p:childTnLst>
+                                    <p:set>
+                                      <p:cBhvr>
+                                        <p:cTn id="6" dur="1" fill="hold">
+                                          <p:stCondLst>
+                                            <p:cond delay="0"/>
+                                          </p:stCondLst>
+                                        </p:cTn>
+                                        <p:tgtEl>
+                                          <p:spTgt spid="3">
+                                            <p:txEl>
+                                              <p:pRg st="0" end="0"/>
+                                            </p:txEl>
+                                          </p:spTgt>
+                                        </p:tgtEl>
+                                        <p:attrNameLst>
+                                          <p:attrName>style.visibility</p:attrName>
+                                        </p:attrNameLst>
+                                      </p:cBhvr>
+                                      <p:to>
+                                        <p:strVal val="visible"/>
+                                      </p:to>
+                                    </p:set>
+                                    <p:animEffect transition="in" filter="fade">
+                                      <p:cBhvr>
+                                        <p:cTn id="7" dur="500"/>
+                                        <p:tgtEl>
+                                          <p:spTgt spid="3">
+                                            <p:txEl>
+                                              <p:pRg st="0" end="0"/>
+                                            </p:txEl>
+                                          </p:spTgt>
+                                        </p:tgtEl>
+                                      </p:cBhvr>
+                                    </p:animEffect>
+                                  </p:childTnLst>
+                                </p:cTn>
+                              </p:par>
+                              <p:par>
+                                <p:cTn id="8" presetID="10" presetClass="entr" presetSubtype="0" fill="hold" nodeType="withEffect">
+                                  <p:stCondLst>
+                                    <p:cond delay="0"/>
+                                  </p:stCondLst>
+                                  <p:childTnLst>
+                                    <p:set>
+                                      <p:cBhvr>
+                                        <p:cTn id="9" dur="1" fill="hold">
+                                          <p:stCondLst>
+                                            <p:cond delay="0"/>
+                                          </p:stCondLst>
+                                        </p:cTn>
+                                        <p:tgtEl>
+                                          <p:spTgt spid="3">
+                                            <p:txEl>
+                                              <p:pRg st="9" end="9"/>
+                                            </p:txEl>
+                                          </p:spTgt>
+                                        </p:tgtEl>
+                                        <p:attrNameLst>
+                                          <p:attrName>style.visibility</p:attrName>
+                                        </p:attrNameLst>
+                                      </p:cBhvr>
+                                      <p:to>
+                                        <p:strVal val="visible"/>
+                                      </p:to>
+                                    </p:set>
+                                    <p:animEffect transition="in" filter="fade">
+                                      <p:cBhvr>
+                                        <p:cTn id="10" dur="500"/>
+                                        <p:tgtEl>
+                                          <p:spTgt spid="3">
+                                            <p:txEl>
+                                              <p:pRg st="9" end="9"/>
+                                            </p:txEl>
+                                          </p:spTgt>
+                                        </p:tgtEl>
+                                      </p:cBhvr>
+                                    </p:animEffect>
+                                  </p:childTnLst>
+                                </p:cTn>
+                              </p:par>
+                            </p:childTnLst>
+                          </p:cTn>
+                        </p:par>
+                      </p:childTnLst>
+                    </p:cTn>
+                  </p:par>
+                  <p:par>
+                    <p:cTn id="11" fill="hold">
+                      <p:stCondLst>
+                        <p:cond delay="indefinite"/>
+                      </p:stCondLst>
+                      <p:childTnLst>
+                        <p:par>
+                          <p:cTn id="12" fill="hold">
+                            <p:stCondLst>
+                              <p:cond delay="0"/>
+                            </p:stCondLst>
+                            <p:childTnLst>
+                              <p:par>
+                                <p:cTn id="13" presetID="1" presetClass="entr" presetSubtype="0" fill="hold" nodeType="clickEffect">
+                                  <p:stCondLst>
+                                    <p:cond delay="0"/>
+                                  </p:stCondLst>
+                                  <p:childTnLst>
+                                    <p:set>
+                                      <p:cBhvr>
+                                        <p:cTn id="14" dur="1" fill="hold">
+                                          <p:stCondLst>
+                                            <p:cond delay="0"/>
+                                          </p:stCondLst>
+                                        </p:cTn>
+                                        <p:tgtEl>
+                                          <p:spTgt spid="3">
+                                            <p:txEl>
+                                              <p:pRg st="3" end="3"/>
+                                            </p:txEl>
+                                          </p:spTgt>
+                                        </p:tgtEl>
+                                        <p:attrNameLst>
+                                          <p:attrName>style.visibility</p:attrName>
+                                        </p:attrNameLst>
+                                      </p:cBhvr>
+                                      <p:to>
+                                        <p:strVal val="visible"/>
+                                      </p:to>
+                                    </p:set>
+                                  </p:childTnLst>
+                                </p:cTn>
+                              </p:par>
+                              <p:par>
+                                <p:cTn id="15" presetID="1" presetClass="entr" presetSubtype="0" fill="hold" nodeType="withEffect">
+                                  <p:stCondLst>
+                                    <p:cond delay="0"/>
+                                  </p:stCondLst>
+                                  <p:childTnLst>
+                                    <p:set>
+                                      <p:cBhvr>
+                                        <p:cTn id="16" dur="1" fill="hold">
+                                          <p:stCondLst>
+                                            <p:cond delay="0"/>
+                                          </p:stCondLst>
+                                        </p:cTn>
+                                        <p:tgtEl>
+                                          <p:spTgt spid="3">
+                                            <p:txEl>
+                                              <p:pRg st="7" end="7"/>
+                                            </p:txEl>
+                                          </p:spTgt>
+                                        </p:tgtEl>
+                                        <p:attrNameLst>
+                                          <p:attrName>style.visibility</p:attrName>
+                                        </p:attrNameLst>
+                                      </p:cBhvr>
+                                      <p:to>
+                                        <p:strVal val="visible"/>
+                                      </p:to>
+                                    </p:set>
+                                  </p:childTnLst>
+                                </p:cTn>
+                              </p:par>
+                            </p:childTnLst>
+                          </p:cTn>
+                        </p:par>
+                      </p:childTnLst>
+                    </p:cTn>
+                  </p:par>
+                  <p:par>
+                    <p:cTn id="17" fill="hold">
+                      <p:stCondLst>
+                        <p:cond delay="indefinite"/>
+                      </p:stCondLst>
+                      <p:childTnLst>
+                        <p:par>
+                          <p:cTn id="18" fill="hold">
+                            <p:stCondLst>
+                              <p:cond delay="0"/>
+                            </p:stCondLst>
+                            <p:childTnLst>
+                              <p:par>
+                                <p:cTn id="19" presetID="1" presetClass="entr" presetSubtype="0" fill="hold" nodeType="clickEffect">
+                                  <p:stCondLst>
+                                    <p:cond delay="0"/>
+                                  </p:stCondLst>
+                                  <p:childTnLst>
+                                    <p:set>
+                                      <p:cBhvr>
+                                        <p:cTn id="20" dur="1" fill="hold">
+                                          <p:stCondLst>
+                                            <p:cond delay="0"/>
+                                          </p:stCondLst>
+                                        </p:cTn>
+                                        <p:tgtEl>
+                                          <p:spTgt spid="3">
+                                            <p:txEl>
+                                              <p:pRg st="4" end="4"/>
+                                            </p:txEl>
+                                          </p:spTgt>
+                                        </p:tgtEl>
+                                        <p:attrNameLst>
+                                          <p:attrName>style.visibility</p:attrName>
+                                        </p:attrNameLst>
+                                      </p:cBhvr>
+                                      <p:to>
+                                        <p:strVal val="visible"/>
+                                      </p:to>
+                                    </p:set>
+                                  </p:childTnLst>
+                                </p:cTn>
+                              </p:par>
+                            </p:childTnLst>
+                          </p:cTn>
+                        </p:par>
+                      </p:childTnLst>
+                    </p:cTn>
+                  </p:par>
+                  <p:par>
+                    <p:cTn id="21" fill="hold">
+                      <p:stCondLst>
+                        <p:cond delay="indefinite"/>
+                      </p:stCondLst>
+                      <p:childTnLst>
+                        <p:par>
+                          <p:cTn id="22" fill="hold">
+                            <p:stCondLst>
+                              <p:cond delay="0"/>
+                            </p:stCondLst>
+                            <p:childTnLst>
+                              <p:par>
+                                <p:cTn id="23" presetID="16" presetClass="entr" presetSubtype="21" fill="hold" nodeType="clickEffect">
+                                  <p:stCondLst>
+                                    <p:cond delay="0"/>
+                                  </p:stCondLst>
+                                  <p:childTnLst>
+                                    <p:set>
+                                      <p:cBhvr>
+                                        <p:cTn id="24" dur="1" fill="hold">
+                                          <p:stCondLst>
+                                            <p:cond delay="0"/>
+                                          </p:stCondLst>
+                                        </p:cTn>
+                                        <p:tgtEl>
+                                          <p:spTgt spid="3">
+                                            <p:txEl>
+                                              <p:pRg st="5" end="5"/>
+                                            </p:txEl>
+                                          </p:spTgt>
+                                        </p:tgtEl>
+                                        <p:attrNameLst>
+                                          <p:attrName>style.visibility</p:attrName>
+                                        </p:attrNameLst>
+                                      </p:cBhvr>
+                                      <p:to>
+                                        <p:strVal val="visible"/>
+                                      </p:to>
+                                    </p:set>
+                                    <p:animEffect transition="in" filter="barn(inVertical)">
+                                      <p:cBhvr>
+                                        <p:cTn id="25" dur="500"/>
+                                        <p:tgtEl>
+                                          <p:spTgt spid="3">
+                                            <p:txEl>
+                                              <p:pRg st="5" end="5"/>
+                                            </p:txEl>
+                                          </p:spTgt>
+                                        </p:tgtEl>
+                                      </p:cBhvr>
+                                    </p:animEffect>
+                                  </p:childTnLst>
+                                </p:cTn>
+                              </p:par>
+                            </p:childTnLst>
+                          </p:cTn>
+                        </p:par>
+                      </p:childTnLst>
+                    </p:cTn>
+                  </p:par>
+                  <p:par>
+                    <p:cTn id="26" fill="hold">
+                      <p:stCondLst>
+                        <p:cond delay="indefinite"/>
+                      </p:stCondLst>
+                      <p:childTnLst>
+                        <p:par>
+                          <p:cTn id="27" fill="hold">
+                            <p:stCondLst>
+                              <p:cond delay="0"/>
+                            </p:stCondLst>
+                            <p:childTnLst>
+                              <p:par>
+                                <p:cTn id="28" presetID="6" presetClass="entr" presetSubtype="16" fill="hold" nodeType="clickEffect">
+                                  <p:stCondLst>
+                                    <p:cond delay="0"/>
+                                  </p:stCondLst>
+                                  <p:childTnLst>
+                                    <p:set>
+                                      <p:cBhvr>
+                                        <p:cTn id="29" dur="1" fill="hold">
+                                          <p:stCondLst>
+                                            <p:cond delay="0"/>
+                                          </p:stCondLst>
+                                        </p:cTn>
+                                        <p:tgtEl>
+                                          <p:spTgt spid="3">
+                                            <p:txEl>
+                                              <p:pRg st="6" end="6"/>
+                                            </p:txEl>
+                                          </p:spTgt>
+                                        </p:tgtEl>
+                                        <p:attrNameLst>
+                                          <p:attrName>style.visibility</p:attrName>
+                                        </p:attrNameLst>
+                                      </p:cBhvr>
+                                      <p:to>
+                                        <p:strVal val="visible"/>
+                                      </p:to>
+                                    </p:set>
+                                    <p:animEffect transition="in" filter="circle(in)">
+                                      <p:cBhvr>
+                                        <p:cTn id="30" dur="2000"/>
+                                        <p:tgtEl>
+                                          <p:spTgt spid="3">
+                                            <p:txEl>
+                                              <p:pRg st="6" end="6"/>
+                                            </p:txEl>
+                                          </p:spTgt>
+                                        </p:tgtEl>
+                                      </p:cBhvr>
+                                    </p:animEffect>
+                                  </p:childTnLst>
+                                </p:cTn>
+                              </p:par>
+                            </p:childTnLst>
+                          </p:cTn>
+                        </p:par>
+                      </p:childTnLst>
+                    </p:cTn>
+                  </p:par>
+                  <p:par>
+                    <p:cTn id="31" fill="hold">
+                      <p:stCondLst>
+                        <p:cond delay="indefinite"/>
+                      </p:stCondLst>
+                      <p:childTnLst>
+                        <p:par>
+                          <p:cTn id="32" fill="hold">
+                            <p:stCondLst>
+                              <p:cond delay="0"/>
+                            </p:stCondLst>
+                            <p:childTnLst>
+                              <p:par>
+                                <p:cTn id="33" presetID="14" presetClass="entr" presetSubtype="10" fill="hold" nodeType="clickEffect">
+                                  <p:stCondLst>
+                                    <p:cond delay="0"/>
+                                  </p:stCondLst>
+                                  <p:childTnLst>
+                                    <p:set>
+                                      <p:cBhvr>
+                                        <p:cTn id="34" dur="1" fill="hold">
+                                          <p:stCondLst>
+                                            <p:cond delay="0"/>
+                                          </p:stCondLst>
+                                        </p:cTn>
+                                        <p:tgtEl>
+                                          <p:spTgt spid="3">
+                                            <p:txEl>
+                                              <p:pRg st="11" end="11"/>
+                                            </p:txEl>
+                                          </p:spTgt>
+                                        </p:tgtEl>
+                                        <p:attrNameLst>
+                                          <p:attrName>style.visibility</p:attrName>
+                                        </p:attrNameLst>
+                                      </p:cBhvr>
+                                      <p:to>
+                                        <p:strVal val="visible"/>
+                                      </p:to>
+                                    </p:set>
+                                    <p:animEffect transition="in" filter="randombar(horizontal)">
+                                      <p:cBhvr>
+                                        <p:cTn id="35" dur="500"/>
+                                        <p:tgtEl>
+                                          <p:spTgt spid="3">
+                                            <p:txEl>
+                                              <p:pRg st="11" end="11"/>
+                                            </p:txEl>
+                                          </p:spTgt>
+                                        </p:tgtEl>
+                                      </p:cBhvr>
+                                    </p:animEffect>
+                                  </p:childTnLst>
+                                </p:cTn>
+                              </p:par>
+                            </p:childTnLst>
+                          </p:cTn>
+                        </p:par>
+                      </p:childTnLst>
+                    </p:cTn>
+                  </p:par>
+                </p:childTnLst>
+              </p:cTn>
+              <p:prevCondLst>
+                <p:cond evt="onPrev" delay="0">
+                  <p:tgtEl>
+                    <p:sldTgt/>
+                  </p:tgtEl>
+                </p:cond>
+              </p:prevCondLst>
+              <p:nextCondLst>
+                <p:cond evt="onNext" delay="0">
+                  <p:tgtEl>
+                    <p:sldTgt/>
+                  </p:tgtEl>
+                </p:cond>
+              </p:nextCondLst>
+            </p:seq>
+          </p:childTnLst>
+        </p:cTn>
       </p:par>
     </p:tnLst>
   </p:timing>
@@ -11830,11 +12752,6 @@
               </a:rPr>
               <a:t>ALERT)</a:t>
             </a:r>
-            <a:endParaRPr lang="en-US" dirty="0">
-              <a:solidFill>
-                <a:srgbClr val="984807"/>
-              </a:solidFill>
-            </a:endParaRPr>
           </a:p>
         </p:txBody>
       </p:sp>
@@ -11916,7 +12833,7 @@
               <a:t>&lt;</a:t>
             </a:r>
             <a:r>
-              <a:rPr lang="ru-RU" sz="2000" dirty="0" err="1"/>
+              <a:rPr lang="ru-RU" sz="2000" dirty="0"/>
               <a:t>имя_таблицы</a:t>
             </a:r>
             <a:r>
@@ -11931,47 +12848,47 @@
               <a:rPr lang="ru-RU" sz="2000" dirty="0"/>
               <a:t> </a:t>
             </a:r>
-            <a:r>
-              <a:rPr lang="en-US" sz="2000" dirty="0" smtClean="0"/>
-              <a:t>MODIFY </a:t>
-            </a:r>
-            <a:r>
-              <a:rPr lang="en-US" sz="2000" dirty="0">
-                <a:solidFill>
-                  <a:srgbClr val="A71D5D"/>
-                </a:solidFill>
-              </a:rPr>
-              <a:t>&lt;</a:t>
-            </a:r>
-            <a:r>
-              <a:rPr lang="ru-RU" sz="2000" dirty="0" err="1"/>
-              <a:t>имя_столбца</a:t>
-            </a:r>
-            <a:r>
-              <a:rPr lang="ru-RU" sz="2000" dirty="0" smtClean="0">
-                <a:solidFill>
-                  <a:srgbClr val="A71D5D"/>
-                </a:solidFill>
-              </a:rPr>
-              <a:t>&gt;</a:t>
-            </a:r>
-            <a:endParaRPr lang="en-US" sz="2000" dirty="0" smtClean="0">
-              <a:solidFill>
-                <a:srgbClr val="A71D5D"/>
-              </a:solidFill>
-            </a:endParaRPr>
+            <a:endParaRPr lang="ru-RU" sz="2000" dirty="0" smtClean="0"/>
           </a:p>
           <a:p>
             <a:pPr marL="0" indent="0">
               <a:buNone/>
             </a:pPr>
             <a:r>
+              <a:rPr lang="ru-RU" sz="2000" dirty="0"/>
+              <a:t>	</a:t>
+            </a:r>
+            <a:r>
               <a:rPr lang="en-US" sz="2000" dirty="0">
                 <a:solidFill>
                   <a:srgbClr val="A71D5D"/>
                 </a:solidFill>
               </a:rPr>
-              <a:t>	</a:t>
+              <a:t>MODIFY</a:t>
+            </a:r>
+            <a:r>
+              <a:rPr lang="en-US" sz="2000" dirty="0" smtClean="0"/>
+              <a:t> </a:t>
+            </a:r>
+            <a:r>
+              <a:rPr lang="en-US" sz="2000" dirty="0">
+                <a:solidFill>
+                  <a:srgbClr val="A71D5D"/>
+                </a:solidFill>
+              </a:rPr>
+              <a:t>&lt;</a:t>
+            </a:r>
+            <a:r>
+              <a:rPr lang="ru-RU" sz="2000" dirty="0"/>
+              <a:t>имя_столбца</a:t>
+            </a:r>
+            <a:r>
+              <a:rPr lang="ru-RU" sz="2000" dirty="0" smtClean="0">
+                <a:solidFill>
+                  <a:srgbClr val="A71D5D"/>
+                </a:solidFill>
+              </a:rPr>
+              <a:t>&gt;</a:t>
             </a:r>
             <a:r>
               <a:rPr lang="ru-RU" sz="2000" dirty="0" smtClean="0"/>
@@ -11986,7 +12903,7 @@
               <a:t>&lt;</a:t>
             </a:r>
             <a:r>
-              <a:rPr lang="ru-RU" sz="2000" dirty="0" err="1"/>
+              <a:rPr lang="ru-RU" sz="2000" dirty="0"/>
               <a:t>тип_столбца</a:t>
             </a:r>
             <a:r>
@@ -11999,7 +12916,21 @@
             </a:r>
             <a:r>
               <a:rPr lang="ru-RU" sz="2000" dirty="0"/>
-              <a:t> [</a:t>
+              <a:t> </a:t>
+            </a:r>
+            <a:endParaRPr lang="ru-RU" sz="2000" dirty="0" smtClean="0"/>
+          </a:p>
+          <a:p>
+            <a:pPr marL="0" indent="0">
+              <a:buNone/>
+            </a:pPr>
+            <a:r>
+              <a:rPr lang="ru-RU" sz="2000" dirty="0"/>
+              <a:t>	</a:t>
+            </a:r>
+            <a:r>
+              <a:rPr lang="ru-RU" sz="2000" dirty="0" smtClean="0"/>
+              <a:t>[</a:t>
             </a:r>
             <a:r>
               <a:rPr lang="en-US" sz="2000" dirty="0">
@@ -12027,7 +12958,21 @@
             </a:r>
             <a:r>
               <a:rPr lang="en-US" sz="2000" dirty="0" smtClean="0"/>
-              <a:t>	[</a:t>
+              <a:t>	</a:t>
+            </a:r>
+            <a:endParaRPr lang="ru-RU" sz="2000" dirty="0" smtClean="0"/>
+          </a:p>
+          <a:p>
+            <a:pPr marL="0" indent="0">
+              <a:buNone/>
+            </a:pPr>
+            <a:r>
+              <a:rPr lang="ru-RU" sz="2000" dirty="0"/>
+              <a:t>	</a:t>
+            </a:r>
+            <a:r>
+              <a:rPr lang="en-US" sz="2000" dirty="0" smtClean="0"/>
+              <a:t>[</a:t>
             </a:r>
             <a:r>
               <a:rPr lang="en-US" sz="2000" dirty="0">
@@ -12130,7 +13075,420 @@
   <p:timing>
     <p:tnLst>
       <p:par>
-        <p:cTn id="1" dur="indefinite" restart="never" nodeType="tmRoot"/>
+        <p:cTn id="1" dur="indefinite" restart="never" nodeType="tmRoot">
+          <p:childTnLst>
+            <p:seq concurrent="1" nextAc="seek">
+              <p:cTn id="2" dur="indefinite" nodeType="mainSeq">
+                <p:childTnLst>
+                  <p:par>
+                    <p:cTn id="3" fill="hold">
+                      <p:stCondLst>
+                        <p:cond delay="indefinite"/>
+                      </p:stCondLst>
+                      <p:childTnLst>
+                        <p:par>
+                          <p:cTn id="4" fill="hold">
+                            <p:stCondLst>
+                              <p:cond delay="0"/>
+                            </p:stCondLst>
+                            <p:childTnLst>
+                              <p:par>
+                                <p:cTn id="5" presetID="10" presetClass="entr" presetSubtype="0" fill="hold" nodeType="clickEffect">
+                                  <p:stCondLst>
+                                    <p:cond delay="0"/>
+                                  </p:stCondLst>
+                                  <p:childTnLst>
+                                    <p:set>
+                                      <p:cBhvr>
+                                        <p:cTn id="6" dur="1" fill="hold">
+                                          <p:stCondLst>
+                                            <p:cond delay="0"/>
+                                          </p:stCondLst>
+                                        </p:cTn>
+                                        <p:tgtEl>
+                                          <p:spTgt spid="3">
+                                            <p:txEl>
+                                              <p:pRg st="0" end="0"/>
+                                            </p:txEl>
+                                          </p:spTgt>
+                                        </p:tgtEl>
+                                        <p:attrNameLst>
+                                          <p:attrName>style.visibility</p:attrName>
+                                        </p:attrNameLst>
+                                      </p:cBhvr>
+                                      <p:to>
+                                        <p:strVal val="visible"/>
+                                      </p:to>
+                                    </p:set>
+                                    <p:animEffect transition="in" filter="fade">
+                                      <p:cBhvr>
+                                        <p:cTn id="7" dur="500"/>
+                                        <p:tgtEl>
+                                          <p:spTgt spid="3">
+                                            <p:txEl>
+                                              <p:pRg st="0" end="0"/>
+                                            </p:txEl>
+                                          </p:spTgt>
+                                        </p:tgtEl>
+                                      </p:cBhvr>
+                                    </p:animEffect>
+                                  </p:childTnLst>
+                                </p:cTn>
+                              </p:par>
+                            </p:childTnLst>
+                          </p:cTn>
+                        </p:par>
+                      </p:childTnLst>
+                    </p:cTn>
+                  </p:par>
+                  <p:par>
+                    <p:cTn id="8" fill="hold">
+                      <p:stCondLst>
+                        <p:cond delay="indefinite"/>
+                      </p:stCondLst>
+                      <p:childTnLst>
+                        <p:par>
+                          <p:cTn id="9" fill="hold">
+                            <p:stCondLst>
+                              <p:cond delay="0"/>
+                            </p:stCondLst>
+                            <p:childTnLst>
+                              <p:par>
+                                <p:cTn id="10" presetID="1" presetClass="entr" presetSubtype="0" fill="hold" nodeType="clickEffect">
+                                  <p:stCondLst>
+                                    <p:cond delay="0"/>
+                                  </p:stCondLst>
+                                  <p:childTnLst>
+                                    <p:set>
+                                      <p:cBhvr>
+                                        <p:cTn id="11" dur="1" fill="hold">
+                                          <p:stCondLst>
+                                            <p:cond delay="0"/>
+                                          </p:stCondLst>
+                                        </p:cTn>
+                                        <p:tgtEl>
+                                          <p:spTgt spid="3">
+                                            <p:txEl>
+                                              <p:pRg st="2" end="2"/>
+                                            </p:txEl>
+                                          </p:spTgt>
+                                        </p:tgtEl>
+                                        <p:attrNameLst>
+                                          <p:attrName>style.visibility</p:attrName>
+                                        </p:attrNameLst>
+                                      </p:cBhvr>
+                                      <p:to>
+                                        <p:strVal val="visible"/>
+                                      </p:to>
+                                    </p:set>
+                                  </p:childTnLst>
+                                </p:cTn>
+                              </p:par>
+                            </p:childTnLst>
+                          </p:cTn>
+                        </p:par>
+                      </p:childTnLst>
+                    </p:cTn>
+                  </p:par>
+                  <p:par>
+                    <p:cTn id="12" fill="hold">
+                      <p:stCondLst>
+                        <p:cond delay="indefinite"/>
+                      </p:stCondLst>
+                      <p:childTnLst>
+                        <p:par>
+                          <p:cTn id="13" fill="hold">
+                            <p:stCondLst>
+                              <p:cond delay="0"/>
+                            </p:stCondLst>
+                            <p:childTnLst>
+                              <p:par>
+                                <p:cTn id="14" presetID="42" presetClass="entr" presetSubtype="0" fill="hold" nodeType="clickEffect">
+                                  <p:stCondLst>
+                                    <p:cond delay="0"/>
+                                  </p:stCondLst>
+                                  <p:childTnLst>
+                                    <p:set>
+                                      <p:cBhvr>
+                                        <p:cTn id="15" dur="1" fill="hold">
+                                          <p:stCondLst>
+                                            <p:cond delay="0"/>
+                                          </p:stCondLst>
+                                        </p:cTn>
+                                        <p:tgtEl>
+                                          <p:spTgt spid="3">
+                                            <p:txEl>
+                                              <p:pRg st="3" end="3"/>
+                                            </p:txEl>
+                                          </p:spTgt>
+                                        </p:tgtEl>
+                                        <p:attrNameLst>
+                                          <p:attrName>style.visibility</p:attrName>
+                                        </p:attrNameLst>
+                                      </p:cBhvr>
+                                      <p:to>
+                                        <p:strVal val="visible"/>
+                                      </p:to>
+                                    </p:set>
+                                    <p:animEffect transition="in" filter="fade">
+                                      <p:cBhvr>
+                                        <p:cTn id="16" dur="1000"/>
+                                        <p:tgtEl>
+                                          <p:spTgt spid="3">
+                                            <p:txEl>
+                                              <p:pRg st="3" end="3"/>
+                                            </p:txEl>
+                                          </p:spTgt>
+                                        </p:tgtEl>
+                                      </p:cBhvr>
+                                    </p:animEffect>
+                                    <p:anim calcmode="lin" valueType="num">
+                                      <p:cBhvr>
+                                        <p:cTn id="17" dur="1000" fill="hold"/>
+                                        <p:tgtEl>
+                                          <p:spTgt spid="3">
+                                            <p:txEl>
+                                              <p:pRg st="3" end="3"/>
+                                            </p:txEl>
+                                          </p:spTgt>
+                                        </p:tgtEl>
+                                        <p:attrNameLst>
+                                          <p:attrName>ppt_x</p:attrName>
+                                        </p:attrNameLst>
+                                      </p:cBhvr>
+                                      <p:tavLst>
+                                        <p:tav tm="0">
+                                          <p:val>
+                                            <p:strVal val="#ppt_x"/>
+                                          </p:val>
+                                        </p:tav>
+                                        <p:tav tm="100000">
+                                          <p:val>
+                                            <p:strVal val="#ppt_x"/>
+                                          </p:val>
+                                        </p:tav>
+                                      </p:tavLst>
+                                    </p:anim>
+                                    <p:anim calcmode="lin" valueType="num">
+                                      <p:cBhvr>
+                                        <p:cTn id="18" dur="1000" fill="hold"/>
+                                        <p:tgtEl>
+                                          <p:spTgt spid="3">
+                                            <p:txEl>
+                                              <p:pRg st="3" end="3"/>
+                                            </p:txEl>
+                                          </p:spTgt>
+                                        </p:tgtEl>
+                                        <p:attrNameLst>
+                                          <p:attrName>ppt_y</p:attrName>
+                                        </p:attrNameLst>
+                                      </p:cBhvr>
+                                      <p:tavLst>
+                                        <p:tav tm="0">
+                                          <p:val>
+                                            <p:strVal val="#ppt_y+.1"/>
+                                          </p:val>
+                                        </p:tav>
+                                        <p:tav tm="100000">
+                                          <p:val>
+                                            <p:strVal val="#ppt_y"/>
+                                          </p:val>
+                                        </p:tav>
+                                      </p:tavLst>
+                                    </p:anim>
+                                  </p:childTnLst>
+                                </p:cTn>
+                              </p:par>
+                            </p:childTnLst>
+                          </p:cTn>
+                        </p:par>
+                      </p:childTnLst>
+                    </p:cTn>
+                  </p:par>
+                  <p:par>
+                    <p:cTn id="19" fill="hold">
+                      <p:stCondLst>
+                        <p:cond delay="indefinite"/>
+                      </p:stCondLst>
+                      <p:childTnLst>
+                        <p:par>
+                          <p:cTn id="20" fill="hold">
+                            <p:stCondLst>
+                              <p:cond delay="0"/>
+                            </p:stCondLst>
+                            <p:childTnLst>
+                              <p:par>
+                                <p:cTn id="21" presetID="16" presetClass="entr" presetSubtype="21" fill="hold" nodeType="clickEffect">
+                                  <p:stCondLst>
+                                    <p:cond delay="0"/>
+                                  </p:stCondLst>
+                                  <p:childTnLst>
+                                    <p:set>
+                                      <p:cBhvr>
+                                        <p:cTn id="22" dur="1" fill="hold">
+                                          <p:stCondLst>
+                                            <p:cond delay="0"/>
+                                          </p:stCondLst>
+                                        </p:cTn>
+                                        <p:tgtEl>
+                                          <p:spTgt spid="3">
+                                            <p:txEl>
+                                              <p:pRg st="4" end="4"/>
+                                            </p:txEl>
+                                          </p:spTgt>
+                                        </p:tgtEl>
+                                        <p:attrNameLst>
+                                          <p:attrName>style.visibility</p:attrName>
+                                        </p:attrNameLst>
+                                      </p:cBhvr>
+                                      <p:to>
+                                        <p:strVal val="visible"/>
+                                      </p:to>
+                                    </p:set>
+                                    <p:animEffect transition="in" filter="barn(inVertical)">
+                                      <p:cBhvr>
+                                        <p:cTn id="23" dur="500"/>
+                                        <p:tgtEl>
+                                          <p:spTgt spid="3">
+                                            <p:txEl>
+                                              <p:pRg st="4" end="4"/>
+                                            </p:txEl>
+                                          </p:spTgt>
+                                        </p:tgtEl>
+                                      </p:cBhvr>
+                                    </p:animEffect>
+                                  </p:childTnLst>
+                                </p:cTn>
+                              </p:par>
+                            </p:childTnLst>
+                          </p:cTn>
+                        </p:par>
+                      </p:childTnLst>
+                    </p:cTn>
+                  </p:par>
+                  <p:par>
+                    <p:cTn id="24" fill="hold">
+                      <p:stCondLst>
+                        <p:cond delay="indefinite"/>
+                      </p:stCondLst>
+                      <p:childTnLst>
+                        <p:par>
+                          <p:cTn id="25" fill="hold">
+                            <p:stCondLst>
+                              <p:cond delay="0"/>
+                            </p:stCondLst>
+                            <p:childTnLst>
+                              <p:par>
+                                <p:cTn id="26" presetID="22" presetClass="entr" presetSubtype="4" fill="hold" nodeType="clickEffect">
+                                  <p:stCondLst>
+                                    <p:cond delay="0"/>
+                                  </p:stCondLst>
+                                  <p:childTnLst>
+                                    <p:set>
+                                      <p:cBhvr>
+                                        <p:cTn id="27" dur="1" fill="hold">
+                                          <p:stCondLst>
+                                            <p:cond delay="0"/>
+                                          </p:stCondLst>
+                                        </p:cTn>
+                                        <p:tgtEl>
+                                          <p:spTgt spid="3">
+                                            <p:txEl>
+                                              <p:pRg st="5" end="5"/>
+                                            </p:txEl>
+                                          </p:spTgt>
+                                        </p:tgtEl>
+                                        <p:attrNameLst>
+                                          <p:attrName>style.visibility</p:attrName>
+                                        </p:attrNameLst>
+                                      </p:cBhvr>
+                                      <p:to>
+                                        <p:strVal val="visible"/>
+                                      </p:to>
+                                    </p:set>
+                                    <p:animEffect transition="in" filter="wipe(down)">
+                                      <p:cBhvr>
+                                        <p:cTn id="28" dur="500"/>
+                                        <p:tgtEl>
+                                          <p:spTgt spid="3">
+                                            <p:txEl>
+                                              <p:pRg st="5" end="5"/>
+                                            </p:txEl>
+                                          </p:spTgt>
+                                        </p:tgtEl>
+                                      </p:cBhvr>
+                                    </p:animEffect>
+                                  </p:childTnLst>
+                                </p:cTn>
+                              </p:par>
+                              <p:par>
+                                <p:cTn id="29" presetID="22" presetClass="entr" presetSubtype="4" fill="hold" nodeType="withEffect">
+                                  <p:stCondLst>
+                                    <p:cond delay="0"/>
+                                  </p:stCondLst>
+                                  <p:childTnLst>
+                                    <p:set>
+                                      <p:cBhvr>
+                                        <p:cTn id="30" dur="1" fill="hold">
+                                          <p:stCondLst>
+                                            <p:cond delay="0"/>
+                                          </p:stCondLst>
+                                        </p:cTn>
+                                        <p:tgtEl>
+                                          <p:spTgt spid="3">
+                                            <p:txEl>
+                                              <p:pRg st="6" end="6"/>
+                                            </p:txEl>
+                                          </p:spTgt>
+                                        </p:tgtEl>
+                                        <p:attrNameLst>
+                                          <p:attrName>style.visibility</p:attrName>
+                                        </p:attrNameLst>
+                                      </p:cBhvr>
+                                      <p:to>
+                                        <p:strVal val="visible"/>
+                                      </p:to>
+                                    </p:set>
+                                    <p:animEffect transition="in" filter="wipe(down)">
+                                      <p:cBhvr>
+                                        <p:cTn id="31" dur="500"/>
+                                        <p:tgtEl>
+                                          <p:spTgt spid="3">
+                                            <p:txEl>
+                                              <p:pRg st="6" end="6"/>
+                                            </p:txEl>
+                                          </p:spTgt>
+                                        </p:tgtEl>
+                                      </p:cBhvr>
+                                    </p:animEffect>
+                                  </p:childTnLst>
+                                </p:cTn>
+                              </p:par>
+                            </p:childTnLst>
+                          </p:cTn>
+                        </p:par>
+                      </p:childTnLst>
+                    </p:cTn>
+                  </p:par>
+                </p:childTnLst>
+              </p:cTn>
+              <p:prevCondLst>
+                <p:cond evt="onPrev" delay="0">
+                  <p:tgtEl>
+                    <p:sldTgt/>
+                  </p:tgtEl>
+                </p:cond>
+              </p:prevCondLst>
+              <p:nextCondLst>
+                <p:cond evt="onNext" delay="0">
+                  <p:tgtEl>
+                    <p:sldTgt/>
+                  </p:tgtEl>
+                </p:cond>
+              </p:nextCondLst>
+            </p:seq>
+          </p:childTnLst>
+        </p:cTn>
       </p:par>
     </p:tnLst>
   </p:timing>
@@ -12200,11 +13558,6 @@
               </a:rPr>
               <a:t>Data Manipulation Language (DML)</a:t>
             </a:r>
-            <a:endParaRPr lang="en-US" sz="6000" dirty="0">
-              <a:solidFill>
-                <a:srgbClr val="984807"/>
-              </a:solidFill>
-            </a:endParaRPr>
           </a:p>
         </p:txBody>
       </p:sp>
@@ -12218,6 +13571,13 @@
   <p:clrMapOvr>
     <a:masterClrMapping/>
   </p:clrMapOvr>
+  <p:timing>
+    <p:tnLst>
+      <p:par>
+        <p:cTn id="1" dur="indefinite" restart="never" nodeType="tmRoot"/>
+      </p:par>
+    </p:tnLst>
+  </p:timing>
 </p:sld>
 </file>
 
@@ -12292,11 +13652,6 @@
               </a:rPr>
               <a:t>DML</a:t>
             </a:r>
-            <a:endParaRPr lang="en-US" sz="4000" dirty="0">
-              <a:solidFill>
-                <a:srgbClr val="984807"/>
-              </a:solidFill>
-            </a:endParaRPr>
           </a:p>
         </p:txBody>
       </p:sp>
@@ -12309,7 +13664,7 @@
         <p:spPr>
           <a:xfrm>
             <a:off x="778473" y="1878558"/>
-            <a:ext cx="7537624" cy="2344616"/>
+            <a:ext cx="7537624" cy="2400657"/>
           </a:xfrm>
           <a:prstGeom prst="rect">
             <a:avLst/>
@@ -12336,18 +13691,15 @@
             </a:r>
           </a:p>
           <a:p>
-            <a:pPr>
+            <a:pPr marL="342900" indent="-342900">
               <a:lnSpc>
                 <a:spcPct val="150000"/>
               </a:lnSpc>
-              <a:buFont typeface="Arial"/>
+              <a:buFont typeface="Arial" panose="020B0604020202020204" pitchFamily="34" charset="0"/>
               <a:buChar char="•"/>
             </a:pPr>
             <a:r>
               <a:rPr lang="ru-RU" sz="2000" dirty="0">
-                <a:solidFill>
-                  <a:srgbClr val="4078C0"/>
-                </a:solidFill>
                 <a:hlinkClick r:id="rId2"/>
               </a:rPr>
               <a:t>INSERT</a:t>
@@ -12358,15 +13710,23 @@
                   <a:srgbClr val="333333"/>
                 </a:solidFill>
               </a:rPr>
-              <a:t> – вставка новых данных</a:t>
+              <a:t> </a:t>
+            </a:r>
+            <a:r>
+              <a:rPr lang="ru-RU" sz="2000" dirty="0">
+                <a:solidFill>
+                  <a:srgbClr val="333333"/>
+                </a:solidFill>
+              </a:rPr>
+              <a:t>– вставка новых данных</a:t>
             </a:r>
           </a:p>
           <a:p>
-            <a:pPr>
+            <a:pPr marL="342900" indent="-342900">
               <a:lnSpc>
                 <a:spcPct val="150000"/>
               </a:lnSpc>
-              <a:buFont typeface="Arial"/>
+              <a:buFont typeface="Arial" panose="020B0604020202020204" pitchFamily="34" charset="0"/>
               <a:buChar char="•"/>
             </a:pPr>
             <a:r>
@@ -12388,11 +13748,11 @@
             </a:r>
           </a:p>
           <a:p>
-            <a:pPr>
+            <a:pPr marL="342900" indent="-342900">
               <a:lnSpc>
                 <a:spcPct val="150000"/>
               </a:lnSpc>
-              <a:buFont typeface="Arial"/>
+              <a:buFont typeface="Arial" panose="020B0604020202020204" pitchFamily="34" charset="0"/>
               <a:buChar char="•"/>
             </a:pPr>
             <a:r>
@@ -12414,11 +13774,11 @@
             </a:r>
           </a:p>
           <a:p>
-            <a:pPr>
+            <a:pPr marL="342900" indent="-342900">
               <a:lnSpc>
                 <a:spcPct val="150000"/>
               </a:lnSpc>
-              <a:buFont typeface="Arial"/>
+              <a:buFont typeface="Arial" panose="020B0604020202020204" pitchFamily="34" charset="0"/>
               <a:buChar char="•"/>
             </a:pPr>
             <a:r>
@@ -12457,6 +13817,232 @@
   <p:clrMapOvr>
     <a:masterClrMapping/>
   </p:clrMapOvr>
+  <p:timing>
+    <p:tnLst>
+      <p:par>
+        <p:cTn id="1" dur="indefinite" restart="never" nodeType="tmRoot">
+          <p:childTnLst>
+            <p:seq concurrent="1" nextAc="seek">
+              <p:cTn id="2" dur="indefinite" nodeType="mainSeq">
+                <p:childTnLst>
+                  <p:par>
+                    <p:cTn id="3" fill="hold">
+                      <p:stCondLst>
+                        <p:cond delay="indefinite"/>
+                      </p:stCondLst>
+                      <p:childTnLst>
+                        <p:par>
+                          <p:cTn id="4" fill="hold">
+                            <p:stCondLst>
+                              <p:cond delay="0"/>
+                            </p:stCondLst>
+                            <p:childTnLst>
+                              <p:par>
+                                <p:cTn id="5" presetID="1" presetClass="entr" presetSubtype="0" fill="hold" nodeType="clickEffect">
+                                  <p:stCondLst>
+                                    <p:cond delay="0"/>
+                                  </p:stCondLst>
+                                  <p:childTnLst>
+                                    <p:set>
+                                      <p:cBhvr>
+                                        <p:cTn id="6" dur="1" fill="hold">
+                                          <p:stCondLst>
+                                            <p:cond delay="0"/>
+                                          </p:stCondLst>
+                                        </p:cTn>
+                                        <p:tgtEl>
+                                          <p:spTgt spid="2">
+                                            <p:txEl>
+                                              <p:pRg st="1" end="1"/>
+                                            </p:txEl>
+                                          </p:spTgt>
+                                        </p:tgtEl>
+                                        <p:attrNameLst>
+                                          <p:attrName>style.visibility</p:attrName>
+                                        </p:attrNameLst>
+                                      </p:cBhvr>
+                                      <p:to>
+                                        <p:strVal val="visible"/>
+                                      </p:to>
+                                    </p:set>
+                                  </p:childTnLst>
+                                </p:cTn>
+                              </p:par>
+                            </p:childTnLst>
+                          </p:cTn>
+                        </p:par>
+                      </p:childTnLst>
+                    </p:cTn>
+                  </p:par>
+                  <p:par>
+                    <p:cTn id="7" fill="hold">
+                      <p:stCondLst>
+                        <p:cond delay="indefinite"/>
+                      </p:stCondLst>
+                      <p:childTnLst>
+                        <p:par>
+                          <p:cTn id="8" fill="hold">
+                            <p:stCondLst>
+                              <p:cond delay="0"/>
+                            </p:stCondLst>
+                            <p:childTnLst>
+                              <p:par>
+                                <p:cTn id="9" presetID="1" presetClass="entr" presetSubtype="0" fill="hold" nodeType="clickEffect">
+                                  <p:stCondLst>
+                                    <p:cond delay="0"/>
+                                  </p:stCondLst>
+                                  <p:childTnLst>
+                                    <p:set>
+                                      <p:cBhvr>
+                                        <p:cTn id="10" dur="1" fill="hold">
+                                          <p:stCondLst>
+                                            <p:cond delay="0"/>
+                                          </p:stCondLst>
+                                        </p:cTn>
+                                        <p:tgtEl>
+                                          <p:spTgt spid="2">
+                                            <p:txEl>
+                                              <p:pRg st="2" end="2"/>
+                                            </p:txEl>
+                                          </p:spTgt>
+                                        </p:tgtEl>
+                                        <p:attrNameLst>
+                                          <p:attrName>style.visibility</p:attrName>
+                                        </p:attrNameLst>
+                                      </p:cBhvr>
+                                      <p:to>
+                                        <p:strVal val="visible"/>
+                                      </p:to>
+                                    </p:set>
+                                  </p:childTnLst>
+                                </p:cTn>
+                              </p:par>
+                            </p:childTnLst>
+                          </p:cTn>
+                        </p:par>
+                      </p:childTnLst>
+                    </p:cTn>
+                  </p:par>
+                  <p:par>
+                    <p:cTn id="11" fill="hold">
+                      <p:stCondLst>
+                        <p:cond delay="indefinite"/>
+                      </p:stCondLst>
+                      <p:childTnLst>
+                        <p:par>
+                          <p:cTn id="12" fill="hold">
+                            <p:stCondLst>
+                              <p:cond delay="0"/>
+                            </p:stCondLst>
+                            <p:childTnLst>
+                              <p:par>
+                                <p:cTn id="13" presetID="1" presetClass="entr" presetSubtype="0" fill="hold" nodeType="clickEffect">
+                                  <p:stCondLst>
+                                    <p:cond delay="0"/>
+                                  </p:stCondLst>
+                                  <p:childTnLst>
+                                    <p:set>
+                                      <p:cBhvr>
+                                        <p:cTn id="14" dur="1" fill="hold">
+                                          <p:stCondLst>
+                                            <p:cond delay="0"/>
+                                          </p:stCondLst>
+                                        </p:cTn>
+                                        <p:tgtEl>
+                                          <p:spTgt spid="2">
+                                            <p:txEl>
+                                              <p:pRg st="3" end="3"/>
+                                            </p:txEl>
+                                          </p:spTgt>
+                                        </p:tgtEl>
+                                        <p:attrNameLst>
+                                          <p:attrName>style.visibility</p:attrName>
+                                        </p:attrNameLst>
+                                      </p:cBhvr>
+                                      <p:to>
+                                        <p:strVal val="visible"/>
+                                      </p:to>
+                                    </p:set>
+                                  </p:childTnLst>
+                                </p:cTn>
+                              </p:par>
+                            </p:childTnLst>
+                          </p:cTn>
+                        </p:par>
+                      </p:childTnLst>
+                    </p:cTn>
+                  </p:par>
+                  <p:par>
+                    <p:cTn id="15" fill="hold">
+                      <p:stCondLst>
+                        <p:cond delay="indefinite"/>
+                      </p:stCondLst>
+                      <p:childTnLst>
+                        <p:par>
+                          <p:cTn id="16" fill="hold">
+                            <p:stCondLst>
+                              <p:cond delay="0"/>
+                            </p:stCondLst>
+                            <p:childTnLst>
+                              <p:par>
+                                <p:cTn id="17" presetID="1" presetClass="entr" presetSubtype="0" fill="hold" nodeType="clickEffect">
+                                  <p:stCondLst>
+                                    <p:cond delay="0"/>
+                                  </p:stCondLst>
+                                  <p:childTnLst>
+                                    <p:set>
+                                      <p:cBhvr>
+                                        <p:cTn id="18" dur="1" fill="hold">
+                                          <p:stCondLst>
+                                            <p:cond delay="0"/>
+                                          </p:stCondLst>
+                                        </p:cTn>
+                                        <p:tgtEl>
+                                          <p:spTgt spid="2">
+                                            <p:txEl>
+                                              <p:pRg st="4" end="4"/>
+                                            </p:txEl>
+                                          </p:spTgt>
+                                        </p:tgtEl>
+                                        <p:attrNameLst>
+                                          <p:attrName>style.visibility</p:attrName>
+                                        </p:attrNameLst>
+                                      </p:cBhvr>
+                                      <p:to>
+                                        <p:strVal val="visible"/>
+                                      </p:to>
+                                    </p:set>
+                                  </p:childTnLst>
+                                </p:cTn>
+                              </p:par>
+                            </p:childTnLst>
+                          </p:cTn>
+                        </p:par>
+                      </p:childTnLst>
+                    </p:cTn>
+                  </p:par>
+                </p:childTnLst>
+              </p:cTn>
+              <p:prevCondLst>
+                <p:cond evt="onPrev" delay="0">
+                  <p:tgtEl>
+                    <p:sldTgt/>
+                  </p:tgtEl>
+                </p:cond>
+              </p:prevCondLst>
+              <p:nextCondLst>
+                <p:cond evt="onNext" delay="0">
+                  <p:tgtEl>
+                    <p:sldTgt/>
+                  </p:tgtEl>
+                </p:cond>
+              </p:nextCondLst>
+            </p:seq>
+          </p:childTnLst>
+        </p:cTn>
+      </p:par>
+    </p:tnLst>
+  </p:timing>
 </p:sld>
 </file>
 
@@ -12531,11 +14117,6 @@
               </a:rPr>
               <a:t>INSERT</a:t>
             </a:r>
-            <a:endParaRPr lang="en-US" sz="4000" dirty="0">
-              <a:solidFill>
-                <a:srgbClr val="984807"/>
-              </a:solidFill>
-            </a:endParaRPr>
           </a:p>
         </p:txBody>
       </p:sp>
@@ -12548,7 +14129,7 @@
         <p:spPr>
           <a:xfrm>
             <a:off x="481914" y="1878558"/>
-            <a:ext cx="8229599" cy="2062103"/>
+            <a:ext cx="8229599" cy="1754326"/>
           </a:xfrm>
           <a:prstGeom prst="rect">
             <a:avLst/>
@@ -12561,8 +14142,16 @@
           <a:lstStyle/>
           <a:p>
             <a:r>
+              <a:rPr lang="ru-RU" sz="2000" dirty="0">
+                <a:solidFill>
+                  <a:srgbClr val="A71D5D"/>
+                </a:solidFill>
+              </a:rPr>
+              <a:t>INSERT</a:t>
+            </a:r>
+            <a:r>
               <a:rPr lang="ru-RU" sz="2000" dirty="0"/>
-              <a:t>INSERT [INTO] </a:t>
+              <a:t> [</a:t>
             </a:r>
             <a:r>
               <a:rPr lang="ru-RU" sz="2000" dirty="0">
@@ -12570,10 +14159,22 @@
                   <a:srgbClr val="A71D5D"/>
                 </a:solidFill>
               </a:rPr>
+              <a:t>INTO</a:t>
+            </a:r>
+            <a:r>
+              <a:rPr lang="ru-RU" sz="2000" dirty="0"/>
+              <a:t>] </a:t>
+            </a:r>
+            <a:r>
+              <a:rPr lang="ru-RU" sz="2000" dirty="0">
+                <a:solidFill>
+                  <a:srgbClr val="A71D5D"/>
+                </a:solidFill>
+              </a:rPr>
               <a:t>&lt;</a:t>
             </a:r>
             <a:r>
-              <a:rPr lang="ru-RU" sz="2000" dirty="0" err="1"/>
+              <a:rPr lang="ru-RU" sz="2000" dirty="0"/>
               <a:t>название_таблицы</a:t>
             </a:r>
             <a:r>
@@ -12681,10 +14282,14 @@
             </a:r>
             <a:r>
               <a:rPr lang="ru-RU" sz="2000" dirty="0"/>
-              <a:t> ( DEFAULT | </a:t>
-            </a:r>
-            <a:r>
-              <a:rPr lang="ru-RU" sz="2000" dirty="0">
+              <a:t> </a:t>
+            </a:r>
+            <a:r>
+              <a:rPr lang="ru-RU" sz="2000" dirty="0" smtClean="0"/>
+              <a:t>(</a:t>
+            </a:r>
+            <a:r>
+              <a:rPr lang="ru-RU" sz="2000" dirty="0" smtClean="0">
                 <a:solidFill>
                   <a:srgbClr val="A71D5D"/>
                 </a:solidFill>
@@ -12747,9 +14352,6 @@
               <a:rPr lang="ru-RU" sz="2000" dirty="0"/>
               <a:t> [,...]] </a:t>
             </a:r>
-            <a:endParaRPr lang="en-US" sz="2000" dirty="0" smtClean="0"/>
-          </a:p>
-          <a:p>
             <a:r>
               <a:rPr lang="ru-RU" sz="2000" dirty="0" smtClean="0"/>
               <a:t>);</a:t>
@@ -13126,6 +14728,301 @@
   <p:clrMapOvr>
     <a:masterClrMapping/>
   </p:clrMapOvr>
+  <p:timing>
+    <p:tnLst>
+      <p:par>
+        <p:cTn id="1" dur="indefinite" restart="never" nodeType="tmRoot">
+          <p:childTnLst>
+            <p:seq concurrent="1" nextAc="seek">
+              <p:cTn id="2" dur="indefinite" nodeType="mainSeq">
+                <p:childTnLst>
+                  <p:par>
+                    <p:cTn id="3" fill="hold">
+                      <p:stCondLst>
+                        <p:cond delay="indefinite"/>
+                      </p:stCondLst>
+                      <p:childTnLst>
+                        <p:par>
+                          <p:cTn id="4" fill="hold">
+                            <p:stCondLst>
+                              <p:cond delay="0"/>
+                            </p:stCondLst>
+                            <p:childTnLst>
+                              <p:par>
+                                <p:cTn id="5" presetID="1" presetClass="entr" presetSubtype="0" fill="hold" nodeType="clickEffect">
+                                  <p:stCondLst>
+                                    <p:cond delay="0"/>
+                                  </p:stCondLst>
+                                  <p:childTnLst>
+                                    <p:set>
+                                      <p:cBhvr>
+                                        <p:cTn id="6" dur="1" fill="hold">
+                                          <p:stCondLst>
+                                            <p:cond delay="0"/>
+                                          </p:stCondLst>
+                                        </p:cTn>
+                                        <p:tgtEl>
+                                          <p:spTgt spid="2">
+                                            <p:txEl>
+                                              <p:pRg st="0" end="0"/>
+                                            </p:txEl>
+                                          </p:spTgt>
+                                        </p:tgtEl>
+                                        <p:attrNameLst>
+                                          <p:attrName>style.visibility</p:attrName>
+                                        </p:attrNameLst>
+                                      </p:cBhvr>
+                                      <p:to>
+                                        <p:strVal val="visible"/>
+                                      </p:to>
+                                    </p:set>
+                                  </p:childTnLst>
+                                </p:cTn>
+                              </p:par>
+                            </p:childTnLst>
+                          </p:cTn>
+                        </p:par>
+                      </p:childTnLst>
+                    </p:cTn>
+                  </p:par>
+                  <p:par>
+                    <p:cTn id="7" fill="hold">
+                      <p:stCondLst>
+                        <p:cond delay="indefinite"/>
+                      </p:stCondLst>
+                      <p:childTnLst>
+                        <p:par>
+                          <p:cTn id="8" fill="hold">
+                            <p:stCondLst>
+                              <p:cond delay="0"/>
+                            </p:stCondLst>
+                            <p:childTnLst>
+                              <p:par>
+                                <p:cTn id="9" presetID="10" presetClass="entr" presetSubtype="0" fill="hold" nodeType="clickEffect">
+                                  <p:stCondLst>
+                                    <p:cond delay="0"/>
+                                  </p:stCondLst>
+                                  <p:childTnLst>
+                                    <p:set>
+                                      <p:cBhvr>
+                                        <p:cTn id="10" dur="1" fill="hold">
+                                          <p:stCondLst>
+                                            <p:cond delay="0"/>
+                                          </p:stCondLst>
+                                        </p:cTn>
+                                        <p:tgtEl>
+                                          <p:spTgt spid="2">
+                                            <p:txEl>
+                                              <p:pRg st="1" end="1"/>
+                                            </p:txEl>
+                                          </p:spTgt>
+                                        </p:tgtEl>
+                                        <p:attrNameLst>
+                                          <p:attrName>style.visibility</p:attrName>
+                                        </p:attrNameLst>
+                                      </p:cBhvr>
+                                      <p:to>
+                                        <p:strVal val="visible"/>
+                                      </p:to>
+                                    </p:set>
+                                    <p:animEffect transition="in" filter="fade">
+                                      <p:cBhvr>
+                                        <p:cTn id="11" dur="500"/>
+                                        <p:tgtEl>
+                                          <p:spTgt spid="2">
+                                            <p:txEl>
+                                              <p:pRg st="1" end="1"/>
+                                            </p:txEl>
+                                          </p:spTgt>
+                                        </p:tgtEl>
+                                      </p:cBhvr>
+                                    </p:animEffect>
+                                  </p:childTnLst>
+                                </p:cTn>
+                              </p:par>
+                            </p:childTnLst>
+                          </p:cTn>
+                        </p:par>
+                      </p:childTnLst>
+                    </p:cTn>
+                  </p:par>
+                  <p:par>
+                    <p:cTn id="12" fill="hold">
+                      <p:stCondLst>
+                        <p:cond delay="indefinite"/>
+                      </p:stCondLst>
+                      <p:childTnLst>
+                        <p:par>
+                          <p:cTn id="13" fill="hold">
+                            <p:stCondLst>
+                              <p:cond delay="0"/>
+                            </p:stCondLst>
+                            <p:childTnLst>
+                              <p:par>
+                                <p:cTn id="14" presetID="10" presetClass="entr" presetSubtype="0" fill="hold" nodeType="clickEffect">
+                                  <p:stCondLst>
+                                    <p:cond delay="0"/>
+                                  </p:stCondLst>
+                                  <p:childTnLst>
+                                    <p:set>
+                                      <p:cBhvr>
+                                        <p:cTn id="15" dur="1" fill="hold">
+                                          <p:stCondLst>
+                                            <p:cond delay="0"/>
+                                          </p:stCondLst>
+                                        </p:cTn>
+                                        <p:tgtEl>
+                                          <p:spTgt spid="2">
+                                            <p:txEl>
+                                              <p:pRg st="4" end="4"/>
+                                            </p:txEl>
+                                          </p:spTgt>
+                                        </p:tgtEl>
+                                        <p:attrNameLst>
+                                          <p:attrName>style.visibility</p:attrName>
+                                        </p:attrNameLst>
+                                      </p:cBhvr>
+                                      <p:to>
+                                        <p:strVal val="visible"/>
+                                      </p:to>
+                                    </p:set>
+                                    <p:animEffect transition="in" filter="fade">
+                                      <p:cBhvr>
+                                        <p:cTn id="16" dur="500"/>
+                                        <p:tgtEl>
+                                          <p:spTgt spid="2">
+                                            <p:txEl>
+                                              <p:pRg st="4" end="4"/>
+                                            </p:txEl>
+                                          </p:spTgt>
+                                        </p:tgtEl>
+                                      </p:cBhvr>
+                                    </p:animEffect>
+                                  </p:childTnLst>
+                                </p:cTn>
+                              </p:par>
+                            </p:childTnLst>
+                          </p:cTn>
+                        </p:par>
+                      </p:childTnLst>
+                    </p:cTn>
+                  </p:par>
+                  <p:par>
+                    <p:cTn id="17" fill="hold">
+                      <p:stCondLst>
+                        <p:cond delay="indefinite"/>
+                      </p:stCondLst>
+                      <p:childTnLst>
+                        <p:par>
+                          <p:cTn id="18" fill="hold">
+                            <p:stCondLst>
+                              <p:cond delay="0"/>
+                            </p:stCondLst>
+                            <p:childTnLst>
+                              <p:par>
+                                <p:cTn id="19" presetID="2" presetClass="entr" presetSubtype="4" fill="hold" grpId="0" nodeType="clickEffect">
+                                  <p:stCondLst>
+                                    <p:cond delay="0"/>
+                                  </p:stCondLst>
+                                  <p:childTnLst>
+                                    <p:set>
+                                      <p:cBhvr>
+                                        <p:cTn id="20" dur="1" fill="hold">
+                                          <p:stCondLst>
+                                            <p:cond delay="0"/>
+                                          </p:stCondLst>
+                                        </p:cTn>
+                                        <p:tgtEl>
+                                          <p:spTgt spid="3"/>
+                                        </p:tgtEl>
+                                        <p:attrNameLst>
+                                          <p:attrName>style.visibility</p:attrName>
+                                        </p:attrNameLst>
+                                      </p:cBhvr>
+                                      <p:to>
+                                        <p:strVal val="visible"/>
+                                      </p:to>
+                                    </p:set>
+                                    <p:anim calcmode="lin" valueType="num">
+                                      <p:cBhvr additive="base">
+                                        <p:cTn id="21" dur="500" fill="hold"/>
+                                        <p:tgtEl>
+                                          <p:spTgt spid="3"/>
+                                        </p:tgtEl>
+                                        <p:attrNameLst>
+                                          <p:attrName>ppt_x</p:attrName>
+                                        </p:attrNameLst>
+                                      </p:cBhvr>
+                                      <p:tavLst>
+                                        <p:tav tm="0">
+                                          <p:val>
+                                            <p:strVal val="#ppt_x"/>
+                                          </p:val>
+                                        </p:tav>
+                                        <p:tav tm="100000">
+                                          <p:val>
+                                            <p:strVal val="#ppt_x"/>
+                                          </p:val>
+                                        </p:tav>
+                                      </p:tavLst>
+                                    </p:anim>
+                                    <p:anim calcmode="lin" valueType="num">
+                                      <p:cBhvr additive="base">
+                                        <p:cTn id="22" dur="500" fill="hold"/>
+                                        <p:tgtEl>
+                                          <p:spTgt spid="3"/>
+                                        </p:tgtEl>
+                                        <p:attrNameLst>
+                                          <p:attrName>ppt_y</p:attrName>
+                                        </p:attrNameLst>
+                                      </p:cBhvr>
+                                      <p:tavLst>
+                                        <p:tav tm="0">
+                                          <p:val>
+                                            <p:strVal val="1+#ppt_h/2"/>
+                                          </p:val>
+                                        </p:tav>
+                                        <p:tav tm="100000">
+                                          <p:val>
+                                            <p:strVal val="#ppt_y"/>
+                                          </p:val>
+                                        </p:tav>
+                                      </p:tavLst>
+                                    </p:anim>
+                                  </p:childTnLst>
+                                </p:cTn>
+                              </p:par>
+                            </p:childTnLst>
+                          </p:cTn>
+                        </p:par>
+                      </p:childTnLst>
+                    </p:cTn>
+                  </p:par>
+                </p:childTnLst>
+              </p:cTn>
+              <p:prevCondLst>
+                <p:cond evt="onPrev" delay="0">
+                  <p:tgtEl>
+                    <p:sldTgt/>
+                  </p:tgtEl>
+                </p:cond>
+              </p:prevCondLst>
+              <p:nextCondLst>
+                <p:cond evt="onNext" delay="0">
+                  <p:tgtEl>
+                    <p:sldTgt/>
+                  </p:tgtEl>
+                </p:cond>
+              </p:nextCondLst>
+            </p:seq>
+          </p:childTnLst>
+        </p:cTn>
+      </p:par>
+    </p:tnLst>
+    <p:bldLst>
+      <p:bldP spid="3" grpId="0" animBg="1"/>
+    </p:bldLst>
+  </p:timing>
 </p:sld>
 </file>
 
@@ -13200,11 +15097,6 @@
               </a:rPr>
               <a:t>UPDATE</a:t>
             </a:r>
-            <a:endParaRPr lang="en-US" sz="4000" dirty="0">
-              <a:solidFill>
-                <a:srgbClr val="984807"/>
-              </a:solidFill>
-            </a:endParaRPr>
           </a:p>
         </p:txBody>
       </p:sp>
@@ -13486,7 +15378,7 @@
         </p:nvSpPr>
         <p:spPr bwMode="auto">
           <a:xfrm>
-            <a:off x="778471" y="4402439"/>
+            <a:off x="809366" y="4094662"/>
             <a:ext cx="7574695" cy="615553"/>
           </a:xfrm>
           <a:prstGeom prst="rect">
@@ -13689,6 +15581,366 @@
   <p:clrMapOvr>
     <a:masterClrMapping/>
   </p:clrMapOvr>
+  <p:timing>
+    <p:tnLst>
+      <p:par>
+        <p:cTn id="1" dur="indefinite" restart="never" nodeType="tmRoot">
+          <p:childTnLst>
+            <p:seq concurrent="1" nextAc="seek">
+              <p:cTn id="2" dur="indefinite" nodeType="mainSeq">
+                <p:childTnLst>
+                  <p:par>
+                    <p:cTn id="3" fill="hold">
+                      <p:stCondLst>
+                        <p:cond delay="indefinite"/>
+                      </p:stCondLst>
+                      <p:childTnLst>
+                        <p:par>
+                          <p:cTn id="4" fill="hold">
+                            <p:stCondLst>
+                              <p:cond delay="0"/>
+                            </p:stCondLst>
+                            <p:childTnLst>
+                              <p:par>
+                                <p:cTn id="5" presetID="1" presetClass="entr" presetSubtype="0" fill="hold" nodeType="clickEffect">
+                                  <p:stCondLst>
+                                    <p:cond delay="0"/>
+                                  </p:stCondLst>
+                                  <p:childTnLst>
+                                    <p:set>
+                                      <p:cBhvr>
+                                        <p:cTn id="6" dur="1" fill="hold">
+                                          <p:stCondLst>
+                                            <p:cond delay="0"/>
+                                          </p:stCondLst>
+                                        </p:cTn>
+                                        <p:tgtEl>
+                                          <p:spTgt spid="2">
+                                            <p:txEl>
+                                              <p:pRg st="0" end="0"/>
+                                            </p:txEl>
+                                          </p:spTgt>
+                                        </p:tgtEl>
+                                        <p:attrNameLst>
+                                          <p:attrName>style.visibility</p:attrName>
+                                        </p:attrNameLst>
+                                      </p:cBhvr>
+                                      <p:to>
+                                        <p:strVal val="visible"/>
+                                      </p:to>
+                                    </p:set>
+                                  </p:childTnLst>
+                                </p:cTn>
+                              </p:par>
+                            </p:childTnLst>
+                          </p:cTn>
+                        </p:par>
+                      </p:childTnLst>
+                    </p:cTn>
+                  </p:par>
+                  <p:par>
+                    <p:cTn id="7" fill="hold">
+                      <p:stCondLst>
+                        <p:cond delay="indefinite"/>
+                      </p:stCondLst>
+                      <p:childTnLst>
+                        <p:par>
+                          <p:cTn id="8" fill="hold">
+                            <p:stCondLst>
+                              <p:cond delay="0"/>
+                            </p:stCondLst>
+                            <p:childTnLst>
+                              <p:par>
+                                <p:cTn id="9" presetID="42" presetClass="entr" presetSubtype="0" fill="hold" nodeType="clickEffect">
+                                  <p:stCondLst>
+                                    <p:cond delay="0"/>
+                                  </p:stCondLst>
+                                  <p:childTnLst>
+                                    <p:set>
+                                      <p:cBhvr>
+                                        <p:cTn id="10" dur="1" fill="hold">
+                                          <p:stCondLst>
+                                            <p:cond delay="0"/>
+                                          </p:stCondLst>
+                                        </p:cTn>
+                                        <p:tgtEl>
+                                          <p:spTgt spid="2">
+                                            <p:txEl>
+                                              <p:pRg st="1" end="1"/>
+                                            </p:txEl>
+                                          </p:spTgt>
+                                        </p:tgtEl>
+                                        <p:attrNameLst>
+                                          <p:attrName>style.visibility</p:attrName>
+                                        </p:attrNameLst>
+                                      </p:cBhvr>
+                                      <p:to>
+                                        <p:strVal val="visible"/>
+                                      </p:to>
+                                    </p:set>
+                                    <p:animEffect transition="in" filter="fade">
+                                      <p:cBhvr>
+                                        <p:cTn id="11" dur="1000"/>
+                                        <p:tgtEl>
+                                          <p:spTgt spid="2">
+                                            <p:txEl>
+                                              <p:pRg st="1" end="1"/>
+                                            </p:txEl>
+                                          </p:spTgt>
+                                        </p:tgtEl>
+                                      </p:cBhvr>
+                                    </p:animEffect>
+                                    <p:anim calcmode="lin" valueType="num">
+                                      <p:cBhvr>
+                                        <p:cTn id="12" dur="1000" fill="hold"/>
+                                        <p:tgtEl>
+                                          <p:spTgt spid="2">
+                                            <p:txEl>
+                                              <p:pRg st="1" end="1"/>
+                                            </p:txEl>
+                                          </p:spTgt>
+                                        </p:tgtEl>
+                                        <p:attrNameLst>
+                                          <p:attrName>ppt_x</p:attrName>
+                                        </p:attrNameLst>
+                                      </p:cBhvr>
+                                      <p:tavLst>
+                                        <p:tav tm="0">
+                                          <p:val>
+                                            <p:strVal val="#ppt_x"/>
+                                          </p:val>
+                                        </p:tav>
+                                        <p:tav tm="100000">
+                                          <p:val>
+                                            <p:strVal val="#ppt_x"/>
+                                          </p:val>
+                                        </p:tav>
+                                      </p:tavLst>
+                                    </p:anim>
+                                    <p:anim calcmode="lin" valueType="num">
+                                      <p:cBhvr>
+                                        <p:cTn id="13" dur="1000" fill="hold"/>
+                                        <p:tgtEl>
+                                          <p:spTgt spid="2">
+                                            <p:txEl>
+                                              <p:pRg st="1" end="1"/>
+                                            </p:txEl>
+                                          </p:spTgt>
+                                        </p:tgtEl>
+                                        <p:attrNameLst>
+                                          <p:attrName>ppt_y</p:attrName>
+                                        </p:attrNameLst>
+                                      </p:cBhvr>
+                                      <p:tavLst>
+                                        <p:tav tm="0">
+                                          <p:val>
+                                            <p:strVal val="#ppt_y+.1"/>
+                                          </p:val>
+                                        </p:tav>
+                                        <p:tav tm="100000">
+                                          <p:val>
+                                            <p:strVal val="#ppt_y"/>
+                                          </p:val>
+                                        </p:tav>
+                                      </p:tavLst>
+                                    </p:anim>
+                                  </p:childTnLst>
+                                </p:cTn>
+                              </p:par>
+                            </p:childTnLst>
+                          </p:cTn>
+                        </p:par>
+                      </p:childTnLst>
+                    </p:cTn>
+                  </p:par>
+                  <p:par>
+                    <p:cTn id="14" fill="hold">
+                      <p:stCondLst>
+                        <p:cond delay="indefinite"/>
+                      </p:stCondLst>
+                      <p:childTnLst>
+                        <p:par>
+                          <p:cTn id="15" fill="hold">
+                            <p:stCondLst>
+                              <p:cond delay="0"/>
+                            </p:stCondLst>
+                            <p:childTnLst>
+                              <p:par>
+                                <p:cTn id="16" presetID="16" presetClass="entr" presetSubtype="21" fill="hold" nodeType="clickEffect">
+                                  <p:stCondLst>
+                                    <p:cond delay="0"/>
+                                  </p:stCondLst>
+                                  <p:childTnLst>
+                                    <p:set>
+                                      <p:cBhvr>
+                                        <p:cTn id="17" dur="1" fill="hold">
+                                          <p:stCondLst>
+                                            <p:cond delay="0"/>
+                                          </p:stCondLst>
+                                        </p:cTn>
+                                        <p:tgtEl>
+                                          <p:spTgt spid="2">
+                                            <p:txEl>
+                                              <p:pRg st="2" end="2"/>
+                                            </p:txEl>
+                                          </p:spTgt>
+                                        </p:tgtEl>
+                                        <p:attrNameLst>
+                                          <p:attrName>style.visibility</p:attrName>
+                                        </p:attrNameLst>
+                                      </p:cBhvr>
+                                      <p:to>
+                                        <p:strVal val="visible"/>
+                                      </p:to>
+                                    </p:set>
+                                    <p:animEffect transition="in" filter="barn(inVertical)">
+                                      <p:cBhvr>
+                                        <p:cTn id="18" dur="500"/>
+                                        <p:tgtEl>
+                                          <p:spTgt spid="2">
+                                            <p:txEl>
+                                              <p:pRg st="2" end="2"/>
+                                            </p:txEl>
+                                          </p:spTgt>
+                                        </p:tgtEl>
+                                      </p:cBhvr>
+                                    </p:animEffect>
+                                  </p:childTnLst>
+                                </p:cTn>
+                              </p:par>
+                            </p:childTnLst>
+                          </p:cTn>
+                        </p:par>
+                      </p:childTnLst>
+                    </p:cTn>
+                  </p:par>
+                  <p:par>
+                    <p:cTn id="19" fill="hold">
+                      <p:stCondLst>
+                        <p:cond delay="indefinite"/>
+                      </p:stCondLst>
+                      <p:childTnLst>
+                        <p:par>
+                          <p:cTn id="20" fill="hold">
+                            <p:stCondLst>
+                              <p:cond delay="0"/>
+                            </p:stCondLst>
+                            <p:childTnLst>
+                              <p:par>
+                                <p:cTn id="21" presetID="1" presetClass="entr" presetSubtype="0" fill="hold" nodeType="clickEffect">
+                                  <p:stCondLst>
+                                    <p:cond delay="0"/>
+                                  </p:stCondLst>
+                                  <p:childTnLst>
+                                    <p:set>
+                                      <p:cBhvr>
+                                        <p:cTn id="22" dur="1" fill="hold">
+                                          <p:stCondLst>
+                                            <p:cond delay="0"/>
+                                          </p:stCondLst>
+                                        </p:cTn>
+                                        <p:tgtEl>
+                                          <p:spTgt spid="2">
+                                            <p:txEl>
+                                              <p:pRg st="4" end="4"/>
+                                            </p:txEl>
+                                          </p:spTgt>
+                                        </p:tgtEl>
+                                        <p:attrNameLst>
+                                          <p:attrName>style.visibility</p:attrName>
+                                        </p:attrNameLst>
+                                      </p:cBhvr>
+                                      <p:to>
+                                        <p:strVal val="visible"/>
+                                      </p:to>
+                                    </p:set>
+                                  </p:childTnLst>
+                                </p:cTn>
+                              </p:par>
+                            </p:childTnLst>
+                          </p:cTn>
+                        </p:par>
+                      </p:childTnLst>
+                    </p:cTn>
+                  </p:par>
+                  <p:par>
+                    <p:cTn id="23" fill="hold">
+                      <p:stCondLst>
+                        <p:cond delay="indefinite"/>
+                      </p:stCondLst>
+                      <p:childTnLst>
+                        <p:par>
+                          <p:cTn id="24" fill="hold">
+                            <p:stCondLst>
+                              <p:cond delay="0"/>
+                            </p:stCondLst>
+                            <p:childTnLst>
+                              <p:par>
+                                <p:cTn id="25" presetID="16" presetClass="entr" presetSubtype="21" fill="hold" grpId="0" nodeType="clickEffect">
+                                  <p:stCondLst>
+                                    <p:cond delay="0"/>
+                                  </p:stCondLst>
+                                  <p:childTnLst>
+                                    <p:set>
+                                      <p:cBhvr>
+                                        <p:cTn id="26" dur="1" fill="hold">
+                                          <p:stCondLst>
+                                            <p:cond delay="0"/>
+                                          </p:stCondLst>
+                                        </p:cTn>
+                                        <p:tgtEl>
+                                          <p:spTgt spid="3"/>
+                                        </p:tgtEl>
+                                        <p:attrNameLst>
+                                          <p:attrName>style.visibility</p:attrName>
+                                        </p:attrNameLst>
+                                      </p:cBhvr>
+                                      <p:to>
+                                        <p:strVal val="visible"/>
+                                      </p:to>
+                                    </p:set>
+                                    <p:animEffect transition="in" filter="barn(inVertical)">
+                                      <p:cBhvr>
+                                        <p:cTn id="27" dur="500"/>
+                                        <p:tgtEl>
+                                          <p:spTgt spid="3"/>
+                                        </p:tgtEl>
+                                      </p:cBhvr>
+                                    </p:animEffect>
+                                  </p:childTnLst>
+                                </p:cTn>
+                              </p:par>
+                            </p:childTnLst>
+                          </p:cTn>
+                        </p:par>
+                      </p:childTnLst>
+                    </p:cTn>
+                  </p:par>
+                </p:childTnLst>
+              </p:cTn>
+              <p:prevCondLst>
+                <p:cond evt="onPrev" delay="0">
+                  <p:tgtEl>
+                    <p:sldTgt/>
+                  </p:tgtEl>
+                </p:cond>
+              </p:prevCondLst>
+              <p:nextCondLst>
+                <p:cond evt="onNext" delay="0">
+                  <p:tgtEl>
+                    <p:sldTgt/>
+                  </p:tgtEl>
+                </p:cond>
+              </p:nextCondLst>
+            </p:seq>
+          </p:childTnLst>
+        </p:cTn>
+      </p:par>
+    </p:tnLst>
+    <p:bldLst>
+      <p:bldP spid="3" grpId="0" animBg="1"/>
+    </p:bldLst>
+  </p:timing>
 </p:sld>
 </file>
 
@@ -14176,11 +16428,6 @@
               </a:rPr>
               <a:t>DELETE</a:t>
             </a:r>
-            <a:endParaRPr lang="en-US" sz="4000" dirty="0">
-              <a:solidFill>
-                <a:srgbClr val="984807"/>
-              </a:solidFill>
-            </a:endParaRPr>
           </a:p>
         </p:txBody>
       </p:sp>
@@ -14238,7 +16485,7 @@
               <a:t>&lt;</a:t>
             </a:r>
             <a:r>
-              <a:rPr lang="ru-RU" sz="2000" dirty="0" err="1"/>
+              <a:rPr lang="ru-RU" sz="2000" dirty="0"/>
               <a:t>название_таблицы</a:t>
             </a:r>
             <a:r>
@@ -14253,44 +16500,51 @@
               <a:rPr lang="ru-RU" sz="2000" dirty="0"/>
               <a:t> </a:t>
             </a:r>
+            <a:endParaRPr lang="ru-RU" sz="2000" dirty="0" smtClean="0"/>
+          </a:p>
+          <a:p>
             <a:r>
               <a:rPr lang="ru-RU" sz="2000" dirty="0">
                 <a:solidFill>
                   <a:srgbClr val="A71D5D"/>
                 </a:solidFill>
               </a:rPr>
+              <a:t>	</a:t>
+            </a:r>
+            <a:r>
+              <a:rPr lang="ru-RU" sz="2000" dirty="0" smtClean="0">
+                <a:solidFill>
+                  <a:srgbClr val="A71D5D"/>
+                </a:solidFill>
+              </a:rPr>
               <a:t>WHERE</a:t>
             </a:r>
             <a:r>
+              <a:rPr lang="ru-RU" sz="2000" dirty="0" smtClean="0"/>
+              <a:t> </a:t>
+            </a:r>
+            <a:r>
+              <a:rPr lang="ru-RU" sz="2000" dirty="0" smtClean="0">
+                <a:solidFill>
+                  <a:srgbClr val="A71D5D"/>
+                </a:solidFill>
+              </a:rPr>
+              <a:t>&lt;</a:t>
+            </a:r>
+            <a:r>
               <a:rPr lang="ru-RU" sz="2000" dirty="0"/>
-              <a:t> </a:t>
-            </a:r>
-            <a:r>
-              <a:rPr lang="ru-RU" sz="2000" dirty="0" smtClean="0"/>
-              <a:t>		</a:t>
-            </a:r>
-            <a:r>
-              <a:rPr lang="ru-RU" sz="2000" dirty="0" smtClean="0">
+              <a:t>некое_поле</a:t>
+            </a:r>
+            <a:r>
+              <a:rPr lang="ru-RU" sz="2000" dirty="0">
                 <a:solidFill>
                   <a:srgbClr val="A71D5D"/>
                 </a:solidFill>
               </a:rPr>
-              <a:t>&lt;</a:t>
-            </a:r>
-            <a:r>
-              <a:rPr lang="ru-RU" sz="2000" dirty="0" err="1"/>
-              <a:t>некое_поле</a:t>
-            </a:r>
-            <a:r>
-              <a:rPr lang="ru-RU" sz="2000" dirty="0">
-                <a:solidFill>
-                  <a:srgbClr val="A71D5D"/>
-                </a:solidFill>
-              </a:rPr>
               <a:t>&gt;=&lt;</a:t>
             </a:r>
             <a:r>
-              <a:rPr lang="ru-RU" sz="2000" dirty="0" err="1"/>
+              <a:rPr lang="ru-RU" sz="2000" dirty="0"/>
               <a:t>некое_значение</a:t>
             </a:r>
             <a:r>
@@ -14310,14 +16564,6 @@
             </a:endParaRPr>
           </a:p>
           <a:p>
-            <a:r>
-              <a:rPr lang="ru-RU" dirty="0">
-                <a:solidFill>
-                  <a:srgbClr val="333333"/>
-                </a:solidFill>
-              </a:rPr>
-              <a:t>,</a:t>
-            </a:r>
             <a:endParaRPr lang="en-US" dirty="0" smtClean="0">
               <a:solidFill>
                 <a:srgbClr val="333333"/>
@@ -14516,6 +16762,375 @@
   <p:clrMapOvr>
     <a:masterClrMapping/>
   </p:clrMapOvr>
+  <p:timing>
+    <p:tnLst>
+      <p:par>
+        <p:cTn id="1" dur="indefinite" restart="never" nodeType="tmRoot">
+          <p:childTnLst>
+            <p:seq concurrent="1" nextAc="seek">
+              <p:cTn id="2" dur="indefinite" nodeType="mainSeq">
+                <p:childTnLst>
+                  <p:par>
+                    <p:cTn id="3" fill="hold">
+                      <p:stCondLst>
+                        <p:cond delay="indefinite"/>
+                      </p:stCondLst>
+                      <p:childTnLst>
+                        <p:par>
+                          <p:cTn id="4" fill="hold">
+                            <p:stCondLst>
+                              <p:cond delay="0"/>
+                            </p:stCondLst>
+                            <p:childTnLst>
+                              <p:par>
+                                <p:cTn id="5" presetID="10" presetClass="entr" presetSubtype="0" fill="hold" nodeType="clickEffect">
+                                  <p:stCondLst>
+                                    <p:cond delay="0"/>
+                                  </p:stCondLst>
+                                  <p:childTnLst>
+                                    <p:set>
+                                      <p:cBhvr>
+                                        <p:cTn id="6" dur="1" fill="hold">
+                                          <p:stCondLst>
+                                            <p:cond delay="0"/>
+                                          </p:stCondLst>
+                                        </p:cTn>
+                                        <p:tgtEl>
+                                          <p:spTgt spid="2">
+                                            <p:txEl>
+                                              <p:pRg st="0" end="0"/>
+                                            </p:txEl>
+                                          </p:spTgt>
+                                        </p:tgtEl>
+                                        <p:attrNameLst>
+                                          <p:attrName>style.visibility</p:attrName>
+                                        </p:attrNameLst>
+                                      </p:cBhvr>
+                                      <p:to>
+                                        <p:strVal val="visible"/>
+                                      </p:to>
+                                    </p:set>
+                                    <p:animEffect transition="in" filter="fade">
+                                      <p:cBhvr>
+                                        <p:cTn id="7" dur="500"/>
+                                        <p:tgtEl>
+                                          <p:spTgt spid="2">
+                                            <p:txEl>
+                                              <p:pRg st="0" end="0"/>
+                                            </p:txEl>
+                                          </p:spTgt>
+                                        </p:tgtEl>
+                                      </p:cBhvr>
+                                    </p:animEffect>
+                                  </p:childTnLst>
+                                </p:cTn>
+                              </p:par>
+                            </p:childTnLst>
+                          </p:cTn>
+                        </p:par>
+                      </p:childTnLst>
+                    </p:cTn>
+                  </p:par>
+                  <p:par>
+                    <p:cTn id="8" fill="hold">
+                      <p:stCondLst>
+                        <p:cond delay="indefinite"/>
+                      </p:stCondLst>
+                      <p:childTnLst>
+                        <p:par>
+                          <p:cTn id="9" fill="hold">
+                            <p:stCondLst>
+                              <p:cond delay="0"/>
+                            </p:stCondLst>
+                            <p:childTnLst>
+                              <p:par>
+                                <p:cTn id="10" presetID="10" presetClass="entr" presetSubtype="0" fill="hold" nodeType="clickEffect">
+                                  <p:stCondLst>
+                                    <p:cond delay="0"/>
+                                  </p:stCondLst>
+                                  <p:childTnLst>
+                                    <p:set>
+                                      <p:cBhvr>
+                                        <p:cTn id="11" dur="1" fill="hold">
+                                          <p:stCondLst>
+                                            <p:cond delay="0"/>
+                                          </p:stCondLst>
+                                        </p:cTn>
+                                        <p:tgtEl>
+                                          <p:spTgt spid="2">
+                                            <p:txEl>
+                                              <p:pRg st="1" end="1"/>
+                                            </p:txEl>
+                                          </p:spTgt>
+                                        </p:tgtEl>
+                                        <p:attrNameLst>
+                                          <p:attrName>style.visibility</p:attrName>
+                                        </p:attrNameLst>
+                                      </p:cBhvr>
+                                      <p:to>
+                                        <p:strVal val="visible"/>
+                                      </p:to>
+                                    </p:set>
+                                    <p:animEffect transition="in" filter="fade">
+                                      <p:cBhvr>
+                                        <p:cTn id="12" dur="500"/>
+                                        <p:tgtEl>
+                                          <p:spTgt spid="2">
+                                            <p:txEl>
+                                              <p:pRg st="1" end="1"/>
+                                            </p:txEl>
+                                          </p:spTgt>
+                                        </p:tgtEl>
+                                      </p:cBhvr>
+                                    </p:animEffect>
+                                  </p:childTnLst>
+                                </p:cTn>
+                              </p:par>
+                            </p:childTnLst>
+                          </p:cTn>
+                        </p:par>
+                      </p:childTnLst>
+                    </p:cTn>
+                  </p:par>
+                  <p:par>
+                    <p:cTn id="13" fill="hold">
+                      <p:stCondLst>
+                        <p:cond delay="indefinite"/>
+                      </p:stCondLst>
+                      <p:childTnLst>
+                        <p:par>
+                          <p:cTn id="14" fill="hold">
+                            <p:stCondLst>
+                              <p:cond delay="0"/>
+                            </p:stCondLst>
+                            <p:childTnLst>
+                              <p:par>
+                                <p:cTn id="15" presetID="42" presetClass="entr" presetSubtype="0" fill="hold" nodeType="clickEffect">
+                                  <p:stCondLst>
+                                    <p:cond delay="0"/>
+                                  </p:stCondLst>
+                                  <p:childTnLst>
+                                    <p:set>
+                                      <p:cBhvr>
+                                        <p:cTn id="16" dur="1" fill="hold">
+                                          <p:stCondLst>
+                                            <p:cond delay="0"/>
+                                          </p:stCondLst>
+                                        </p:cTn>
+                                        <p:tgtEl>
+                                          <p:spTgt spid="2">
+                                            <p:txEl>
+                                              <p:pRg st="4" end="4"/>
+                                            </p:txEl>
+                                          </p:spTgt>
+                                        </p:tgtEl>
+                                        <p:attrNameLst>
+                                          <p:attrName>style.visibility</p:attrName>
+                                        </p:attrNameLst>
+                                      </p:cBhvr>
+                                      <p:to>
+                                        <p:strVal val="visible"/>
+                                      </p:to>
+                                    </p:set>
+                                    <p:animEffect transition="in" filter="fade">
+                                      <p:cBhvr>
+                                        <p:cTn id="17" dur="1000"/>
+                                        <p:tgtEl>
+                                          <p:spTgt spid="2">
+                                            <p:txEl>
+                                              <p:pRg st="4" end="4"/>
+                                            </p:txEl>
+                                          </p:spTgt>
+                                        </p:tgtEl>
+                                      </p:cBhvr>
+                                    </p:animEffect>
+                                    <p:anim calcmode="lin" valueType="num">
+                                      <p:cBhvr>
+                                        <p:cTn id="18" dur="1000" fill="hold"/>
+                                        <p:tgtEl>
+                                          <p:spTgt spid="2">
+                                            <p:txEl>
+                                              <p:pRg st="4" end="4"/>
+                                            </p:txEl>
+                                          </p:spTgt>
+                                        </p:tgtEl>
+                                        <p:attrNameLst>
+                                          <p:attrName>ppt_x</p:attrName>
+                                        </p:attrNameLst>
+                                      </p:cBhvr>
+                                      <p:tavLst>
+                                        <p:tav tm="0">
+                                          <p:val>
+                                            <p:strVal val="#ppt_x"/>
+                                          </p:val>
+                                        </p:tav>
+                                        <p:tav tm="100000">
+                                          <p:val>
+                                            <p:strVal val="#ppt_x"/>
+                                          </p:val>
+                                        </p:tav>
+                                      </p:tavLst>
+                                    </p:anim>
+                                    <p:anim calcmode="lin" valueType="num">
+                                      <p:cBhvr>
+                                        <p:cTn id="19" dur="1000" fill="hold"/>
+                                        <p:tgtEl>
+                                          <p:spTgt spid="2">
+                                            <p:txEl>
+                                              <p:pRg st="4" end="4"/>
+                                            </p:txEl>
+                                          </p:spTgt>
+                                        </p:tgtEl>
+                                        <p:attrNameLst>
+                                          <p:attrName>ppt_y</p:attrName>
+                                        </p:attrNameLst>
+                                      </p:cBhvr>
+                                      <p:tavLst>
+                                        <p:tav tm="0">
+                                          <p:val>
+                                            <p:strVal val="#ppt_y+.1"/>
+                                          </p:val>
+                                        </p:tav>
+                                        <p:tav tm="100000">
+                                          <p:val>
+                                            <p:strVal val="#ppt_y"/>
+                                          </p:val>
+                                        </p:tav>
+                                      </p:tavLst>
+                                    </p:anim>
+                                  </p:childTnLst>
+                                </p:cTn>
+                              </p:par>
+                            </p:childTnLst>
+                          </p:cTn>
+                        </p:par>
+                      </p:childTnLst>
+                    </p:cTn>
+                  </p:par>
+                  <p:par>
+                    <p:cTn id="20" fill="hold">
+                      <p:stCondLst>
+                        <p:cond delay="indefinite"/>
+                      </p:stCondLst>
+                      <p:childTnLst>
+                        <p:par>
+                          <p:cTn id="21" fill="hold">
+                            <p:stCondLst>
+                              <p:cond delay="0"/>
+                            </p:stCondLst>
+                            <p:childTnLst>
+                              <p:par>
+                                <p:cTn id="22" presetID="42" presetClass="entr" presetSubtype="0" fill="hold" grpId="0" nodeType="clickEffect">
+                                  <p:stCondLst>
+                                    <p:cond delay="0"/>
+                                  </p:stCondLst>
+                                  <p:childTnLst>
+                                    <p:set>
+                                      <p:cBhvr>
+                                        <p:cTn id="23" dur="1" fill="hold">
+                                          <p:stCondLst>
+                                            <p:cond delay="0"/>
+                                          </p:stCondLst>
+                                        </p:cTn>
+                                        <p:tgtEl>
+                                          <p:spTgt spid="3"/>
+                                        </p:tgtEl>
+                                        <p:attrNameLst>
+                                          <p:attrName>style.visibility</p:attrName>
+                                        </p:attrNameLst>
+                                      </p:cBhvr>
+                                      <p:to>
+                                        <p:strVal val="visible"/>
+                                      </p:to>
+                                    </p:set>
+                                    <p:animEffect transition="in" filter="fade">
+                                      <p:cBhvr>
+                                        <p:cTn id="24" dur="1000"/>
+                                        <p:tgtEl>
+                                          <p:spTgt spid="3"/>
+                                        </p:tgtEl>
+                                      </p:cBhvr>
+                                    </p:animEffect>
+                                    <p:anim calcmode="lin" valueType="num">
+                                      <p:cBhvr>
+                                        <p:cTn id="25" dur="1000" fill="hold"/>
+                                        <p:tgtEl>
+                                          <p:spTgt spid="3"/>
+                                        </p:tgtEl>
+                                        <p:attrNameLst>
+                                          <p:attrName>ppt_x</p:attrName>
+                                        </p:attrNameLst>
+                                      </p:cBhvr>
+                                      <p:tavLst>
+                                        <p:tav tm="0">
+                                          <p:val>
+                                            <p:strVal val="#ppt_x"/>
+                                          </p:val>
+                                        </p:tav>
+                                        <p:tav tm="100000">
+                                          <p:val>
+                                            <p:strVal val="#ppt_x"/>
+                                          </p:val>
+                                        </p:tav>
+                                      </p:tavLst>
+                                    </p:anim>
+                                    <p:anim calcmode="lin" valueType="num">
+                                      <p:cBhvr>
+                                        <p:cTn id="26" dur="1000" fill="hold"/>
+                                        <p:tgtEl>
+                                          <p:spTgt spid="3"/>
+                                        </p:tgtEl>
+                                        <p:attrNameLst>
+                                          <p:attrName>ppt_y</p:attrName>
+                                        </p:attrNameLst>
+                                      </p:cBhvr>
+                                      <p:tavLst>
+                                        <p:tav tm="0">
+                                          <p:val>
+                                            <p:strVal val="#ppt_y+.1"/>
+                                          </p:val>
+                                        </p:tav>
+                                        <p:tav tm="100000">
+                                          <p:val>
+                                            <p:strVal val="#ppt_y"/>
+                                          </p:val>
+                                        </p:tav>
+                                      </p:tavLst>
+                                    </p:anim>
+                                  </p:childTnLst>
+                                </p:cTn>
+                              </p:par>
+                            </p:childTnLst>
+                          </p:cTn>
+                        </p:par>
+                      </p:childTnLst>
+                    </p:cTn>
+                  </p:par>
+                </p:childTnLst>
+              </p:cTn>
+              <p:prevCondLst>
+                <p:cond evt="onPrev" delay="0">
+                  <p:tgtEl>
+                    <p:sldTgt/>
+                  </p:tgtEl>
+                </p:cond>
+              </p:prevCondLst>
+              <p:nextCondLst>
+                <p:cond evt="onNext" delay="0">
+                  <p:tgtEl>
+                    <p:sldTgt/>
+                  </p:tgtEl>
+                </p:cond>
+              </p:nextCondLst>
+            </p:seq>
+          </p:childTnLst>
+        </p:cTn>
+      </p:par>
+    </p:tnLst>
+    <p:bldLst>
+      <p:bldP spid="3" grpId="0" animBg="1"/>
+    </p:bldLst>
+  </p:timing>
 </p:sld>
 </file>
 
@@ -14598,11 +17213,6 @@
               </a:rPr>
               <a:t>SELECT</a:t>
             </a:r>
-            <a:endParaRPr lang="en-US" sz="4000" dirty="0">
-              <a:solidFill>
-                <a:srgbClr val="984807"/>
-              </a:solidFill>
-            </a:endParaRPr>
           </a:p>
         </p:txBody>
       </p:sp>
@@ -14615,7 +17225,7 @@
         <p:spPr>
           <a:xfrm>
             <a:off x="481914" y="1499745"/>
-            <a:ext cx="8229600" cy="5324535"/>
+            <a:ext cx="8229600" cy="5016758"/>
           </a:xfrm>
           <a:prstGeom prst="rect">
             <a:avLst/>
@@ -14649,11 +17259,7 @@
             </a:r>
             <a:r>
               <a:rPr lang="ru-RU" sz="2000" dirty="0"/>
-              <a:t>список </a:t>
-            </a:r>
-            <a:r>
-              <a:rPr lang="ru-RU" sz="2000" dirty="0" err="1"/>
-              <a:t>стобцов</a:t>
+              <a:t>список стобцов</a:t>
             </a:r>
             <a:r>
               <a:rPr lang="ru-RU" sz="2000" dirty="0">
@@ -14666,13 +17272,6 @@
             <a:r>
               <a:rPr lang="ru-RU" sz="2000" dirty="0"/>
               <a:t>,... </a:t>
-            </a:r>
-            <a:endParaRPr lang="ru-RU" sz="2000" dirty="0" smtClean="0"/>
-          </a:p>
-          <a:p>
-            <a:r>
-              <a:rPr lang="ru-RU" sz="2000" dirty="0"/>
-              <a:t>	</a:t>
             </a:r>
             <a:r>
               <a:rPr lang="ru-RU" sz="2000" dirty="0" smtClean="0"/>
@@ -14966,7 +17565,23 @@
                   <a:srgbClr val="333333"/>
                 </a:solidFill>
               </a:rPr>
-              <a:t>HAVING — используется для определения, какие строки после GROUP BY должны быть выбраны</a:t>
+              <a:t>HAVING — используется для определения, какие строки </a:t>
+            </a:r>
+            <a:r>
+              <a:rPr lang="ru-RU" sz="2000" dirty="0" smtClean="0">
+                <a:solidFill>
+                  <a:srgbClr val="333333"/>
+                </a:solidFill>
+              </a:rPr>
+              <a:t>после GROUP </a:t>
+            </a:r>
+            <a:r>
+              <a:rPr lang="ru-RU" sz="2000" dirty="0">
+                <a:solidFill>
+                  <a:srgbClr val="333333"/>
+                </a:solidFill>
+              </a:rPr>
+              <a:t>BY должны быть выбраны</a:t>
             </a:r>
           </a:p>
           <a:p>
@@ -14997,6 +17612,869 @@
   <p:clrMapOvr>
     <a:masterClrMapping/>
   </p:clrMapOvr>
+  <p:timing>
+    <p:tnLst>
+      <p:par>
+        <p:cTn id="1" dur="indefinite" restart="never" nodeType="tmRoot">
+          <p:childTnLst>
+            <p:seq concurrent="1" nextAc="seek">
+              <p:cTn id="2" dur="indefinite" nodeType="mainSeq">
+                <p:childTnLst>
+                  <p:par>
+                    <p:cTn id="3" fill="hold">
+                      <p:stCondLst>
+                        <p:cond delay="indefinite"/>
+                      </p:stCondLst>
+                      <p:childTnLst>
+                        <p:par>
+                          <p:cTn id="4" fill="hold">
+                            <p:stCondLst>
+                              <p:cond delay="0"/>
+                            </p:stCondLst>
+                            <p:childTnLst>
+                              <p:par>
+                                <p:cTn id="5" presetID="16" presetClass="entr" presetSubtype="21" fill="hold" nodeType="clickEffect">
+                                  <p:stCondLst>
+                                    <p:cond delay="0"/>
+                                  </p:stCondLst>
+                                  <p:childTnLst>
+                                    <p:set>
+                                      <p:cBhvr>
+                                        <p:cTn id="6" dur="1" fill="hold">
+                                          <p:stCondLst>
+                                            <p:cond delay="0"/>
+                                          </p:stCondLst>
+                                        </p:cTn>
+                                        <p:tgtEl>
+                                          <p:spTgt spid="4">
+                                            <p:txEl>
+                                              <p:pRg st="0" end="0"/>
+                                            </p:txEl>
+                                          </p:spTgt>
+                                        </p:tgtEl>
+                                        <p:attrNameLst>
+                                          <p:attrName>style.visibility</p:attrName>
+                                        </p:attrNameLst>
+                                      </p:cBhvr>
+                                      <p:to>
+                                        <p:strVal val="visible"/>
+                                      </p:to>
+                                    </p:set>
+                                    <p:animEffect transition="in" filter="barn(inVertical)">
+                                      <p:cBhvr>
+                                        <p:cTn id="7" dur="500"/>
+                                        <p:tgtEl>
+                                          <p:spTgt spid="4">
+                                            <p:txEl>
+                                              <p:pRg st="0" end="0"/>
+                                            </p:txEl>
+                                          </p:spTgt>
+                                        </p:tgtEl>
+                                      </p:cBhvr>
+                                    </p:animEffect>
+                                  </p:childTnLst>
+                                </p:cTn>
+                              </p:par>
+                            </p:childTnLst>
+                          </p:cTn>
+                        </p:par>
+                      </p:childTnLst>
+                    </p:cTn>
+                  </p:par>
+                  <p:par>
+                    <p:cTn id="8" fill="hold">
+                      <p:stCondLst>
+                        <p:cond delay="indefinite"/>
+                      </p:stCondLst>
+                      <p:childTnLst>
+                        <p:par>
+                          <p:cTn id="9" fill="hold">
+                            <p:stCondLst>
+                              <p:cond delay="0"/>
+                            </p:stCondLst>
+                            <p:childTnLst>
+                              <p:par>
+                                <p:cTn id="10" presetID="42" presetClass="entr" presetSubtype="0" fill="hold" nodeType="clickEffect">
+                                  <p:stCondLst>
+                                    <p:cond delay="0"/>
+                                  </p:stCondLst>
+                                  <p:childTnLst>
+                                    <p:set>
+                                      <p:cBhvr>
+                                        <p:cTn id="11" dur="1" fill="hold">
+                                          <p:stCondLst>
+                                            <p:cond delay="0"/>
+                                          </p:stCondLst>
+                                        </p:cTn>
+                                        <p:tgtEl>
+                                          <p:spTgt spid="2">
+                                            <p:txEl>
+                                              <p:pRg st="0" end="0"/>
+                                            </p:txEl>
+                                          </p:spTgt>
+                                        </p:tgtEl>
+                                        <p:attrNameLst>
+                                          <p:attrName>style.visibility</p:attrName>
+                                        </p:attrNameLst>
+                                      </p:cBhvr>
+                                      <p:to>
+                                        <p:strVal val="visible"/>
+                                      </p:to>
+                                    </p:set>
+                                    <p:animEffect transition="in" filter="fade">
+                                      <p:cBhvr>
+                                        <p:cTn id="12" dur="1000"/>
+                                        <p:tgtEl>
+                                          <p:spTgt spid="2">
+                                            <p:txEl>
+                                              <p:pRg st="0" end="0"/>
+                                            </p:txEl>
+                                          </p:spTgt>
+                                        </p:tgtEl>
+                                      </p:cBhvr>
+                                    </p:animEffect>
+                                    <p:anim calcmode="lin" valueType="num">
+                                      <p:cBhvr>
+                                        <p:cTn id="13" dur="1000" fill="hold"/>
+                                        <p:tgtEl>
+                                          <p:spTgt spid="2">
+                                            <p:txEl>
+                                              <p:pRg st="0" end="0"/>
+                                            </p:txEl>
+                                          </p:spTgt>
+                                        </p:tgtEl>
+                                        <p:attrNameLst>
+                                          <p:attrName>ppt_x</p:attrName>
+                                        </p:attrNameLst>
+                                      </p:cBhvr>
+                                      <p:tavLst>
+                                        <p:tav tm="0">
+                                          <p:val>
+                                            <p:strVal val="#ppt_x"/>
+                                          </p:val>
+                                        </p:tav>
+                                        <p:tav tm="100000">
+                                          <p:val>
+                                            <p:strVal val="#ppt_x"/>
+                                          </p:val>
+                                        </p:tav>
+                                      </p:tavLst>
+                                    </p:anim>
+                                    <p:anim calcmode="lin" valueType="num">
+                                      <p:cBhvr>
+                                        <p:cTn id="14" dur="1000" fill="hold"/>
+                                        <p:tgtEl>
+                                          <p:spTgt spid="2">
+                                            <p:txEl>
+                                              <p:pRg st="0" end="0"/>
+                                            </p:txEl>
+                                          </p:spTgt>
+                                        </p:tgtEl>
+                                        <p:attrNameLst>
+                                          <p:attrName>ppt_y</p:attrName>
+                                        </p:attrNameLst>
+                                      </p:cBhvr>
+                                      <p:tavLst>
+                                        <p:tav tm="0">
+                                          <p:val>
+                                            <p:strVal val="#ppt_y+.1"/>
+                                          </p:val>
+                                        </p:tav>
+                                        <p:tav tm="100000">
+                                          <p:val>
+                                            <p:strVal val="#ppt_y"/>
+                                          </p:val>
+                                        </p:tav>
+                                      </p:tavLst>
+                                    </p:anim>
+                                  </p:childTnLst>
+                                </p:cTn>
+                              </p:par>
+                            </p:childTnLst>
+                          </p:cTn>
+                        </p:par>
+                      </p:childTnLst>
+                    </p:cTn>
+                  </p:par>
+                  <p:par>
+                    <p:cTn id="15" fill="hold">
+                      <p:stCondLst>
+                        <p:cond delay="indefinite"/>
+                      </p:stCondLst>
+                      <p:childTnLst>
+                        <p:par>
+                          <p:cTn id="16" fill="hold">
+                            <p:stCondLst>
+                              <p:cond delay="0"/>
+                            </p:stCondLst>
+                            <p:childTnLst>
+                              <p:par>
+                                <p:cTn id="17" presetID="16" presetClass="entr" presetSubtype="21" fill="hold" nodeType="clickEffect">
+                                  <p:stCondLst>
+                                    <p:cond delay="0"/>
+                                  </p:stCondLst>
+                                  <p:childTnLst>
+                                    <p:set>
+                                      <p:cBhvr>
+                                        <p:cTn id="18" dur="1" fill="hold">
+                                          <p:stCondLst>
+                                            <p:cond delay="0"/>
+                                          </p:stCondLst>
+                                        </p:cTn>
+                                        <p:tgtEl>
+                                          <p:spTgt spid="2">
+                                            <p:txEl>
+                                              <p:pRg st="6" end="6"/>
+                                            </p:txEl>
+                                          </p:spTgt>
+                                        </p:tgtEl>
+                                        <p:attrNameLst>
+                                          <p:attrName>style.visibility</p:attrName>
+                                        </p:attrNameLst>
+                                      </p:cBhvr>
+                                      <p:to>
+                                        <p:strVal val="visible"/>
+                                      </p:to>
+                                    </p:set>
+                                    <p:animEffect transition="in" filter="barn(inVertical)">
+                                      <p:cBhvr>
+                                        <p:cTn id="19" dur="500"/>
+                                        <p:tgtEl>
+                                          <p:spTgt spid="2">
+                                            <p:txEl>
+                                              <p:pRg st="6" end="6"/>
+                                            </p:txEl>
+                                          </p:spTgt>
+                                        </p:tgtEl>
+                                      </p:cBhvr>
+                                    </p:animEffect>
+                                  </p:childTnLst>
+                                </p:cTn>
+                              </p:par>
+                            </p:childTnLst>
+                          </p:cTn>
+                        </p:par>
+                      </p:childTnLst>
+                    </p:cTn>
+                  </p:par>
+                  <p:par>
+                    <p:cTn id="20" fill="hold">
+                      <p:stCondLst>
+                        <p:cond delay="indefinite"/>
+                      </p:stCondLst>
+                      <p:childTnLst>
+                        <p:par>
+                          <p:cTn id="21" fill="hold">
+                            <p:stCondLst>
+                              <p:cond delay="0"/>
+                            </p:stCondLst>
+                            <p:childTnLst>
+                              <p:par>
+                                <p:cTn id="22" presetID="16" presetClass="entr" presetSubtype="21" fill="hold" nodeType="clickEffect">
+                                  <p:stCondLst>
+                                    <p:cond delay="0"/>
+                                  </p:stCondLst>
+                                  <p:childTnLst>
+                                    <p:set>
+                                      <p:cBhvr>
+                                        <p:cTn id="23" dur="1" fill="hold">
+                                          <p:stCondLst>
+                                            <p:cond delay="0"/>
+                                          </p:stCondLst>
+                                        </p:cTn>
+                                        <p:tgtEl>
+                                          <p:spTgt spid="2">
+                                            <p:txEl>
+                                              <p:pRg st="1" end="1"/>
+                                            </p:txEl>
+                                          </p:spTgt>
+                                        </p:tgtEl>
+                                        <p:attrNameLst>
+                                          <p:attrName>style.visibility</p:attrName>
+                                        </p:attrNameLst>
+                                      </p:cBhvr>
+                                      <p:to>
+                                        <p:strVal val="visible"/>
+                                      </p:to>
+                                    </p:set>
+                                    <p:animEffect transition="in" filter="barn(inVertical)">
+                                      <p:cBhvr>
+                                        <p:cTn id="24" dur="500"/>
+                                        <p:tgtEl>
+                                          <p:spTgt spid="2">
+                                            <p:txEl>
+                                              <p:pRg st="1" end="1"/>
+                                            </p:txEl>
+                                          </p:spTgt>
+                                        </p:tgtEl>
+                                      </p:cBhvr>
+                                    </p:animEffect>
+                                  </p:childTnLst>
+                                </p:cTn>
+                              </p:par>
+                            </p:childTnLst>
+                          </p:cTn>
+                        </p:par>
+                      </p:childTnLst>
+                    </p:cTn>
+                  </p:par>
+                  <p:par>
+                    <p:cTn id="25" fill="hold">
+                      <p:stCondLst>
+                        <p:cond delay="indefinite"/>
+                      </p:stCondLst>
+                      <p:childTnLst>
+                        <p:par>
+                          <p:cTn id="26" fill="hold">
+                            <p:stCondLst>
+                              <p:cond delay="0"/>
+                            </p:stCondLst>
+                            <p:childTnLst>
+                              <p:par>
+                                <p:cTn id="27" presetID="14" presetClass="entr" presetSubtype="10" fill="hold" nodeType="clickEffect">
+                                  <p:stCondLst>
+                                    <p:cond delay="0"/>
+                                  </p:stCondLst>
+                                  <p:childTnLst>
+                                    <p:set>
+                                      <p:cBhvr>
+                                        <p:cTn id="28" dur="1" fill="hold">
+                                          <p:stCondLst>
+                                            <p:cond delay="0"/>
+                                          </p:stCondLst>
+                                        </p:cTn>
+                                        <p:tgtEl>
+                                          <p:spTgt spid="2">
+                                            <p:txEl>
+                                              <p:pRg st="7" end="7"/>
+                                            </p:txEl>
+                                          </p:spTgt>
+                                        </p:tgtEl>
+                                        <p:attrNameLst>
+                                          <p:attrName>style.visibility</p:attrName>
+                                        </p:attrNameLst>
+                                      </p:cBhvr>
+                                      <p:to>
+                                        <p:strVal val="visible"/>
+                                      </p:to>
+                                    </p:set>
+                                    <p:animEffect transition="in" filter="randombar(horizontal)">
+                                      <p:cBhvr>
+                                        <p:cTn id="29" dur="500"/>
+                                        <p:tgtEl>
+                                          <p:spTgt spid="2">
+                                            <p:txEl>
+                                              <p:pRg st="7" end="7"/>
+                                            </p:txEl>
+                                          </p:spTgt>
+                                        </p:tgtEl>
+                                      </p:cBhvr>
+                                    </p:animEffect>
+                                  </p:childTnLst>
+                                </p:cTn>
+                              </p:par>
+                            </p:childTnLst>
+                          </p:cTn>
+                        </p:par>
+                      </p:childTnLst>
+                    </p:cTn>
+                  </p:par>
+                  <p:par>
+                    <p:cTn id="30" fill="hold">
+                      <p:stCondLst>
+                        <p:cond delay="indefinite"/>
+                      </p:stCondLst>
+                      <p:childTnLst>
+                        <p:par>
+                          <p:cTn id="31" fill="hold">
+                            <p:stCondLst>
+                              <p:cond delay="0"/>
+                            </p:stCondLst>
+                            <p:childTnLst>
+                              <p:par>
+                                <p:cTn id="32" presetID="16" presetClass="entr" presetSubtype="21" fill="hold" nodeType="clickEffect">
+                                  <p:stCondLst>
+                                    <p:cond delay="0"/>
+                                  </p:stCondLst>
+                                  <p:childTnLst>
+                                    <p:set>
+                                      <p:cBhvr>
+                                        <p:cTn id="33" dur="1" fill="hold">
+                                          <p:stCondLst>
+                                            <p:cond delay="0"/>
+                                          </p:stCondLst>
+                                        </p:cTn>
+                                        <p:tgtEl>
+                                          <p:spTgt spid="2">
+                                            <p:txEl>
+                                              <p:pRg st="2" end="2"/>
+                                            </p:txEl>
+                                          </p:spTgt>
+                                        </p:tgtEl>
+                                        <p:attrNameLst>
+                                          <p:attrName>style.visibility</p:attrName>
+                                        </p:attrNameLst>
+                                      </p:cBhvr>
+                                      <p:to>
+                                        <p:strVal val="visible"/>
+                                      </p:to>
+                                    </p:set>
+                                    <p:animEffect transition="in" filter="barn(inVertical)">
+                                      <p:cBhvr>
+                                        <p:cTn id="34" dur="500"/>
+                                        <p:tgtEl>
+                                          <p:spTgt spid="2">
+                                            <p:txEl>
+                                              <p:pRg st="2" end="2"/>
+                                            </p:txEl>
+                                          </p:spTgt>
+                                        </p:tgtEl>
+                                      </p:cBhvr>
+                                    </p:animEffect>
+                                  </p:childTnLst>
+                                </p:cTn>
+                              </p:par>
+                            </p:childTnLst>
+                          </p:cTn>
+                        </p:par>
+                      </p:childTnLst>
+                    </p:cTn>
+                  </p:par>
+                  <p:par>
+                    <p:cTn id="35" fill="hold">
+                      <p:stCondLst>
+                        <p:cond delay="indefinite"/>
+                      </p:stCondLst>
+                      <p:childTnLst>
+                        <p:par>
+                          <p:cTn id="36" fill="hold">
+                            <p:stCondLst>
+                              <p:cond delay="0"/>
+                            </p:stCondLst>
+                            <p:childTnLst>
+                              <p:par>
+                                <p:cTn id="37" presetID="42" presetClass="entr" presetSubtype="0" fill="hold" nodeType="clickEffect">
+                                  <p:stCondLst>
+                                    <p:cond delay="0"/>
+                                  </p:stCondLst>
+                                  <p:childTnLst>
+                                    <p:set>
+                                      <p:cBhvr>
+                                        <p:cTn id="38" dur="1" fill="hold">
+                                          <p:stCondLst>
+                                            <p:cond delay="0"/>
+                                          </p:stCondLst>
+                                        </p:cTn>
+                                        <p:tgtEl>
+                                          <p:spTgt spid="2">
+                                            <p:txEl>
+                                              <p:pRg st="8" end="8"/>
+                                            </p:txEl>
+                                          </p:spTgt>
+                                        </p:tgtEl>
+                                        <p:attrNameLst>
+                                          <p:attrName>style.visibility</p:attrName>
+                                        </p:attrNameLst>
+                                      </p:cBhvr>
+                                      <p:to>
+                                        <p:strVal val="visible"/>
+                                      </p:to>
+                                    </p:set>
+                                    <p:animEffect transition="in" filter="fade">
+                                      <p:cBhvr>
+                                        <p:cTn id="39" dur="1000"/>
+                                        <p:tgtEl>
+                                          <p:spTgt spid="2">
+                                            <p:txEl>
+                                              <p:pRg st="8" end="8"/>
+                                            </p:txEl>
+                                          </p:spTgt>
+                                        </p:tgtEl>
+                                      </p:cBhvr>
+                                    </p:animEffect>
+                                    <p:anim calcmode="lin" valueType="num">
+                                      <p:cBhvr>
+                                        <p:cTn id="40" dur="1000" fill="hold"/>
+                                        <p:tgtEl>
+                                          <p:spTgt spid="2">
+                                            <p:txEl>
+                                              <p:pRg st="8" end="8"/>
+                                            </p:txEl>
+                                          </p:spTgt>
+                                        </p:tgtEl>
+                                        <p:attrNameLst>
+                                          <p:attrName>ppt_x</p:attrName>
+                                        </p:attrNameLst>
+                                      </p:cBhvr>
+                                      <p:tavLst>
+                                        <p:tav tm="0">
+                                          <p:val>
+                                            <p:strVal val="#ppt_x"/>
+                                          </p:val>
+                                        </p:tav>
+                                        <p:tav tm="100000">
+                                          <p:val>
+                                            <p:strVal val="#ppt_x"/>
+                                          </p:val>
+                                        </p:tav>
+                                      </p:tavLst>
+                                    </p:anim>
+                                    <p:anim calcmode="lin" valueType="num">
+                                      <p:cBhvr>
+                                        <p:cTn id="41" dur="1000" fill="hold"/>
+                                        <p:tgtEl>
+                                          <p:spTgt spid="2">
+                                            <p:txEl>
+                                              <p:pRg st="8" end="8"/>
+                                            </p:txEl>
+                                          </p:spTgt>
+                                        </p:tgtEl>
+                                        <p:attrNameLst>
+                                          <p:attrName>ppt_y</p:attrName>
+                                        </p:attrNameLst>
+                                      </p:cBhvr>
+                                      <p:tavLst>
+                                        <p:tav tm="0">
+                                          <p:val>
+                                            <p:strVal val="#ppt_y+.1"/>
+                                          </p:val>
+                                        </p:tav>
+                                        <p:tav tm="100000">
+                                          <p:val>
+                                            <p:strVal val="#ppt_y"/>
+                                          </p:val>
+                                        </p:tav>
+                                      </p:tavLst>
+                                    </p:anim>
+                                  </p:childTnLst>
+                                </p:cTn>
+                              </p:par>
+                            </p:childTnLst>
+                          </p:cTn>
+                        </p:par>
+                      </p:childTnLst>
+                    </p:cTn>
+                  </p:par>
+                  <p:par>
+                    <p:cTn id="42" fill="hold">
+                      <p:stCondLst>
+                        <p:cond delay="indefinite"/>
+                      </p:stCondLst>
+                      <p:childTnLst>
+                        <p:par>
+                          <p:cTn id="43" fill="hold">
+                            <p:stCondLst>
+                              <p:cond delay="0"/>
+                            </p:stCondLst>
+                            <p:childTnLst>
+                              <p:par>
+                                <p:cTn id="44" presetID="10" presetClass="entr" presetSubtype="0" fill="hold" nodeType="clickEffect">
+                                  <p:stCondLst>
+                                    <p:cond delay="0"/>
+                                  </p:stCondLst>
+                                  <p:childTnLst>
+                                    <p:set>
+                                      <p:cBhvr>
+                                        <p:cTn id="45" dur="1" fill="hold">
+                                          <p:stCondLst>
+                                            <p:cond delay="0"/>
+                                          </p:stCondLst>
+                                        </p:cTn>
+                                        <p:tgtEl>
+                                          <p:spTgt spid="2">
+                                            <p:txEl>
+                                              <p:pRg st="3" end="3"/>
+                                            </p:txEl>
+                                          </p:spTgt>
+                                        </p:tgtEl>
+                                        <p:attrNameLst>
+                                          <p:attrName>style.visibility</p:attrName>
+                                        </p:attrNameLst>
+                                      </p:cBhvr>
+                                      <p:to>
+                                        <p:strVal val="visible"/>
+                                      </p:to>
+                                    </p:set>
+                                    <p:animEffect transition="in" filter="fade">
+                                      <p:cBhvr>
+                                        <p:cTn id="46" dur="500"/>
+                                        <p:tgtEl>
+                                          <p:spTgt spid="2">
+                                            <p:txEl>
+                                              <p:pRg st="3" end="3"/>
+                                            </p:txEl>
+                                          </p:spTgt>
+                                        </p:tgtEl>
+                                      </p:cBhvr>
+                                    </p:animEffect>
+                                  </p:childTnLst>
+                                </p:cTn>
+                              </p:par>
+                            </p:childTnLst>
+                          </p:cTn>
+                        </p:par>
+                      </p:childTnLst>
+                    </p:cTn>
+                  </p:par>
+                  <p:par>
+                    <p:cTn id="47" fill="hold">
+                      <p:stCondLst>
+                        <p:cond delay="indefinite"/>
+                      </p:stCondLst>
+                      <p:childTnLst>
+                        <p:par>
+                          <p:cTn id="48" fill="hold">
+                            <p:stCondLst>
+                              <p:cond delay="0"/>
+                            </p:stCondLst>
+                            <p:childTnLst>
+                              <p:par>
+                                <p:cTn id="49" presetID="6" presetClass="entr" presetSubtype="16" fill="hold" nodeType="clickEffect">
+                                  <p:stCondLst>
+                                    <p:cond delay="0"/>
+                                  </p:stCondLst>
+                                  <p:childTnLst>
+                                    <p:set>
+                                      <p:cBhvr>
+                                        <p:cTn id="50" dur="1" fill="hold">
+                                          <p:stCondLst>
+                                            <p:cond delay="0"/>
+                                          </p:stCondLst>
+                                        </p:cTn>
+                                        <p:tgtEl>
+                                          <p:spTgt spid="2">
+                                            <p:txEl>
+                                              <p:pRg st="9" end="9"/>
+                                            </p:txEl>
+                                          </p:spTgt>
+                                        </p:tgtEl>
+                                        <p:attrNameLst>
+                                          <p:attrName>style.visibility</p:attrName>
+                                        </p:attrNameLst>
+                                      </p:cBhvr>
+                                      <p:to>
+                                        <p:strVal val="visible"/>
+                                      </p:to>
+                                    </p:set>
+                                    <p:animEffect transition="in" filter="circle(in)">
+                                      <p:cBhvr>
+                                        <p:cTn id="51" dur="2000"/>
+                                        <p:tgtEl>
+                                          <p:spTgt spid="2">
+                                            <p:txEl>
+                                              <p:pRg st="9" end="9"/>
+                                            </p:txEl>
+                                          </p:spTgt>
+                                        </p:tgtEl>
+                                      </p:cBhvr>
+                                    </p:animEffect>
+                                  </p:childTnLst>
+                                </p:cTn>
+                              </p:par>
+                            </p:childTnLst>
+                          </p:cTn>
+                        </p:par>
+                      </p:childTnLst>
+                    </p:cTn>
+                  </p:par>
+                  <p:par>
+                    <p:cTn id="52" fill="hold">
+                      <p:stCondLst>
+                        <p:cond delay="indefinite"/>
+                      </p:stCondLst>
+                      <p:childTnLst>
+                        <p:par>
+                          <p:cTn id="53" fill="hold">
+                            <p:stCondLst>
+                              <p:cond delay="0"/>
+                            </p:stCondLst>
+                            <p:childTnLst>
+                              <p:par>
+                                <p:cTn id="54" presetID="42" presetClass="entr" presetSubtype="0" fill="hold" nodeType="clickEffect">
+                                  <p:stCondLst>
+                                    <p:cond delay="0"/>
+                                  </p:stCondLst>
+                                  <p:childTnLst>
+                                    <p:set>
+                                      <p:cBhvr>
+                                        <p:cTn id="55" dur="1" fill="hold">
+                                          <p:stCondLst>
+                                            <p:cond delay="0"/>
+                                          </p:stCondLst>
+                                        </p:cTn>
+                                        <p:tgtEl>
+                                          <p:spTgt spid="2">
+                                            <p:txEl>
+                                              <p:pRg st="4" end="4"/>
+                                            </p:txEl>
+                                          </p:spTgt>
+                                        </p:tgtEl>
+                                        <p:attrNameLst>
+                                          <p:attrName>style.visibility</p:attrName>
+                                        </p:attrNameLst>
+                                      </p:cBhvr>
+                                      <p:to>
+                                        <p:strVal val="visible"/>
+                                      </p:to>
+                                    </p:set>
+                                    <p:animEffect transition="in" filter="fade">
+                                      <p:cBhvr>
+                                        <p:cTn id="56" dur="1000"/>
+                                        <p:tgtEl>
+                                          <p:spTgt spid="2">
+                                            <p:txEl>
+                                              <p:pRg st="4" end="4"/>
+                                            </p:txEl>
+                                          </p:spTgt>
+                                        </p:tgtEl>
+                                      </p:cBhvr>
+                                    </p:animEffect>
+                                    <p:anim calcmode="lin" valueType="num">
+                                      <p:cBhvr>
+                                        <p:cTn id="57" dur="1000" fill="hold"/>
+                                        <p:tgtEl>
+                                          <p:spTgt spid="2">
+                                            <p:txEl>
+                                              <p:pRg st="4" end="4"/>
+                                            </p:txEl>
+                                          </p:spTgt>
+                                        </p:tgtEl>
+                                        <p:attrNameLst>
+                                          <p:attrName>ppt_x</p:attrName>
+                                        </p:attrNameLst>
+                                      </p:cBhvr>
+                                      <p:tavLst>
+                                        <p:tav tm="0">
+                                          <p:val>
+                                            <p:strVal val="#ppt_x"/>
+                                          </p:val>
+                                        </p:tav>
+                                        <p:tav tm="100000">
+                                          <p:val>
+                                            <p:strVal val="#ppt_x"/>
+                                          </p:val>
+                                        </p:tav>
+                                      </p:tavLst>
+                                    </p:anim>
+                                    <p:anim calcmode="lin" valueType="num">
+                                      <p:cBhvr>
+                                        <p:cTn id="58" dur="1000" fill="hold"/>
+                                        <p:tgtEl>
+                                          <p:spTgt spid="2">
+                                            <p:txEl>
+                                              <p:pRg st="4" end="4"/>
+                                            </p:txEl>
+                                          </p:spTgt>
+                                        </p:tgtEl>
+                                        <p:attrNameLst>
+                                          <p:attrName>ppt_y</p:attrName>
+                                        </p:attrNameLst>
+                                      </p:cBhvr>
+                                      <p:tavLst>
+                                        <p:tav tm="0">
+                                          <p:val>
+                                            <p:strVal val="#ppt_y+.1"/>
+                                          </p:val>
+                                        </p:tav>
+                                        <p:tav tm="100000">
+                                          <p:val>
+                                            <p:strVal val="#ppt_y"/>
+                                          </p:val>
+                                        </p:tav>
+                                      </p:tavLst>
+                                    </p:anim>
+                                  </p:childTnLst>
+                                </p:cTn>
+                              </p:par>
+                            </p:childTnLst>
+                          </p:cTn>
+                        </p:par>
+                      </p:childTnLst>
+                    </p:cTn>
+                  </p:par>
+                  <p:par>
+                    <p:cTn id="59" fill="hold">
+                      <p:stCondLst>
+                        <p:cond delay="indefinite"/>
+                      </p:stCondLst>
+                      <p:childTnLst>
+                        <p:par>
+                          <p:cTn id="60" fill="hold">
+                            <p:stCondLst>
+                              <p:cond delay="0"/>
+                            </p:stCondLst>
+                            <p:childTnLst>
+                              <p:par>
+                                <p:cTn id="61" presetID="21" presetClass="entr" presetSubtype="1" fill="hold" nodeType="clickEffect">
+                                  <p:stCondLst>
+                                    <p:cond delay="0"/>
+                                  </p:stCondLst>
+                                  <p:childTnLst>
+                                    <p:set>
+                                      <p:cBhvr>
+                                        <p:cTn id="62" dur="1" fill="hold">
+                                          <p:stCondLst>
+                                            <p:cond delay="0"/>
+                                          </p:stCondLst>
+                                        </p:cTn>
+                                        <p:tgtEl>
+                                          <p:spTgt spid="2">
+                                            <p:txEl>
+                                              <p:pRg st="10" end="10"/>
+                                            </p:txEl>
+                                          </p:spTgt>
+                                        </p:tgtEl>
+                                        <p:attrNameLst>
+                                          <p:attrName>style.visibility</p:attrName>
+                                        </p:attrNameLst>
+                                      </p:cBhvr>
+                                      <p:to>
+                                        <p:strVal val="visible"/>
+                                      </p:to>
+                                    </p:set>
+                                    <p:animEffect transition="in" filter="wheel(1)">
+                                      <p:cBhvr>
+                                        <p:cTn id="63" dur="2000"/>
+                                        <p:tgtEl>
+                                          <p:spTgt spid="2">
+                                            <p:txEl>
+                                              <p:pRg st="10" end="10"/>
+                                            </p:txEl>
+                                          </p:spTgt>
+                                        </p:tgtEl>
+                                      </p:cBhvr>
+                                    </p:animEffect>
+                                  </p:childTnLst>
+                                </p:cTn>
+                              </p:par>
+                            </p:childTnLst>
+                          </p:cTn>
+                        </p:par>
+                      </p:childTnLst>
+                    </p:cTn>
+                  </p:par>
+                </p:childTnLst>
+              </p:cTn>
+              <p:prevCondLst>
+                <p:cond evt="onPrev" delay="0">
+                  <p:tgtEl>
+                    <p:sldTgt/>
+                  </p:tgtEl>
+                </p:cond>
+              </p:prevCondLst>
+              <p:nextCondLst>
+                <p:cond evt="onNext" delay="0">
+                  <p:tgtEl>
+                    <p:sldTgt/>
+                  </p:tgtEl>
+                </p:cond>
+              </p:nextCondLst>
+            </p:seq>
+          </p:childTnLst>
+        </p:cTn>
+      </p:par>
+    </p:tnLst>
+  </p:timing>
 </p:sld>
 </file>
 
@@ -15189,11 +18667,41 @@
             <a:tbl>
               <a:tblPr/>
               <a:tblGrid>
-                <a:gridCol w="617837"/>
-                <a:gridCol w="3744098"/>
-                <a:gridCol w="1149178"/>
-                <a:gridCol w="929679"/>
-                <a:gridCol w="1610198"/>
+                <a:gridCol w="617837">
+                  <a:extLst>
+                    <a:ext uri="{9D8B030D-6E8A-4147-A177-3AD203B41FA5}">
+                      <a16:colId xmlns:a16="http://schemas.microsoft.com/office/drawing/2014/main" val="20000"/>
+                    </a:ext>
+                  </a:extLst>
+                </a:gridCol>
+                <a:gridCol w="3744098">
+                  <a:extLst>
+                    <a:ext uri="{9D8B030D-6E8A-4147-A177-3AD203B41FA5}">
+                      <a16:colId xmlns:a16="http://schemas.microsoft.com/office/drawing/2014/main" val="20001"/>
+                    </a:ext>
+                  </a:extLst>
+                </a:gridCol>
+                <a:gridCol w="1149178">
+                  <a:extLst>
+                    <a:ext uri="{9D8B030D-6E8A-4147-A177-3AD203B41FA5}">
+                      <a16:colId xmlns:a16="http://schemas.microsoft.com/office/drawing/2014/main" val="20002"/>
+                    </a:ext>
+                  </a:extLst>
+                </a:gridCol>
+                <a:gridCol w="929679">
+                  <a:extLst>
+                    <a:ext uri="{9D8B030D-6E8A-4147-A177-3AD203B41FA5}">
+                      <a16:colId xmlns:a16="http://schemas.microsoft.com/office/drawing/2014/main" val="20003"/>
+                    </a:ext>
+                  </a:extLst>
+                </a:gridCol>
+                <a:gridCol w="1610198">
+                  <a:extLst>
+                    <a:ext uri="{9D8B030D-6E8A-4147-A177-3AD203B41FA5}">
+                      <a16:colId xmlns:a16="http://schemas.microsoft.com/office/drawing/2014/main" val="20004"/>
+                    </a:ext>
+                  </a:extLst>
+                </a:gridCol>
               </a:tblGrid>
               <a:tr h="317448">
                 <a:tc>
@@ -15471,6 +18979,11 @@
                     </a:solidFill>
                   </a:tcPr>
                 </a:tc>
+                <a:extLst>
+                  <a:ext uri="{0D108BD9-81ED-4DB2-BD59-A6C34878D82A}">
+                    <a16:rowId xmlns:a16="http://schemas.microsoft.com/office/drawing/2014/main" val="10000"/>
+                  </a:ext>
+                </a:extLst>
               </a:tr>
               <a:tr h="317448">
                 <a:tc>
@@ -15748,6 +19261,11 @@
                     </a:solidFill>
                   </a:tcPr>
                 </a:tc>
+                <a:extLst>
+                  <a:ext uri="{0D108BD9-81ED-4DB2-BD59-A6C34878D82A}">
+                    <a16:rowId xmlns:a16="http://schemas.microsoft.com/office/drawing/2014/main" val="10001"/>
+                  </a:ext>
+                </a:extLst>
               </a:tr>
               <a:tr h="317448">
                 <a:tc>
@@ -16025,6 +19543,11 @@
                     </a:solidFill>
                   </a:tcPr>
                 </a:tc>
+                <a:extLst>
+                  <a:ext uri="{0D108BD9-81ED-4DB2-BD59-A6C34878D82A}">
+                    <a16:rowId xmlns:a16="http://schemas.microsoft.com/office/drawing/2014/main" val="10002"/>
+                  </a:ext>
+                </a:extLst>
               </a:tr>
               <a:tr h="523046">
                 <a:tc>
@@ -16302,6 +19825,11 @@
                     </a:solidFill>
                   </a:tcPr>
                 </a:tc>
+                <a:extLst>
+                  <a:ext uri="{0D108BD9-81ED-4DB2-BD59-A6C34878D82A}">
+                    <a16:rowId xmlns:a16="http://schemas.microsoft.com/office/drawing/2014/main" val="10003"/>
+                  </a:ext>
+                </a:extLst>
               </a:tr>
               <a:tr h="523046">
                 <a:tc>
@@ -16579,6 +20107,11 @@
                     </a:solidFill>
                   </a:tcPr>
                 </a:tc>
+                <a:extLst>
+                  <a:ext uri="{0D108BD9-81ED-4DB2-BD59-A6C34878D82A}">
+                    <a16:rowId xmlns:a16="http://schemas.microsoft.com/office/drawing/2014/main" val="10004"/>
+                  </a:ext>
+                </a:extLst>
               </a:tr>
               <a:tr h="523046">
                 <a:tc>
@@ -16856,6 +20389,11 @@
                     </a:solidFill>
                   </a:tcPr>
                 </a:tc>
+                <a:extLst>
+                  <a:ext uri="{0D108BD9-81ED-4DB2-BD59-A6C34878D82A}">
+                    <a16:rowId xmlns:a16="http://schemas.microsoft.com/office/drawing/2014/main" val="10005"/>
+                  </a:ext>
+                </a:extLst>
               </a:tr>
               <a:tr h="381685">
                 <a:tc>
@@ -17133,6 +20671,11 @@
                     </a:solidFill>
                   </a:tcPr>
                 </a:tc>
+                <a:extLst>
+                  <a:ext uri="{0D108BD9-81ED-4DB2-BD59-A6C34878D82A}">
+                    <a16:rowId xmlns:a16="http://schemas.microsoft.com/office/drawing/2014/main" val="10006"/>
+                  </a:ext>
+                </a:extLst>
               </a:tr>
               <a:tr h="523046">
                 <a:tc>
@@ -17410,6 +20953,11 @@
                     </a:solidFill>
                   </a:tcPr>
                 </a:tc>
+                <a:extLst>
+                  <a:ext uri="{0D108BD9-81ED-4DB2-BD59-A6C34878D82A}">
+                    <a16:rowId xmlns:a16="http://schemas.microsoft.com/office/drawing/2014/main" val="10007"/>
+                  </a:ext>
+                </a:extLst>
               </a:tr>
             </a:tbl>
           </a:graphicData>
@@ -17425,6 +20973,183 @@
   <p:clrMapOvr>
     <a:masterClrMapping/>
   </p:clrMapOvr>
+  <p:timing>
+    <p:tnLst>
+      <p:par>
+        <p:cTn id="1" dur="indefinite" restart="never" nodeType="tmRoot">
+          <p:childTnLst>
+            <p:seq concurrent="1" nextAc="seek">
+              <p:cTn id="2" dur="indefinite" nodeType="mainSeq">
+                <p:childTnLst>
+                  <p:par>
+                    <p:cTn id="3" fill="hold">
+                      <p:stCondLst>
+                        <p:cond delay="indefinite"/>
+                      </p:stCondLst>
+                      <p:childTnLst>
+                        <p:par>
+                          <p:cTn id="4" fill="hold">
+                            <p:stCondLst>
+                              <p:cond delay="0"/>
+                            </p:stCondLst>
+                            <p:childTnLst>
+                              <p:par>
+                                <p:cTn id="5" presetID="2" presetClass="entr" presetSubtype="4" fill="hold" grpId="0" nodeType="clickEffect">
+                                  <p:stCondLst>
+                                    <p:cond delay="0"/>
+                                  </p:stCondLst>
+                                  <p:childTnLst>
+                                    <p:set>
+                                      <p:cBhvr>
+                                        <p:cTn id="6" dur="1" fill="hold">
+                                          <p:stCondLst>
+                                            <p:cond delay="0"/>
+                                          </p:stCondLst>
+                                        </p:cTn>
+                                        <p:tgtEl>
+                                          <p:spTgt spid="2"/>
+                                        </p:tgtEl>
+                                        <p:attrNameLst>
+                                          <p:attrName>style.visibility</p:attrName>
+                                        </p:attrNameLst>
+                                      </p:cBhvr>
+                                      <p:to>
+                                        <p:strVal val="visible"/>
+                                      </p:to>
+                                    </p:set>
+                                    <p:anim calcmode="lin" valueType="num">
+                                      <p:cBhvr additive="base">
+                                        <p:cTn id="7" dur="500" fill="hold"/>
+                                        <p:tgtEl>
+                                          <p:spTgt spid="2"/>
+                                        </p:tgtEl>
+                                        <p:attrNameLst>
+                                          <p:attrName>ppt_x</p:attrName>
+                                        </p:attrNameLst>
+                                      </p:cBhvr>
+                                      <p:tavLst>
+                                        <p:tav tm="0">
+                                          <p:val>
+                                            <p:strVal val="#ppt_x"/>
+                                          </p:val>
+                                        </p:tav>
+                                        <p:tav tm="100000">
+                                          <p:val>
+                                            <p:strVal val="#ppt_x"/>
+                                          </p:val>
+                                        </p:tav>
+                                      </p:tavLst>
+                                    </p:anim>
+                                    <p:anim calcmode="lin" valueType="num">
+                                      <p:cBhvr additive="base">
+                                        <p:cTn id="8" dur="500" fill="hold"/>
+                                        <p:tgtEl>
+                                          <p:spTgt spid="2"/>
+                                        </p:tgtEl>
+                                        <p:attrNameLst>
+                                          <p:attrName>ppt_y</p:attrName>
+                                        </p:attrNameLst>
+                                      </p:cBhvr>
+                                      <p:tavLst>
+                                        <p:tav tm="0">
+                                          <p:val>
+                                            <p:strVal val="1+#ppt_h/2"/>
+                                          </p:val>
+                                        </p:tav>
+                                        <p:tav tm="100000">
+                                          <p:val>
+                                            <p:strVal val="#ppt_y"/>
+                                          </p:val>
+                                        </p:tav>
+                                      </p:tavLst>
+                                    </p:anim>
+                                  </p:childTnLst>
+                                </p:cTn>
+                              </p:par>
+                            </p:childTnLst>
+                          </p:cTn>
+                        </p:par>
+                      </p:childTnLst>
+                    </p:cTn>
+                  </p:par>
+                  <p:par>
+                    <p:cTn id="9" fill="hold">
+                      <p:stCondLst>
+                        <p:cond delay="indefinite"/>
+                      </p:stCondLst>
+                      <p:childTnLst>
+                        <p:par>
+                          <p:cTn id="10" fill="hold">
+                            <p:stCondLst>
+                              <p:cond delay="0"/>
+                            </p:stCondLst>
+                            <p:childTnLst>
+                              <p:par>
+                                <p:cTn id="11" presetID="22" presetClass="entr" presetSubtype="4" fill="hold" nodeType="clickEffect">
+                                  <p:stCondLst>
+                                    <p:cond delay="0"/>
+                                  </p:stCondLst>
+                                  <p:childTnLst>
+                                    <p:set>
+                                      <p:cBhvr>
+                                        <p:cTn id="12" dur="1" fill="hold">
+                                          <p:stCondLst>
+                                            <p:cond delay="0"/>
+                                          </p:stCondLst>
+                                        </p:cTn>
+                                        <p:tgtEl>
+                                          <p:spTgt spid="3"/>
+                                        </p:tgtEl>
+                                        <p:attrNameLst>
+                                          <p:attrName>style.visibility</p:attrName>
+                                        </p:attrNameLst>
+                                      </p:cBhvr>
+                                      <p:to>
+                                        <p:strVal val="visible"/>
+                                      </p:to>
+                                    </p:set>
+                                    <p:animEffect transition="in" filter="wipe(down)">
+                                      <p:cBhvr>
+                                        <p:cTn id="13" dur="500"/>
+                                        <p:tgtEl>
+                                          <p:spTgt spid="3"/>
+                                        </p:tgtEl>
+                                      </p:cBhvr>
+                                    </p:animEffect>
+                                  </p:childTnLst>
+                                </p:cTn>
+                              </p:par>
+                            </p:childTnLst>
+                          </p:cTn>
+                        </p:par>
+                      </p:childTnLst>
+                    </p:cTn>
+                  </p:par>
+                </p:childTnLst>
+              </p:cTn>
+              <p:prevCondLst>
+                <p:cond evt="onPrev" delay="0">
+                  <p:tgtEl>
+                    <p:sldTgt/>
+                  </p:tgtEl>
+                </p:cond>
+              </p:prevCondLst>
+              <p:nextCondLst>
+                <p:cond evt="onNext" delay="0">
+                  <p:tgtEl>
+                    <p:sldTgt/>
+                  </p:tgtEl>
+                </p:cond>
+              </p:nextCondLst>
+            </p:seq>
+          </p:childTnLst>
+        </p:cTn>
+      </p:par>
+    </p:tnLst>
+    <p:bldLst>
+      <p:bldP spid="2" grpId="0"/>
+    </p:bldLst>
+  </p:timing>
 </p:sld>
 </file>
 
@@ -17625,8 +21350,20 @@
             <a:tbl>
               <a:tblPr/>
               <a:tblGrid>
-                <a:gridCol w="3744098"/>
-                <a:gridCol w="929679"/>
+                <a:gridCol w="3744098">
+                  <a:extLst>
+                    <a:ext uri="{9D8B030D-6E8A-4147-A177-3AD203B41FA5}">
+                      <a16:colId xmlns:a16="http://schemas.microsoft.com/office/drawing/2014/main" val="20000"/>
+                    </a:ext>
+                  </a:extLst>
+                </a:gridCol>
+                <a:gridCol w="929679">
+                  <a:extLst>
+                    <a:ext uri="{9D8B030D-6E8A-4147-A177-3AD203B41FA5}">
+                      <a16:colId xmlns:a16="http://schemas.microsoft.com/office/drawing/2014/main" val="20001"/>
+                    </a:ext>
+                  </a:extLst>
+                </a:gridCol>
               </a:tblGrid>
               <a:tr h="364488">
                 <a:tc>
@@ -17739,6 +21476,11 @@
                     </a:solidFill>
                   </a:tcPr>
                 </a:tc>
+                <a:extLst>
+                  <a:ext uri="{0D108BD9-81ED-4DB2-BD59-A6C34878D82A}">
+                    <a16:rowId xmlns:a16="http://schemas.microsoft.com/office/drawing/2014/main" val="10000"/>
+                  </a:ext>
+                </a:extLst>
               </a:tr>
               <a:tr h="317448">
                 <a:tc>
@@ -17851,6 +21593,11 @@
                     </a:solidFill>
                   </a:tcPr>
                 </a:tc>
+                <a:extLst>
+                  <a:ext uri="{0D108BD9-81ED-4DB2-BD59-A6C34878D82A}">
+                    <a16:rowId xmlns:a16="http://schemas.microsoft.com/office/drawing/2014/main" val="10001"/>
+                  </a:ext>
+                </a:extLst>
               </a:tr>
               <a:tr h="317448">
                 <a:tc>
@@ -17963,6 +21710,11 @@
                     </a:solidFill>
                   </a:tcPr>
                 </a:tc>
+                <a:extLst>
+                  <a:ext uri="{0D108BD9-81ED-4DB2-BD59-A6C34878D82A}">
+                    <a16:rowId xmlns:a16="http://schemas.microsoft.com/office/drawing/2014/main" val="10002"/>
+                  </a:ext>
+                </a:extLst>
               </a:tr>
               <a:tr h="523046">
                 <a:tc>
@@ -18075,6 +21827,11 @@
                     </a:solidFill>
                   </a:tcPr>
                 </a:tc>
+                <a:extLst>
+                  <a:ext uri="{0D108BD9-81ED-4DB2-BD59-A6C34878D82A}">
+                    <a16:rowId xmlns:a16="http://schemas.microsoft.com/office/drawing/2014/main" val="10003"/>
+                  </a:ext>
+                </a:extLst>
               </a:tr>
               <a:tr h="523046">
                 <a:tc>
@@ -18187,6 +21944,11 @@
                     </a:solidFill>
                   </a:tcPr>
                 </a:tc>
+                <a:extLst>
+                  <a:ext uri="{0D108BD9-81ED-4DB2-BD59-A6C34878D82A}">
+                    <a16:rowId xmlns:a16="http://schemas.microsoft.com/office/drawing/2014/main" val="10004"/>
+                  </a:ext>
+                </a:extLst>
               </a:tr>
               <a:tr h="523046">
                 <a:tc>
@@ -18299,6 +22061,11 @@
                     </a:solidFill>
                   </a:tcPr>
                 </a:tc>
+                <a:extLst>
+                  <a:ext uri="{0D108BD9-81ED-4DB2-BD59-A6C34878D82A}">
+                    <a16:rowId xmlns:a16="http://schemas.microsoft.com/office/drawing/2014/main" val="10005"/>
+                  </a:ext>
+                </a:extLst>
               </a:tr>
               <a:tr h="381685">
                 <a:tc>
@@ -18411,6 +22178,11 @@
                     </a:solidFill>
                   </a:tcPr>
                 </a:tc>
+                <a:extLst>
+                  <a:ext uri="{0D108BD9-81ED-4DB2-BD59-A6C34878D82A}">
+                    <a16:rowId xmlns:a16="http://schemas.microsoft.com/office/drawing/2014/main" val="10006"/>
+                  </a:ext>
+                </a:extLst>
               </a:tr>
               <a:tr h="523046">
                 <a:tc>
@@ -18523,6 +22295,11 @@
                     </a:solidFill>
                   </a:tcPr>
                 </a:tc>
+                <a:extLst>
+                  <a:ext uri="{0D108BD9-81ED-4DB2-BD59-A6C34878D82A}">
+                    <a16:rowId xmlns:a16="http://schemas.microsoft.com/office/drawing/2014/main" val="10007"/>
+                  </a:ext>
+                </a:extLst>
               </a:tr>
             </a:tbl>
           </a:graphicData>
@@ -18538,6 +22315,145 @@
   <p:clrMapOvr>
     <a:masterClrMapping/>
   </p:clrMapOvr>
+  <p:timing>
+    <p:tnLst>
+      <p:par>
+        <p:cTn id="1" dur="indefinite" restart="never" nodeType="tmRoot">
+          <p:childTnLst>
+            <p:seq concurrent="1" nextAc="seek">
+              <p:cTn id="2" dur="indefinite" nodeType="mainSeq">
+                <p:childTnLst>
+                  <p:par>
+                    <p:cTn id="3" fill="hold">
+                      <p:stCondLst>
+                        <p:cond delay="indefinite"/>
+                      </p:stCondLst>
+                      <p:childTnLst>
+                        <p:par>
+                          <p:cTn id="4" fill="hold">
+                            <p:stCondLst>
+                              <p:cond delay="0"/>
+                            </p:stCondLst>
+                            <p:childTnLst>
+                              <p:par>
+                                <p:cTn id="5" presetID="16" presetClass="entr" presetSubtype="21" fill="hold" grpId="0" nodeType="clickEffect">
+                                  <p:stCondLst>
+                                    <p:cond delay="0"/>
+                                  </p:stCondLst>
+                                  <p:childTnLst>
+                                    <p:set>
+                                      <p:cBhvr>
+                                        <p:cTn id="6" dur="1" fill="hold">
+                                          <p:stCondLst>
+                                            <p:cond delay="0"/>
+                                          </p:stCondLst>
+                                        </p:cTn>
+                                        <p:tgtEl>
+                                          <p:spTgt spid="2"/>
+                                        </p:tgtEl>
+                                        <p:attrNameLst>
+                                          <p:attrName>style.visibility</p:attrName>
+                                        </p:attrNameLst>
+                                      </p:cBhvr>
+                                      <p:to>
+                                        <p:strVal val="visible"/>
+                                      </p:to>
+                                    </p:set>
+                                    <p:animEffect transition="in" filter="barn(inVertical)">
+                                      <p:cBhvr>
+                                        <p:cTn id="7" dur="500"/>
+                                        <p:tgtEl>
+                                          <p:spTgt spid="2"/>
+                                        </p:tgtEl>
+                                      </p:cBhvr>
+                                    </p:animEffect>
+                                  </p:childTnLst>
+                                </p:cTn>
+                              </p:par>
+                            </p:childTnLst>
+                          </p:cTn>
+                        </p:par>
+                      </p:childTnLst>
+                    </p:cTn>
+                  </p:par>
+                  <p:par>
+                    <p:cTn id="8" fill="hold">
+                      <p:stCondLst>
+                        <p:cond delay="indefinite"/>
+                      </p:stCondLst>
+                      <p:childTnLst>
+                        <p:par>
+                          <p:cTn id="9" fill="hold">
+                            <p:stCondLst>
+                              <p:cond delay="0"/>
+                            </p:stCondLst>
+                            <p:childTnLst>
+                              <p:par>
+                                <p:cTn id="10" presetID="14" presetClass="entr" presetSubtype="10" fill="hold" nodeType="clickEffect">
+                                  <p:stCondLst>
+                                    <p:cond delay="0"/>
+                                  </p:stCondLst>
+                                  <p:childTnLst>
+                                    <p:set>
+                                      <p:cBhvr>
+                                        <p:cTn id="11" dur="1" fill="hold">
+                                          <p:stCondLst>
+                                            <p:cond delay="0"/>
+                                          </p:stCondLst>
+                                        </p:cTn>
+                                        <p:tgtEl>
+                                          <p:spTgt spid="3"/>
+                                        </p:tgtEl>
+                                        <p:attrNameLst>
+                                          <p:attrName>style.visibility</p:attrName>
+                                        </p:attrNameLst>
+                                      </p:cBhvr>
+                                      <p:to>
+                                        <p:strVal val="visible"/>
+                                      </p:to>
+                                    </p:set>
+                                    <p:animEffect transition="in" filter="randombar(horizontal)">
+                                      <p:cBhvr>
+                                        <p:cTn id="12" dur="500"/>
+                                        <p:tgtEl>
+                                          <p:spTgt spid="3"/>
+                                        </p:tgtEl>
+                                      </p:cBhvr>
+                                    </p:animEffect>
+                                  </p:childTnLst>
+                                </p:cTn>
+                              </p:par>
+                            </p:childTnLst>
+                          </p:cTn>
+                        </p:par>
+                      </p:childTnLst>
+                    </p:cTn>
+                  </p:par>
+                </p:childTnLst>
+              </p:cTn>
+              <p:prevCondLst>
+                <p:cond evt="onPrev" delay="0">
+                  <p:tgtEl>
+                    <p:sldTgt/>
+                  </p:tgtEl>
+                </p:cond>
+              </p:prevCondLst>
+              <p:nextCondLst>
+                <p:cond evt="onNext" delay="0">
+                  <p:tgtEl>
+                    <p:sldTgt/>
+                  </p:tgtEl>
+                </p:cond>
+              </p:nextCondLst>
+            </p:seq>
+          </p:childTnLst>
+        </p:cTn>
+      </p:par>
+    </p:tnLst>
+    <p:bldLst>
+      <p:bldP spid="2" grpId="0"/>
+    </p:bldLst>
+  </p:timing>
 </p:sld>
 </file>
 
@@ -18612,11 +22528,6 @@
               </a:rPr>
               <a:t>WHERE</a:t>
             </a:r>
-            <a:endParaRPr lang="en-US" sz="4000" dirty="0">
-              <a:solidFill>
-                <a:srgbClr val="984807"/>
-              </a:solidFill>
-            </a:endParaRPr>
           </a:p>
         </p:txBody>
       </p:sp>
@@ -18643,8 +22554,20 @@
             <a:tbl>
               <a:tblPr/>
               <a:tblGrid>
-                <a:gridCol w="4114800"/>
-                <a:gridCol w="4114800"/>
+                <a:gridCol w="4114800">
+                  <a:extLst>
+                    <a:ext uri="{9D8B030D-6E8A-4147-A177-3AD203B41FA5}">
+                      <a16:colId xmlns:a16="http://schemas.microsoft.com/office/drawing/2014/main" val="20000"/>
+                    </a:ext>
+                  </a:extLst>
+                </a:gridCol>
+                <a:gridCol w="4114800">
+                  <a:extLst>
+                    <a:ext uri="{9D8B030D-6E8A-4147-A177-3AD203B41FA5}">
+                      <a16:colId xmlns:a16="http://schemas.microsoft.com/office/drawing/2014/main" val="20001"/>
+                    </a:ext>
+                  </a:extLst>
+                </a:gridCol>
               </a:tblGrid>
               <a:tr h="378117">
                 <a:tc>
@@ -18759,6 +22682,11 @@
                     </a:solidFill>
                   </a:tcPr>
                 </a:tc>
+                <a:extLst>
+                  <a:ext uri="{0D108BD9-81ED-4DB2-BD59-A6C34878D82A}">
+                    <a16:rowId xmlns:a16="http://schemas.microsoft.com/office/drawing/2014/main" val="10000"/>
+                  </a:ext>
+                </a:extLst>
               </a:tr>
               <a:tr h="378117">
                 <a:tc>
@@ -18871,6 +22799,11 @@
                     </a:solidFill>
                   </a:tcPr>
                 </a:tc>
+                <a:extLst>
+                  <a:ext uri="{0D108BD9-81ED-4DB2-BD59-A6C34878D82A}">
+                    <a16:rowId xmlns:a16="http://schemas.microsoft.com/office/drawing/2014/main" val="10001"/>
+                  </a:ext>
+                </a:extLst>
               </a:tr>
               <a:tr h="378117">
                 <a:tc>
@@ -18983,6 +22916,11 @@
                     </a:solidFill>
                   </a:tcPr>
                 </a:tc>
+                <a:extLst>
+                  <a:ext uri="{0D108BD9-81ED-4DB2-BD59-A6C34878D82A}">
+                    <a16:rowId xmlns:a16="http://schemas.microsoft.com/office/drawing/2014/main" val="10002"/>
+                  </a:ext>
+                </a:extLst>
               </a:tr>
               <a:tr h="378117">
                 <a:tc>
@@ -19095,6 +23033,11 @@
                     </a:solidFill>
                   </a:tcPr>
                 </a:tc>
+                <a:extLst>
+                  <a:ext uri="{0D108BD9-81ED-4DB2-BD59-A6C34878D82A}">
+                    <a16:rowId xmlns:a16="http://schemas.microsoft.com/office/drawing/2014/main" val="10003"/>
+                  </a:ext>
+                </a:extLst>
               </a:tr>
               <a:tr h="378117">
                 <a:tc>
@@ -19207,6 +23150,11 @@
                     </a:solidFill>
                   </a:tcPr>
                 </a:tc>
+                <a:extLst>
+                  <a:ext uri="{0D108BD9-81ED-4DB2-BD59-A6C34878D82A}">
+                    <a16:rowId xmlns:a16="http://schemas.microsoft.com/office/drawing/2014/main" val="10004"/>
+                  </a:ext>
+                </a:extLst>
               </a:tr>
               <a:tr h="378117">
                 <a:tc>
@@ -19319,6 +23267,11 @@
                     </a:solidFill>
                   </a:tcPr>
                 </a:tc>
+                <a:extLst>
+                  <a:ext uri="{0D108BD9-81ED-4DB2-BD59-A6C34878D82A}">
+                    <a16:rowId xmlns:a16="http://schemas.microsoft.com/office/drawing/2014/main" val="10005"/>
+                  </a:ext>
+                </a:extLst>
               </a:tr>
               <a:tr h="378117">
                 <a:tc>
@@ -19431,6 +23384,11 @@
                     </a:solidFill>
                   </a:tcPr>
                 </a:tc>
+                <a:extLst>
+                  <a:ext uri="{0D108BD9-81ED-4DB2-BD59-A6C34878D82A}">
+                    <a16:rowId xmlns:a16="http://schemas.microsoft.com/office/drawing/2014/main" val="10006"/>
+                  </a:ext>
+                </a:extLst>
               </a:tr>
               <a:tr h="378117">
                 <a:tc>
@@ -19543,6 +23501,11 @@
                     </a:solidFill>
                   </a:tcPr>
                 </a:tc>
+                <a:extLst>
+                  <a:ext uri="{0D108BD9-81ED-4DB2-BD59-A6C34878D82A}">
+                    <a16:rowId xmlns:a16="http://schemas.microsoft.com/office/drawing/2014/main" val="10007"/>
+                  </a:ext>
+                </a:extLst>
               </a:tr>
               <a:tr h="378117">
                 <a:tc>
@@ -19655,6 +23618,11 @@
                     </a:solidFill>
                   </a:tcPr>
                 </a:tc>
+                <a:extLst>
+                  <a:ext uri="{0D108BD9-81ED-4DB2-BD59-A6C34878D82A}">
+                    <a16:rowId xmlns:a16="http://schemas.microsoft.com/office/drawing/2014/main" val="10008"/>
+                  </a:ext>
+                </a:extLst>
               </a:tr>
               <a:tr h="378117">
                 <a:tc>
@@ -19767,6 +23735,11 @@
                     </a:solidFill>
                   </a:tcPr>
                 </a:tc>
+                <a:extLst>
+                  <a:ext uri="{0D108BD9-81ED-4DB2-BD59-A6C34878D82A}">
+                    <a16:rowId xmlns:a16="http://schemas.microsoft.com/office/drawing/2014/main" val="10009"/>
+                  </a:ext>
+                </a:extLst>
               </a:tr>
               <a:tr h="378117">
                 <a:tc>
@@ -19879,6 +23852,11 @@
                     </a:solidFill>
                   </a:tcPr>
                 </a:tc>
+                <a:extLst>
+                  <a:ext uri="{0D108BD9-81ED-4DB2-BD59-A6C34878D82A}">
+                    <a16:rowId xmlns:a16="http://schemas.microsoft.com/office/drawing/2014/main" val="10010"/>
+                  </a:ext>
+                </a:extLst>
               </a:tr>
             </a:tbl>
           </a:graphicData>
@@ -19894,6 +23872,158 @@
   <p:clrMapOvr>
     <a:masterClrMapping/>
   </p:clrMapOvr>
+  <p:timing>
+    <p:tnLst>
+      <p:par>
+        <p:cTn id="1" dur="indefinite" restart="never" nodeType="tmRoot">
+          <p:childTnLst>
+            <p:seq concurrent="1" nextAc="seek">
+              <p:cTn id="2" dur="indefinite" nodeType="mainSeq">
+                <p:childTnLst>
+                  <p:par>
+                    <p:cTn id="3" fill="hold">
+                      <p:stCondLst>
+                        <p:cond delay="indefinite"/>
+                      </p:stCondLst>
+                      <p:childTnLst>
+                        <p:par>
+                          <p:cTn id="4" fill="hold">
+                            <p:stCondLst>
+                              <p:cond delay="0"/>
+                            </p:stCondLst>
+                            <p:childTnLst>
+                              <p:par>
+                                <p:cTn id="5" presetID="31" presetClass="entr" presetSubtype="0" fill="hold" nodeType="clickEffect">
+                                  <p:stCondLst>
+                                    <p:cond delay="0"/>
+                                  </p:stCondLst>
+                                  <p:childTnLst>
+                                    <p:set>
+                                      <p:cBhvr>
+                                        <p:cTn id="6" dur="1" fill="hold">
+                                          <p:stCondLst>
+                                            <p:cond delay="0"/>
+                                          </p:stCondLst>
+                                        </p:cTn>
+                                        <p:tgtEl>
+                                          <p:spTgt spid="5"/>
+                                        </p:tgtEl>
+                                        <p:attrNameLst>
+                                          <p:attrName>style.visibility</p:attrName>
+                                        </p:attrNameLst>
+                                      </p:cBhvr>
+                                      <p:to>
+                                        <p:strVal val="visible"/>
+                                      </p:to>
+                                    </p:set>
+                                    <p:anim calcmode="lin" valueType="num">
+                                      <p:cBhvr>
+                                        <p:cTn id="7" dur="1000" fill="hold"/>
+                                        <p:tgtEl>
+                                          <p:spTgt spid="5"/>
+                                        </p:tgtEl>
+                                        <p:attrNameLst>
+                                          <p:attrName>ppt_w</p:attrName>
+                                        </p:attrNameLst>
+                                      </p:cBhvr>
+                                      <p:tavLst>
+                                        <p:tav tm="0">
+                                          <p:val>
+                                            <p:fltVal val="0"/>
+                                          </p:val>
+                                        </p:tav>
+                                        <p:tav tm="100000">
+                                          <p:val>
+                                            <p:strVal val="#ppt_w"/>
+                                          </p:val>
+                                        </p:tav>
+                                      </p:tavLst>
+                                    </p:anim>
+                                    <p:anim calcmode="lin" valueType="num">
+                                      <p:cBhvr>
+                                        <p:cTn id="8" dur="1000" fill="hold"/>
+                                        <p:tgtEl>
+                                          <p:spTgt spid="5"/>
+                                        </p:tgtEl>
+                                        <p:attrNameLst>
+                                          <p:attrName>ppt_h</p:attrName>
+                                        </p:attrNameLst>
+                                      </p:cBhvr>
+                                      <p:tavLst>
+                                        <p:tav tm="0">
+                                          <p:val>
+                                            <p:fltVal val="0"/>
+                                          </p:val>
+                                        </p:tav>
+                                        <p:tav tm="100000">
+                                          <p:val>
+                                            <p:strVal val="#ppt_h"/>
+                                          </p:val>
+                                        </p:tav>
+                                      </p:tavLst>
+                                    </p:anim>
+                                    <p:anim calcmode="lin" valueType="num">
+                                      <p:cBhvr>
+                                        <p:cTn id="9" dur="1000" fill="hold"/>
+                                        <p:tgtEl>
+                                          <p:spTgt spid="5"/>
+                                        </p:tgtEl>
+                                        <p:attrNameLst>
+                                          <p:attrName>style.rotation</p:attrName>
+                                        </p:attrNameLst>
+                                      </p:cBhvr>
+                                      <p:tavLst>
+                                        <p:tav tm="0">
+                                          <p:val>
+                                            <p:fltVal val="90"/>
+                                          </p:val>
+                                        </p:tav>
+                                        <p:tav tm="100000">
+                                          <p:val>
+                                            <p:fltVal val="0"/>
+                                          </p:val>
+                                        </p:tav>
+                                      </p:tavLst>
+                                    </p:anim>
+                                    <p:animEffect transition="in" filter="fade">
+                                      <p:cBhvr>
+                                        <p:cTn id="10" dur="1000"/>
+                                        <p:tgtEl>
+                                          <p:spTgt spid="5"/>
+                                        </p:tgtEl>
+                                      </p:cBhvr>
+                                    </p:animEffect>
+                                  </p:childTnLst>
+                                </p:cTn>
+                              </p:par>
+                            </p:childTnLst>
+                          </p:cTn>
+                        </p:par>
+                      </p:childTnLst>
+                    </p:cTn>
+                  </p:par>
+                </p:childTnLst>
+              </p:cTn>
+              <p:prevCondLst>
+                <p:cond evt="onPrev" delay="0">
+                  <p:tgtEl>
+                    <p:sldTgt/>
+                  </p:tgtEl>
+                </p:cond>
+              </p:prevCondLst>
+              <p:nextCondLst>
+                <p:cond evt="onNext" delay="0">
+                  <p:tgtEl>
+                    <p:sldTgt/>
+                  </p:tgtEl>
+                </p:cond>
+              </p:nextCondLst>
+            </p:seq>
+          </p:childTnLst>
+        </p:cTn>
+      </p:par>
+    </p:tnLst>
+  </p:timing>
 </p:sld>
 </file>
 
@@ -20402,8 +24532,20 @@
             <a:tbl>
               <a:tblPr/>
               <a:tblGrid>
-                <a:gridCol w="4114800"/>
-                <a:gridCol w="4114800"/>
+                <a:gridCol w="4114800">
+                  <a:extLst>
+                    <a:ext uri="{9D8B030D-6E8A-4147-A177-3AD203B41FA5}">
+                      <a16:colId xmlns:a16="http://schemas.microsoft.com/office/drawing/2014/main" val="20000"/>
+                    </a:ext>
+                  </a:extLst>
+                </a:gridCol>
+                <a:gridCol w="4114800">
+                  <a:extLst>
+                    <a:ext uri="{9D8B030D-6E8A-4147-A177-3AD203B41FA5}">
+                      <a16:colId xmlns:a16="http://schemas.microsoft.com/office/drawing/2014/main" val="20001"/>
+                    </a:ext>
+                  </a:extLst>
+                </a:gridCol>
               </a:tblGrid>
               <a:tr h="378117">
                 <a:tc>
@@ -20516,6 +24658,11 @@
                     </a:solidFill>
                   </a:tcPr>
                 </a:tc>
+                <a:extLst>
+                  <a:ext uri="{0D108BD9-81ED-4DB2-BD59-A6C34878D82A}">
+                    <a16:rowId xmlns:a16="http://schemas.microsoft.com/office/drawing/2014/main" val="10000"/>
+                  </a:ext>
+                </a:extLst>
               </a:tr>
               <a:tr h="378117">
                 <a:tc>
@@ -20628,6 +24775,11 @@
                     </a:solidFill>
                   </a:tcPr>
                 </a:tc>
+                <a:extLst>
+                  <a:ext uri="{0D108BD9-81ED-4DB2-BD59-A6C34878D82A}">
+                    <a16:rowId xmlns:a16="http://schemas.microsoft.com/office/drawing/2014/main" val="10001"/>
+                  </a:ext>
+                </a:extLst>
               </a:tr>
               <a:tr h="378117">
                 <a:tc>
@@ -20740,6 +24892,11 @@
                     </a:solidFill>
                   </a:tcPr>
                 </a:tc>
+                <a:extLst>
+                  <a:ext uri="{0D108BD9-81ED-4DB2-BD59-A6C34878D82A}">
+                    <a16:rowId xmlns:a16="http://schemas.microsoft.com/office/drawing/2014/main" val="10002"/>
+                  </a:ext>
+                </a:extLst>
               </a:tr>
               <a:tr h="378117">
                 <a:tc>
@@ -20852,6 +25009,11 @@
                     </a:solidFill>
                   </a:tcPr>
                 </a:tc>
+                <a:extLst>
+                  <a:ext uri="{0D108BD9-81ED-4DB2-BD59-A6C34878D82A}">
+                    <a16:rowId xmlns:a16="http://schemas.microsoft.com/office/drawing/2014/main" val="10003"/>
+                  </a:ext>
+                </a:extLst>
               </a:tr>
               <a:tr h="378117">
                 <a:tc>
@@ -20964,6 +25126,11 @@
                     </a:solidFill>
                   </a:tcPr>
                 </a:tc>
+                <a:extLst>
+                  <a:ext uri="{0D108BD9-81ED-4DB2-BD59-A6C34878D82A}">
+                    <a16:rowId xmlns:a16="http://schemas.microsoft.com/office/drawing/2014/main" val="10004"/>
+                  </a:ext>
+                </a:extLst>
               </a:tr>
             </a:tbl>
           </a:graphicData>
@@ -21470,6 +25637,199 @@
   <p:clrMapOvr>
     <a:masterClrMapping/>
   </p:clrMapOvr>
+  <p:timing>
+    <p:tnLst>
+      <p:par>
+        <p:cTn id="1" dur="indefinite" restart="never" nodeType="tmRoot">
+          <p:childTnLst>
+            <p:seq concurrent="1" nextAc="seek">
+              <p:cTn id="2" dur="indefinite" nodeType="mainSeq">
+                <p:childTnLst>
+                  <p:par>
+                    <p:cTn id="3" fill="hold">
+                      <p:stCondLst>
+                        <p:cond delay="indefinite"/>
+                      </p:stCondLst>
+                      <p:childTnLst>
+                        <p:par>
+                          <p:cTn id="4" fill="hold">
+                            <p:stCondLst>
+                              <p:cond delay="0"/>
+                            </p:stCondLst>
+                            <p:childTnLst>
+                              <p:par>
+                                <p:cTn id="5" presetID="16" presetClass="entr" presetSubtype="21" fill="hold" grpId="0" nodeType="clickEffect">
+                                  <p:stCondLst>
+                                    <p:cond delay="0"/>
+                                  </p:stCondLst>
+                                  <p:childTnLst>
+                                    <p:set>
+                                      <p:cBhvr>
+                                        <p:cTn id="6" dur="1" fill="hold">
+                                          <p:stCondLst>
+                                            <p:cond delay="0"/>
+                                          </p:stCondLst>
+                                        </p:cTn>
+                                        <p:tgtEl>
+                                          <p:spTgt spid="2"/>
+                                        </p:tgtEl>
+                                        <p:attrNameLst>
+                                          <p:attrName>style.visibility</p:attrName>
+                                        </p:attrNameLst>
+                                      </p:cBhvr>
+                                      <p:to>
+                                        <p:strVal val="visible"/>
+                                      </p:to>
+                                    </p:set>
+                                    <p:animEffect transition="in" filter="barn(inVertical)">
+                                      <p:cBhvr>
+                                        <p:cTn id="7" dur="500"/>
+                                        <p:tgtEl>
+                                          <p:spTgt spid="2"/>
+                                        </p:tgtEl>
+                                      </p:cBhvr>
+                                    </p:animEffect>
+                                  </p:childTnLst>
+                                </p:cTn>
+                              </p:par>
+                            </p:childTnLst>
+                          </p:cTn>
+                        </p:par>
+                      </p:childTnLst>
+                    </p:cTn>
+                  </p:par>
+                  <p:par>
+                    <p:cTn id="8" fill="hold">
+                      <p:stCondLst>
+                        <p:cond delay="indefinite"/>
+                      </p:stCondLst>
+                      <p:childTnLst>
+                        <p:par>
+                          <p:cTn id="9" fill="hold">
+                            <p:stCondLst>
+                              <p:cond delay="0"/>
+                            </p:stCondLst>
+                            <p:childTnLst>
+                              <p:par>
+                                <p:cTn id="10" presetID="10" presetClass="entr" presetSubtype="0" fill="hold" nodeType="clickEffect">
+                                  <p:stCondLst>
+                                    <p:cond delay="0"/>
+                                  </p:stCondLst>
+                                  <p:childTnLst>
+                                    <p:set>
+                                      <p:cBhvr>
+                                        <p:cTn id="11" dur="1" fill="hold">
+                                          <p:stCondLst>
+                                            <p:cond delay="0"/>
+                                          </p:stCondLst>
+                                        </p:cTn>
+                                        <p:tgtEl>
+                                          <p:spTgt spid="3"/>
+                                        </p:tgtEl>
+                                        <p:attrNameLst>
+                                          <p:attrName>style.visibility</p:attrName>
+                                        </p:attrNameLst>
+                                      </p:cBhvr>
+                                      <p:to>
+                                        <p:strVal val="visible"/>
+                                      </p:to>
+                                    </p:set>
+                                    <p:animEffect transition="in" filter="fade">
+                                      <p:cBhvr>
+                                        <p:cTn id="12" dur="500"/>
+                                        <p:tgtEl>
+                                          <p:spTgt spid="3"/>
+                                        </p:tgtEl>
+                                      </p:cBhvr>
+                                    </p:animEffect>
+                                  </p:childTnLst>
+                                </p:cTn>
+                              </p:par>
+                            </p:childTnLst>
+                          </p:cTn>
+                        </p:par>
+                      </p:childTnLst>
+                    </p:cTn>
+                  </p:par>
+                  <p:par>
+                    <p:cTn id="13" fill="hold">
+                      <p:stCondLst>
+                        <p:cond delay="indefinite"/>
+                      </p:stCondLst>
+                      <p:childTnLst>
+                        <p:par>
+                          <p:cTn id="14" fill="hold">
+                            <p:stCondLst>
+                              <p:cond delay="0"/>
+                            </p:stCondLst>
+                            <p:childTnLst>
+                              <p:par>
+                                <p:cTn id="15" presetID="6" presetClass="entr" presetSubtype="16" fill="hold" grpId="0" nodeType="clickEffect">
+                                  <p:stCondLst>
+                                    <p:cond delay="0"/>
+                                  </p:stCondLst>
+                                  <p:childTnLst>
+                                    <p:set>
+                                      <p:cBhvr>
+                                        <p:cTn id="16" dur="1" fill="hold">
+                                          <p:stCondLst>
+                                            <p:cond delay="0"/>
+                                          </p:stCondLst>
+                                        </p:cTn>
+                                        <p:tgtEl>
+                                          <p:spTgt spid="6"/>
+                                        </p:tgtEl>
+                                        <p:attrNameLst>
+                                          <p:attrName>style.visibility</p:attrName>
+                                        </p:attrNameLst>
+                                      </p:cBhvr>
+                                      <p:to>
+                                        <p:strVal val="visible"/>
+                                      </p:to>
+                                    </p:set>
+                                    <p:animEffect transition="in" filter="circle(in)">
+                                      <p:cBhvr>
+                                        <p:cTn id="17" dur="2000"/>
+                                        <p:tgtEl>
+                                          <p:spTgt spid="6"/>
+                                        </p:tgtEl>
+                                      </p:cBhvr>
+                                    </p:animEffect>
+                                  </p:childTnLst>
+                                </p:cTn>
+                              </p:par>
+                            </p:childTnLst>
+                          </p:cTn>
+                        </p:par>
+                      </p:childTnLst>
+                    </p:cTn>
+                  </p:par>
+                </p:childTnLst>
+              </p:cTn>
+              <p:prevCondLst>
+                <p:cond evt="onPrev" delay="0">
+                  <p:tgtEl>
+                    <p:sldTgt/>
+                  </p:tgtEl>
+                </p:cond>
+              </p:prevCondLst>
+              <p:nextCondLst>
+                <p:cond evt="onNext" delay="0">
+                  <p:tgtEl>
+                    <p:sldTgt/>
+                  </p:tgtEl>
+                </p:cond>
+              </p:nextCondLst>
+            </p:seq>
+          </p:childTnLst>
+        </p:cTn>
+      </p:par>
+    </p:tnLst>
+    <p:bldLst>
+      <p:bldP spid="2" grpId="0" animBg="1"/>
+      <p:bldP spid="6" grpId="0" animBg="1"/>
+    </p:bldLst>
+  </p:timing>
 </p:sld>
 </file>
 
@@ -21544,11 +25904,6 @@
               </a:rPr>
               <a:t>LIKE</a:t>
             </a:r>
-            <a:endParaRPr lang="en-US" sz="4000" dirty="0">
-              <a:solidFill>
-                <a:srgbClr val="984807"/>
-              </a:solidFill>
-            </a:endParaRPr>
           </a:p>
         </p:txBody>
       </p:sp>
@@ -21575,8 +25930,20 @@
             <a:tbl>
               <a:tblPr/>
               <a:tblGrid>
-                <a:gridCol w="4114800"/>
-                <a:gridCol w="4114800"/>
+                <a:gridCol w="4114800">
+                  <a:extLst>
+                    <a:ext uri="{9D8B030D-6E8A-4147-A177-3AD203B41FA5}">
+                      <a16:colId xmlns:a16="http://schemas.microsoft.com/office/drawing/2014/main" val="20000"/>
+                    </a:ext>
+                  </a:extLst>
+                </a:gridCol>
+                <a:gridCol w="4114800">
+                  <a:extLst>
+                    <a:ext uri="{9D8B030D-6E8A-4147-A177-3AD203B41FA5}">
+                      <a16:colId xmlns:a16="http://schemas.microsoft.com/office/drawing/2014/main" val="20001"/>
+                    </a:ext>
+                  </a:extLst>
+                </a:gridCol>
               </a:tblGrid>
               <a:tr h="378117">
                 <a:tc>
@@ -21689,6 +26056,11 @@
                     </a:solidFill>
                   </a:tcPr>
                 </a:tc>
+                <a:extLst>
+                  <a:ext uri="{0D108BD9-81ED-4DB2-BD59-A6C34878D82A}">
+                    <a16:rowId xmlns:a16="http://schemas.microsoft.com/office/drawing/2014/main" val="10000"/>
+                  </a:ext>
+                </a:extLst>
               </a:tr>
               <a:tr h="378117">
                 <a:tc>
@@ -21801,6 +26173,11 @@
                     </a:solidFill>
                   </a:tcPr>
                 </a:tc>
+                <a:extLst>
+                  <a:ext uri="{0D108BD9-81ED-4DB2-BD59-A6C34878D82A}">
+                    <a16:rowId xmlns:a16="http://schemas.microsoft.com/office/drawing/2014/main" val="10001"/>
+                  </a:ext>
+                </a:extLst>
               </a:tr>
               <a:tr h="378117">
                 <a:tc>
@@ -21913,6 +26290,11 @@
                     </a:solidFill>
                   </a:tcPr>
                 </a:tc>
+                <a:extLst>
+                  <a:ext uri="{0D108BD9-81ED-4DB2-BD59-A6C34878D82A}">
+                    <a16:rowId xmlns:a16="http://schemas.microsoft.com/office/drawing/2014/main" val="10002"/>
+                  </a:ext>
+                </a:extLst>
               </a:tr>
               <a:tr h="378117">
                 <a:tc>
@@ -22025,6 +26407,11 @@
                     </a:solidFill>
                   </a:tcPr>
                 </a:tc>
+                <a:extLst>
+                  <a:ext uri="{0D108BD9-81ED-4DB2-BD59-A6C34878D82A}">
+                    <a16:rowId xmlns:a16="http://schemas.microsoft.com/office/drawing/2014/main" val="10003"/>
+                  </a:ext>
+                </a:extLst>
               </a:tr>
               <a:tr h="645023">
                 <a:tc>
@@ -22149,6 +26536,11 @@
                     </a:solidFill>
                   </a:tcPr>
                 </a:tc>
+                <a:extLst>
+                  <a:ext uri="{0D108BD9-81ED-4DB2-BD59-A6C34878D82A}">
+                    <a16:rowId xmlns:a16="http://schemas.microsoft.com/office/drawing/2014/main" val="10004"/>
+                  </a:ext>
+                </a:extLst>
               </a:tr>
             </a:tbl>
           </a:graphicData>
@@ -22499,11 +26891,41 @@
             <a:tbl>
               <a:tblPr/>
               <a:tblGrid>
-                <a:gridCol w="617837"/>
-                <a:gridCol w="2674003"/>
-                <a:gridCol w="1645920"/>
-                <a:gridCol w="1645920"/>
-                <a:gridCol w="1645920"/>
+                <a:gridCol w="617837">
+                  <a:extLst>
+                    <a:ext uri="{9D8B030D-6E8A-4147-A177-3AD203B41FA5}">
+                      <a16:colId xmlns:a16="http://schemas.microsoft.com/office/drawing/2014/main" val="20000"/>
+                    </a:ext>
+                  </a:extLst>
+                </a:gridCol>
+                <a:gridCol w="2674003">
+                  <a:extLst>
+                    <a:ext uri="{9D8B030D-6E8A-4147-A177-3AD203B41FA5}">
+                      <a16:colId xmlns:a16="http://schemas.microsoft.com/office/drawing/2014/main" val="20001"/>
+                    </a:ext>
+                  </a:extLst>
+                </a:gridCol>
+                <a:gridCol w="1645920">
+                  <a:extLst>
+                    <a:ext uri="{9D8B030D-6E8A-4147-A177-3AD203B41FA5}">
+                      <a16:colId xmlns:a16="http://schemas.microsoft.com/office/drawing/2014/main" val="20002"/>
+                    </a:ext>
+                  </a:extLst>
+                </a:gridCol>
+                <a:gridCol w="1645920">
+                  <a:extLst>
+                    <a:ext uri="{9D8B030D-6E8A-4147-A177-3AD203B41FA5}">
+                      <a16:colId xmlns:a16="http://schemas.microsoft.com/office/drawing/2014/main" val="20003"/>
+                    </a:ext>
+                  </a:extLst>
+                </a:gridCol>
+                <a:gridCol w="1645920">
+                  <a:extLst>
+                    <a:ext uri="{9D8B030D-6E8A-4147-A177-3AD203B41FA5}">
+                      <a16:colId xmlns:a16="http://schemas.microsoft.com/office/drawing/2014/main" val="20004"/>
+                    </a:ext>
+                  </a:extLst>
+                </a:gridCol>
               </a:tblGrid>
               <a:tr h="295433">
                 <a:tc>
@@ -22781,6 +27203,11 @@
                     </a:solidFill>
                   </a:tcPr>
                 </a:tc>
+                <a:extLst>
+                  <a:ext uri="{0D108BD9-81ED-4DB2-BD59-A6C34878D82A}">
+                    <a16:rowId xmlns:a16="http://schemas.microsoft.com/office/drawing/2014/main" val="10000"/>
+                  </a:ext>
+                </a:extLst>
               </a:tr>
               <a:tr h="494283">
                 <a:tc>
@@ -23058,6 +27485,11 @@
                     </a:solidFill>
                   </a:tcPr>
                 </a:tc>
+                <a:extLst>
+                  <a:ext uri="{0D108BD9-81ED-4DB2-BD59-A6C34878D82A}">
+                    <a16:rowId xmlns:a16="http://schemas.microsoft.com/office/drawing/2014/main" val="10001"/>
+                  </a:ext>
+                </a:extLst>
               </a:tr>
               <a:tr h="698814">
                 <a:tc>
@@ -23335,6 +27767,11 @@
                     </a:solidFill>
                   </a:tcPr>
                 </a:tc>
+                <a:extLst>
+                  <a:ext uri="{0D108BD9-81ED-4DB2-BD59-A6C34878D82A}">
+                    <a16:rowId xmlns:a16="http://schemas.microsoft.com/office/drawing/2014/main" val="10002"/>
+                  </a:ext>
+                </a:extLst>
               </a:tr>
             </a:tbl>
           </a:graphicData>
@@ -23350,6 +27787,282 @@
   <p:clrMapOvr>
     <a:masterClrMapping/>
   </p:clrMapOvr>
+  <p:timing>
+    <p:tnLst>
+      <p:par>
+        <p:cTn id="1" dur="indefinite" restart="never" nodeType="tmRoot">
+          <p:childTnLst>
+            <p:seq concurrent="1" nextAc="seek">
+              <p:cTn id="2" dur="indefinite" nodeType="mainSeq">
+                <p:childTnLst>
+                  <p:par>
+                    <p:cTn id="3" fill="hold">
+                      <p:stCondLst>
+                        <p:cond delay="indefinite"/>
+                      </p:stCondLst>
+                      <p:childTnLst>
+                        <p:par>
+                          <p:cTn id="4" fill="hold">
+                            <p:stCondLst>
+                              <p:cond delay="0"/>
+                            </p:stCondLst>
+                            <p:childTnLst>
+                              <p:par>
+                                <p:cTn id="5" presetID="53" presetClass="entr" presetSubtype="16" fill="hold" nodeType="clickEffect">
+                                  <p:stCondLst>
+                                    <p:cond delay="0"/>
+                                  </p:stCondLst>
+                                  <p:childTnLst>
+                                    <p:set>
+                                      <p:cBhvr>
+                                        <p:cTn id="6" dur="1" fill="hold">
+                                          <p:stCondLst>
+                                            <p:cond delay="0"/>
+                                          </p:stCondLst>
+                                        </p:cTn>
+                                        <p:tgtEl>
+                                          <p:spTgt spid="5"/>
+                                        </p:tgtEl>
+                                        <p:attrNameLst>
+                                          <p:attrName>style.visibility</p:attrName>
+                                        </p:attrNameLst>
+                                      </p:cBhvr>
+                                      <p:to>
+                                        <p:strVal val="visible"/>
+                                      </p:to>
+                                    </p:set>
+                                    <p:anim calcmode="lin" valueType="num">
+                                      <p:cBhvr>
+                                        <p:cTn id="7" dur="500" fill="hold"/>
+                                        <p:tgtEl>
+                                          <p:spTgt spid="5"/>
+                                        </p:tgtEl>
+                                        <p:attrNameLst>
+                                          <p:attrName>ppt_w</p:attrName>
+                                        </p:attrNameLst>
+                                      </p:cBhvr>
+                                      <p:tavLst>
+                                        <p:tav tm="0">
+                                          <p:val>
+                                            <p:fltVal val="0"/>
+                                          </p:val>
+                                        </p:tav>
+                                        <p:tav tm="100000">
+                                          <p:val>
+                                            <p:strVal val="#ppt_w"/>
+                                          </p:val>
+                                        </p:tav>
+                                      </p:tavLst>
+                                    </p:anim>
+                                    <p:anim calcmode="lin" valueType="num">
+                                      <p:cBhvr>
+                                        <p:cTn id="8" dur="500" fill="hold"/>
+                                        <p:tgtEl>
+                                          <p:spTgt spid="5"/>
+                                        </p:tgtEl>
+                                        <p:attrNameLst>
+                                          <p:attrName>ppt_h</p:attrName>
+                                        </p:attrNameLst>
+                                      </p:cBhvr>
+                                      <p:tavLst>
+                                        <p:tav tm="0">
+                                          <p:val>
+                                            <p:fltVal val="0"/>
+                                          </p:val>
+                                        </p:tav>
+                                        <p:tav tm="100000">
+                                          <p:val>
+                                            <p:strVal val="#ppt_h"/>
+                                          </p:val>
+                                        </p:tav>
+                                      </p:tavLst>
+                                    </p:anim>
+                                    <p:animEffect transition="in" filter="fade">
+                                      <p:cBhvr>
+                                        <p:cTn id="9" dur="500"/>
+                                        <p:tgtEl>
+                                          <p:spTgt spid="5"/>
+                                        </p:tgtEl>
+                                      </p:cBhvr>
+                                    </p:animEffect>
+                                  </p:childTnLst>
+                                </p:cTn>
+                              </p:par>
+                            </p:childTnLst>
+                          </p:cTn>
+                        </p:par>
+                      </p:childTnLst>
+                    </p:cTn>
+                  </p:par>
+                  <p:par>
+                    <p:cTn id="10" fill="hold">
+                      <p:stCondLst>
+                        <p:cond delay="indefinite"/>
+                      </p:stCondLst>
+                      <p:childTnLst>
+                        <p:par>
+                          <p:cTn id="11" fill="hold">
+                            <p:stCondLst>
+                              <p:cond delay="0"/>
+                            </p:stCondLst>
+                            <p:childTnLst>
+                              <p:par>
+                                <p:cTn id="12" presetID="42" presetClass="entr" presetSubtype="0" fill="hold" grpId="0" nodeType="clickEffect">
+                                  <p:stCondLst>
+                                    <p:cond delay="0"/>
+                                  </p:stCondLst>
+                                  <p:childTnLst>
+                                    <p:set>
+                                      <p:cBhvr>
+                                        <p:cTn id="13" dur="1" fill="hold">
+                                          <p:stCondLst>
+                                            <p:cond delay="0"/>
+                                          </p:stCondLst>
+                                        </p:cTn>
+                                        <p:tgtEl>
+                                          <p:spTgt spid="7"/>
+                                        </p:tgtEl>
+                                        <p:attrNameLst>
+                                          <p:attrName>style.visibility</p:attrName>
+                                        </p:attrNameLst>
+                                      </p:cBhvr>
+                                      <p:to>
+                                        <p:strVal val="visible"/>
+                                      </p:to>
+                                    </p:set>
+                                    <p:animEffect transition="in" filter="fade">
+                                      <p:cBhvr>
+                                        <p:cTn id="14" dur="1000"/>
+                                        <p:tgtEl>
+                                          <p:spTgt spid="7"/>
+                                        </p:tgtEl>
+                                      </p:cBhvr>
+                                    </p:animEffect>
+                                    <p:anim calcmode="lin" valueType="num">
+                                      <p:cBhvr>
+                                        <p:cTn id="15" dur="1000" fill="hold"/>
+                                        <p:tgtEl>
+                                          <p:spTgt spid="7"/>
+                                        </p:tgtEl>
+                                        <p:attrNameLst>
+                                          <p:attrName>ppt_x</p:attrName>
+                                        </p:attrNameLst>
+                                      </p:cBhvr>
+                                      <p:tavLst>
+                                        <p:tav tm="0">
+                                          <p:val>
+                                            <p:strVal val="#ppt_x"/>
+                                          </p:val>
+                                        </p:tav>
+                                        <p:tav tm="100000">
+                                          <p:val>
+                                            <p:strVal val="#ppt_x"/>
+                                          </p:val>
+                                        </p:tav>
+                                      </p:tavLst>
+                                    </p:anim>
+                                    <p:anim calcmode="lin" valueType="num">
+                                      <p:cBhvr>
+                                        <p:cTn id="16" dur="1000" fill="hold"/>
+                                        <p:tgtEl>
+                                          <p:spTgt spid="7"/>
+                                        </p:tgtEl>
+                                        <p:attrNameLst>
+                                          <p:attrName>ppt_y</p:attrName>
+                                        </p:attrNameLst>
+                                      </p:cBhvr>
+                                      <p:tavLst>
+                                        <p:tav tm="0">
+                                          <p:val>
+                                            <p:strVal val="#ppt_y+.1"/>
+                                          </p:val>
+                                        </p:tav>
+                                        <p:tav tm="100000">
+                                          <p:val>
+                                            <p:strVal val="#ppt_y"/>
+                                          </p:val>
+                                        </p:tav>
+                                      </p:tavLst>
+                                    </p:anim>
+                                  </p:childTnLst>
+                                </p:cTn>
+                              </p:par>
+                            </p:childTnLst>
+                          </p:cTn>
+                        </p:par>
+                      </p:childTnLst>
+                    </p:cTn>
+                  </p:par>
+                  <p:par>
+                    <p:cTn id="17" fill="hold">
+                      <p:stCondLst>
+                        <p:cond delay="indefinite"/>
+                      </p:stCondLst>
+                      <p:childTnLst>
+                        <p:par>
+                          <p:cTn id="18" fill="hold">
+                            <p:stCondLst>
+                              <p:cond delay="0"/>
+                            </p:stCondLst>
+                            <p:childTnLst>
+                              <p:par>
+                                <p:cTn id="19" presetID="1" presetClass="entr" presetSubtype="0" fill="hold" nodeType="clickEffect">
+                                  <p:stCondLst>
+                                    <p:cond delay="0"/>
+                                  </p:stCondLst>
+                                  <p:childTnLst>
+                                    <p:set>
+                                      <p:cBhvr>
+                                        <p:cTn id="20" dur="1" fill="hold">
+                                          <p:stCondLst>
+                                            <p:cond delay="0"/>
+                                          </p:stCondLst>
+                                        </p:cTn>
+                                        <p:tgtEl>
+                                          <p:spTgt spid="8"/>
+                                        </p:tgtEl>
+                                        <p:attrNameLst>
+                                          <p:attrName>style.visibility</p:attrName>
+                                        </p:attrNameLst>
+                                      </p:cBhvr>
+                                      <p:to>
+                                        <p:strVal val="visible"/>
+                                      </p:to>
+                                    </p:set>
+                                  </p:childTnLst>
+                                </p:cTn>
+                              </p:par>
+                            </p:childTnLst>
+                          </p:cTn>
+                        </p:par>
+                      </p:childTnLst>
+                    </p:cTn>
+                  </p:par>
+                </p:childTnLst>
+              </p:cTn>
+              <p:prevCondLst>
+                <p:cond evt="onPrev" delay="0">
+                  <p:tgtEl>
+                    <p:sldTgt/>
+                  </p:tgtEl>
+                </p:cond>
+              </p:prevCondLst>
+              <p:nextCondLst>
+                <p:cond evt="onNext" delay="0">
+                  <p:tgtEl>
+                    <p:sldTgt/>
+                  </p:tgtEl>
+                </p:cond>
+              </p:nextCondLst>
+            </p:seq>
+          </p:childTnLst>
+        </p:cTn>
+      </p:par>
+    </p:tnLst>
+    <p:bldLst>
+      <p:bldP spid="7" grpId="0" animBg="1"/>
+    </p:bldLst>
+  </p:timing>
 </p:sld>
 </file>
 
@@ -23434,8 +28147,8 @@
         </p:nvSpPr>
         <p:spPr bwMode="auto">
           <a:xfrm>
-            <a:off x="657652" y="1817745"/>
-            <a:ext cx="7378943" cy="1231106"/>
+            <a:off x="457200" y="1817745"/>
+            <a:ext cx="8229600" cy="1231106"/>
           </a:xfrm>
           <a:prstGeom prst="rect">
             <a:avLst/>
@@ -23470,7 +28183,7 @@
           </a:extLst>
         </p:spPr>
         <p:txBody>
-          <a:bodyPr vert="horz" wrap="none" lIns="91440" tIns="0" rIns="91440" bIns="0" numCol="1" anchor="ctr" anchorCtr="0" compatLnSpc="1">
+          <a:bodyPr vert="horz" wrap="square" lIns="91440" tIns="0" rIns="91440" bIns="0" numCol="1" anchor="ctr" anchorCtr="0" compatLnSpc="1">
             <a:prstTxWarp prst="textNoShape">
               <a:avLst/>
             </a:prstTxWarp>
@@ -23998,7 +28711,7 @@
           <p:nvPr>
             <p:extLst>
               <p:ext uri="{D42A27DB-BD31-4B8C-83A1-F6EECF244321}">
-                <p14:modId xmlns:p14="http://schemas.microsoft.com/office/powerpoint/2010/main" val="696803186"/>
+                <p14:modId xmlns:p14="http://schemas.microsoft.com/office/powerpoint/2010/main" val="2414379423"/>
               </p:ext>
             </p:extLst>
           </p:nvPr>
@@ -24012,11 +28725,41 @@
             <a:tbl>
               <a:tblPr/>
               <a:tblGrid>
-                <a:gridCol w="1645920"/>
-                <a:gridCol w="1645920"/>
-                <a:gridCol w="1645920"/>
-                <a:gridCol w="1645920"/>
-                <a:gridCol w="1645920"/>
+                <a:gridCol w="1645920">
+                  <a:extLst>
+                    <a:ext uri="{9D8B030D-6E8A-4147-A177-3AD203B41FA5}">
+                      <a16:colId xmlns:a16="http://schemas.microsoft.com/office/drawing/2014/main" val="20000"/>
+                    </a:ext>
+                  </a:extLst>
+                </a:gridCol>
+                <a:gridCol w="1645920">
+                  <a:extLst>
+                    <a:ext uri="{9D8B030D-6E8A-4147-A177-3AD203B41FA5}">
+                      <a16:colId xmlns:a16="http://schemas.microsoft.com/office/drawing/2014/main" val="20001"/>
+                    </a:ext>
+                  </a:extLst>
+                </a:gridCol>
+                <a:gridCol w="1645920">
+                  <a:extLst>
+                    <a:ext uri="{9D8B030D-6E8A-4147-A177-3AD203B41FA5}">
+                      <a16:colId xmlns:a16="http://schemas.microsoft.com/office/drawing/2014/main" val="20002"/>
+                    </a:ext>
+                  </a:extLst>
+                </a:gridCol>
+                <a:gridCol w="1645920">
+                  <a:extLst>
+                    <a:ext uri="{9D8B030D-6E8A-4147-A177-3AD203B41FA5}">
+                      <a16:colId xmlns:a16="http://schemas.microsoft.com/office/drawing/2014/main" val="20003"/>
+                    </a:ext>
+                  </a:extLst>
+                </a:gridCol>
+                <a:gridCol w="1645920">
+                  <a:extLst>
+                    <a:ext uri="{9D8B030D-6E8A-4147-A177-3AD203B41FA5}">
+                      <a16:colId xmlns:a16="http://schemas.microsoft.com/office/drawing/2014/main" val="20004"/>
+                    </a:ext>
+                  </a:extLst>
+                </a:gridCol>
               </a:tblGrid>
               <a:tr h="378117">
                 <a:tc>
@@ -24024,6 +28767,7 @@
                     <a:bodyPr/>
                     <a:lstStyle/>
                     <a:p>
+                      <a:pPr algn="ctr"/>
                       <a:r>
                         <a:rPr lang="en-US" sz="1800" b="1" dirty="0" smtClean="0">
                           <a:effectLst/>
@@ -24082,8 +28826,9 @@
                     <a:bodyPr/>
                     <a:lstStyle/>
                     <a:p>
+                      <a:pPr algn="ctr"/>
                       <a:r>
-                        <a:rPr lang="en-US" sz="1800" b="1">
+                        <a:rPr lang="en-US" sz="1800" b="1" dirty="0">
                           <a:effectLst/>
                         </a:rPr>
                         <a:t>title</a:t>
@@ -24137,8 +28882,9 @@
                     <a:bodyPr/>
                     <a:lstStyle/>
                     <a:p>
+                      <a:pPr algn="ctr"/>
                       <a:r>
-                        <a:rPr lang="en-US" sz="1800" b="1">
+                        <a:rPr lang="en-US" sz="1800" b="1" dirty="0">
                           <a:effectLst/>
                         </a:rPr>
                         <a:t>author</a:t>
@@ -24192,8 +28938,9 @@
                     <a:bodyPr/>
                     <a:lstStyle/>
                     <a:p>
+                      <a:pPr algn="ctr"/>
                       <a:r>
-                        <a:rPr lang="en-US" sz="1800" b="1">
+                        <a:rPr lang="en-US" sz="1800" b="1" dirty="0">
                           <a:effectLst/>
                         </a:rPr>
                         <a:t>year</a:t>
@@ -24247,8 +28994,9 @@
                     <a:bodyPr/>
                     <a:lstStyle/>
                     <a:p>
+                      <a:pPr algn="ctr"/>
                       <a:r>
-                        <a:rPr lang="en-US" sz="1800" b="1">
+                        <a:rPr lang="en-US" sz="1800" b="1" dirty="0">
                           <a:effectLst/>
                         </a:rPr>
                         <a:t>description</a:t>
@@ -24297,6 +29045,11 @@
                     </a:solidFill>
                   </a:tcPr>
                 </a:tc>
+                <a:extLst>
+                  <a:ext uri="{0D108BD9-81ED-4DB2-BD59-A6C34878D82A}">
+                    <a16:rowId xmlns:a16="http://schemas.microsoft.com/office/drawing/2014/main" val="10000"/>
+                  </a:ext>
+                </a:extLst>
               </a:tr>
               <a:tr h="645023">
                 <a:tc>
@@ -24304,8 +29057,9 @@
                     <a:bodyPr/>
                     <a:lstStyle/>
                     <a:p>
+                      <a:pPr algn="ctr"/>
                       <a:r>
-                        <a:rPr lang="ru-RU" sz="1800">
+                        <a:rPr lang="ru-RU" sz="1800" dirty="0">
                           <a:effectLst/>
                         </a:rPr>
                         <a:t>4</a:t>
@@ -24414,8 +29168,9 @@
                     <a:bodyPr/>
                     <a:lstStyle/>
                     <a:p>
+                      <a:pPr algn="ctr"/>
                       <a:r>
-                        <a:rPr lang="ru-RU" sz="1800">
+                        <a:rPr lang="ru-RU" sz="1800" dirty="0">
                           <a:effectLst/>
                         </a:rPr>
                         <a:t>3</a:t>
@@ -24469,8 +29224,9 @@
                     <a:bodyPr/>
                     <a:lstStyle/>
                     <a:p>
+                      <a:pPr algn="ctr"/>
                       <a:r>
-                        <a:rPr lang="ru-RU" sz="1800">
+                        <a:rPr lang="ru-RU" sz="1800" dirty="0">
                           <a:effectLst/>
                         </a:rPr>
                         <a:t>1928</a:t>
@@ -24574,6 +29330,11 @@
                     </a:solidFill>
                   </a:tcPr>
                 </a:tc>
+                <a:extLst>
+                  <a:ext uri="{0D108BD9-81ED-4DB2-BD59-A6C34878D82A}">
+                    <a16:rowId xmlns:a16="http://schemas.microsoft.com/office/drawing/2014/main" val="10001"/>
+                  </a:ext>
+                </a:extLst>
               </a:tr>
               <a:tr h="645023">
                 <a:tc>
@@ -24581,8 +29342,9 @@
                     <a:bodyPr/>
                     <a:lstStyle/>
                     <a:p>
+                      <a:pPr algn="ctr"/>
                       <a:r>
-                        <a:rPr lang="ru-RU" sz="1800">
+                        <a:rPr lang="ru-RU" sz="1800" dirty="0">
                           <a:effectLst/>
                         </a:rPr>
                         <a:t>5</a:t>
@@ -24691,8 +29453,9 @@
                     <a:bodyPr/>
                     <a:lstStyle/>
                     <a:p>
+                      <a:pPr algn="ctr"/>
                       <a:r>
-                        <a:rPr lang="ru-RU" sz="1800">
+                        <a:rPr lang="ru-RU" sz="1800" dirty="0">
                           <a:effectLst/>
                         </a:rPr>
                         <a:t>2</a:t>
@@ -24746,8 +29509,9 @@
                     <a:bodyPr/>
                     <a:lstStyle/>
                     <a:p>
+                      <a:pPr algn="ctr"/>
                       <a:r>
-                        <a:rPr lang="ru-RU" sz="1800">
+                        <a:rPr lang="ru-RU" sz="1800" dirty="0">
                           <a:effectLst/>
                         </a:rPr>
                         <a:t>1963</a:t>
@@ -24851,6 +29615,11 @@
                     </a:solidFill>
                   </a:tcPr>
                 </a:tc>
+                <a:extLst>
+                  <a:ext uri="{0D108BD9-81ED-4DB2-BD59-A6C34878D82A}">
+                    <a16:rowId xmlns:a16="http://schemas.microsoft.com/office/drawing/2014/main" val="10002"/>
+                  </a:ext>
+                </a:extLst>
               </a:tr>
               <a:tr h="645023">
                 <a:tc>
@@ -24858,8 +29627,9 @@
                     <a:bodyPr/>
                     <a:lstStyle/>
                     <a:p>
+                      <a:pPr algn="ctr"/>
                       <a:r>
-                        <a:rPr lang="ru-RU" sz="1800">
+                        <a:rPr lang="ru-RU" sz="1800" dirty="0">
                           <a:effectLst/>
                         </a:rPr>
                         <a:t>3</a:t>
@@ -24968,8 +29738,9 @@
                     <a:bodyPr/>
                     <a:lstStyle/>
                     <a:p>
+                      <a:pPr algn="ctr"/>
                       <a:r>
-                        <a:rPr lang="ru-RU" sz="1800">
+                        <a:rPr lang="ru-RU" sz="1800" dirty="0">
                           <a:effectLst/>
                         </a:rPr>
                         <a:t>2</a:t>
@@ -25023,8 +29794,9 @@
                     <a:bodyPr/>
                     <a:lstStyle/>
                     <a:p>
+                      <a:pPr algn="ctr"/>
                       <a:r>
-                        <a:rPr lang="ru-RU" sz="1800">
+                        <a:rPr lang="ru-RU" sz="1800" dirty="0">
                           <a:effectLst/>
                         </a:rPr>
                         <a:t>1972</a:t>
@@ -25128,6 +29900,11 @@
                     </a:solidFill>
                   </a:tcPr>
                 </a:tc>
+                <a:extLst>
+                  <a:ext uri="{0D108BD9-81ED-4DB2-BD59-A6C34878D82A}">
+                    <a16:rowId xmlns:a16="http://schemas.microsoft.com/office/drawing/2014/main" val="10003"/>
+                  </a:ext>
+                </a:extLst>
               </a:tr>
             </a:tbl>
           </a:graphicData>
@@ -25143,6 +29920,334 @@
   <p:clrMapOvr>
     <a:masterClrMapping/>
   </p:clrMapOvr>
+  <p:timing>
+    <p:tnLst>
+      <p:par>
+        <p:cTn id="1" dur="indefinite" restart="never" nodeType="tmRoot">
+          <p:childTnLst>
+            <p:seq concurrent="1" nextAc="seek">
+              <p:cTn id="2" dur="indefinite" nodeType="mainSeq">
+                <p:childTnLst>
+                  <p:par>
+                    <p:cTn id="3" fill="hold">
+                      <p:stCondLst>
+                        <p:cond delay="indefinite"/>
+                      </p:stCondLst>
+                      <p:childTnLst>
+                        <p:par>
+                          <p:cTn id="4" fill="hold">
+                            <p:stCondLst>
+                              <p:cond delay="0"/>
+                            </p:stCondLst>
+                            <p:childTnLst>
+                              <p:par>
+                                <p:cTn id="5" presetID="14" presetClass="entr" presetSubtype="10" fill="hold" grpId="0" nodeType="clickEffect">
+                                  <p:stCondLst>
+                                    <p:cond delay="0"/>
+                                  </p:stCondLst>
+                                  <p:childTnLst>
+                                    <p:set>
+                                      <p:cBhvr>
+                                        <p:cTn id="6" dur="1" fill="hold">
+                                          <p:stCondLst>
+                                            <p:cond delay="0"/>
+                                          </p:stCondLst>
+                                        </p:cTn>
+                                        <p:tgtEl>
+                                          <p:spTgt spid="2"/>
+                                        </p:tgtEl>
+                                        <p:attrNameLst>
+                                          <p:attrName>style.visibility</p:attrName>
+                                        </p:attrNameLst>
+                                      </p:cBhvr>
+                                      <p:to>
+                                        <p:strVal val="visible"/>
+                                      </p:to>
+                                    </p:set>
+                                    <p:animEffect transition="in" filter="randombar(horizontal)">
+                                      <p:cBhvr>
+                                        <p:cTn id="7" dur="500"/>
+                                        <p:tgtEl>
+                                          <p:spTgt spid="2"/>
+                                        </p:tgtEl>
+                                      </p:cBhvr>
+                                    </p:animEffect>
+                                  </p:childTnLst>
+                                </p:cTn>
+                              </p:par>
+                            </p:childTnLst>
+                          </p:cTn>
+                        </p:par>
+                      </p:childTnLst>
+                    </p:cTn>
+                  </p:par>
+                  <p:par>
+                    <p:cTn id="8" fill="hold">
+                      <p:stCondLst>
+                        <p:cond delay="indefinite"/>
+                      </p:stCondLst>
+                      <p:childTnLst>
+                        <p:par>
+                          <p:cTn id="9" fill="hold">
+                            <p:stCondLst>
+                              <p:cond delay="0"/>
+                            </p:stCondLst>
+                            <p:childTnLst>
+                              <p:par>
+                                <p:cTn id="10" presetID="2" presetClass="entr" presetSubtype="4" fill="hold" nodeType="clickEffect">
+                                  <p:stCondLst>
+                                    <p:cond delay="0"/>
+                                  </p:stCondLst>
+                                  <p:childTnLst>
+                                    <p:set>
+                                      <p:cBhvr>
+                                        <p:cTn id="11" dur="1" fill="hold">
+                                          <p:stCondLst>
+                                            <p:cond delay="0"/>
+                                          </p:stCondLst>
+                                        </p:cTn>
+                                        <p:tgtEl>
+                                          <p:spTgt spid="3"/>
+                                        </p:tgtEl>
+                                        <p:attrNameLst>
+                                          <p:attrName>style.visibility</p:attrName>
+                                        </p:attrNameLst>
+                                      </p:cBhvr>
+                                      <p:to>
+                                        <p:strVal val="visible"/>
+                                      </p:to>
+                                    </p:set>
+                                    <p:anim calcmode="lin" valueType="num">
+                                      <p:cBhvr additive="base">
+                                        <p:cTn id="12" dur="500" fill="hold"/>
+                                        <p:tgtEl>
+                                          <p:spTgt spid="3"/>
+                                        </p:tgtEl>
+                                        <p:attrNameLst>
+                                          <p:attrName>ppt_x</p:attrName>
+                                        </p:attrNameLst>
+                                      </p:cBhvr>
+                                      <p:tavLst>
+                                        <p:tav tm="0">
+                                          <p:val>
+                                            <p:strVal val="#ppt_x"/>
+                                          </p:val>
+                                        </p:tav>
+                                        <p:tav tm="100000">
+                                          <p:val>
+                                            <p:strVal val="#ppt_x"/>
+                                          </p:val>
+                                        </p:tav>
+                                      </p:tavLst>
+                                    </p:anim>
+                                    <p:anim calcmode="lin" valueType="num">
+                                      <p:cBhvr additive="base">
+                                        <p:cTn id="13" dur="500" fill="hold"/>
+                                        <p:tgtEl>
+                                          <p:spTgt spid="3"/>
+                                        </p:tgtEl>
+                                        <p:attrNameLst>
+                                          <p:attrName>ppt_y</p:attrName>
+                                        </p:attrNameLst>
+                                      </p:cBhvr>
+                                      <p:tavLst>
+                                        <p:tav tm="0">
+                                          <p:val>
+                                            <p:strVal val="1+#ppt_h/2"/>
+                                          </p:val>
+                                        </p:tav>
+                                        <p:tav tm="100000">
+                                          <p:val>
+                                            <p:strVal val="#ppt_y"/>
+                                          </p:val>
+                                        </p:tav>
+                                      </p:tavLst>
+                                    </p:anim>
+                                  </p:childTnLst>
+                                </p:cTn>
+                              </p:par>
+                            </p:childTnLst>
+                          </p:cTn>
+                        </p:par>
+                      </p:childTnLst>
+                    </p:cTn>
+                  </p:par>
+                </p:childTnLst>
+              </p:cTn>
+              <p:prevCondLst>
+                <p:cond evt="onPrev" delay="0">
+                  <p:tgtEl>
+                    <p:sldTgt/>
+                  </p:tgtEl>
+                </p:cond>
+              </p:prevCondLst>
+              <p:nextCondLst>
+                <p:cond evt="onNext" delay="0">
+                  <p:tgtEl>
+                    <p:sldTgt/>
+                  </p:tgtEl>
+                </p:cond>
+              </p:nextCondLst>
+            </p:seq>
+          </p:childTnLst>
+        </p:cTn>
+      </p:par>
+    </p:tnLst>
+    <p:bldLst>
+      <p:bldP spid="2" grpId="0" animBg="1"/>
+    </p:bldLst>
+  </p:timing>
+</p:sld>
+</file>
+
+<file path=ppt/slides/slide38.xml><?xml version="1.0" encoding="utf-8"?>
+<p:sld xmlns:a="http://schemas.openxmlformats.org/drawingml/2006/main" xmlns:r="http://schemas.openxmlformats.org/officeDocument/2006/relationships" xmlns:p="http://schemas.openxmlformats.org/presentationml/2006/main">
+  <p:cSld>
+    <p:spTree>
+      <p:nvGrpSpPr>
+        <p:cNvPr id="1" name=""/>
+        <p:cNvGrpSpPr/>
+        <p:nvPr/>
+      </p:nvGrpSpPr>
+      <p:grpSpPr>
+        <a:xfrm>
+          <a:off x="0" y="0"/>
+          <a:ext cx="0" cy="0"/>
+          <a:chOff x="0" y="0"/>
+          <a:chExt cx="0" cy="0"/>
+        </a:xfrm>
+      </p:grpSpPr>
+      <p:sp>
+        <p:nvSpPr>
+          <p:cNvPr id="2" name="Title 1"/>
+          <p:cNvSpPr>
+            <a:spLocks noGrp="1"/>
+          </p:cNvSpPr>
+          <p:nvPr>
+            <p:ph type="title"/>
+          </p:nvPr>
+        </p:nvSpPr>
+        <p:spPr/>
+        <p:txBody>
+          <a:bodyPr/>
+          <a:lstStyle/>
+          <a:p>
+            <a:r>
+              <a:rPr lang="ru-RU" dirty="0" smtClean="0"/>
+              <a:t>Дополнительные ссылки</a:t>
+            </a:r>
+            <a:endParaRPr lang="ru-RU" dirty="0"/>
+          </a:p>
+        </p:txBody>
+      </p:sp>
+      <p:sp>
+        <p:nvSpPr>
+          <p:cNvPr id="3" name="Content Placeholder 2"/>
+          <p:cNvSpPr>
+            <a:spLocks noGrp="1"/>
+          </p:cNvSpPr>
+          <p:nvPr>
+            <p:ph idx="1"/>
+          </p:nvPr>
+        </p:nvSpPr>
+        <p:spPr/>
+        <p:txBody>
+          <a:bodyPr>
+            <a:normAutofit lnSpcReduction="10000"/>
+          </a:bodyPr>
+          <a:lstStyle/>
+          <a:p>
+            <a:r>
+              <a:rPr lang="ru-RU" dirty="0" smtClean="0"/>
+              <a:t>Интерактивный учебник </a:t>
+            </a:r>
+            <a:r>
+              <a:rPr lang="en-US" dirty="0"/>
+              <a:t>SQL </a:t>
+            </a:r>
+            <a:r>
+              <a:rPr lang="en-US" dirty="0">
+                <a:hlinkClick r:id="rId2"/>
+              </a:rPr>
+              <a:t>https://</a:t>
+            </a:r>
+            <a:r>
+              <a:rPr lang="en-US" dirty="0" smtClean="0">
+                <a:hlinkClick r:id="rId2"/>
+              </a:rPr>
+              <a:t>sqlbolt.com</a:t>
+            </a:r>
+            <a:r>
+              <a:rPr lang="en-US" dirty="0" smtClean="0"/>
+              <a:t> </a:t>
+            </a:r>
+          </a:p>
+          <a:p>
+            <a:r>
+              <a:rPr lang="ru-RU" dirty="0" smtClean="0"/>
+              <a:t>Документация по пакету </a:t>
+            </a:r>
+            <a:r>
+              <a:rPr lang="en-US" dirty="0"/>
+              <a:t>sqlite3 </a:t>
+            </a:r>
+            <a:r>
+              <a:rPr lang="en-US" dirty="0">
+                <a:hlinkClick r:id="rId3"/>
+              </a:rPr>
+              <a:t>https://</a:t>
+            </a:r>
+            <a:r>
+              <a:rPr lang="en-US" dirty="0" smtClean="0">
+                <a:hlinkClick r:id="rId3"/>
+              </a:rPr>
+              <a:t>docs.python.org/3.5/library/sqlite3.html</a:t>
+            </a:r>
+            <a:r>
+              <a:rPr lang="en-US" dirty="0" smtClean="0"/>
+              <a:t> </a:t>
+            </a:r>
+          </a:p>
+          <a:p>
+            <a:r>
+              <a:rPr lang="ru-RU" dirty="0"/>
+              <a:t>Изучаем Python. №19. Работа с базой данных </a:t>
+            </a:r>
+            <a:r>
+              <a:rPr lang="ru-RU" dirty="0" smtClean="0"/>
+              <a:t>SQLIte </a:t>
+            </a:r>
+            <a:r>
+              <a:rPr lang="en-US" dirty="0" smtClean="0">
+                <a:hlinkClick r:id="rId4"/>
+              </a:rPr>
+              <a:t>http://slusar.su/izuchaem-python-n19-rabota-s-bazoy-dannykh-sqlite/</a:t>
+            </a:r>
+            <a:r>
+              <a:rPr lang="ru-RU" dirty="0" smtClean="0"/>
+              <a:t> </a:t>
+            </a:r>
+            <a:endParaRPr lang="ru-RU" dirty="0"/>
+          </a:p>
+        </p:txBody>
+      </p:sp>
+    </p:spTree>
+    <p:extLst>
+      <p:ext uri="{BB962C8B-B14F-4D97-AF65-F5344CB8AC3E}">
+        <p14:creationId xmlns:p14="http://schemas.microsoft.com/office/powerpoint/2010/main" val="146542866"/>
+      </p:ext>
+    </p:extLst>
+  </p:cSld>
+  <p:clrMapOvr>
+    <a:masterClrMapping/>
+  </p:clrMapOvr>
+  <p:timing>
+    <p:tnLst>
+      <p:par>
+        <p:cTn id="1" dur="indefinite" restart="never" nodeType="tmRoot"/>
+      </p:par>
+    </p:tnLst>
+  </p:timing>
 </p:sld>
 </file>
 
@@ -25379,6 +30484,41 @@
                                               <p:pRg st="0" end="0"/>
                                             </p:txEl>
                                           </p:spTgt>
+                                        </p:tgtEl>
+                                      </p:cBhvr>
+                                    </p:animEffect>
+                                  </p:childTnLst>
+                                </p:cTn>
+                              </p:par>
+                              <p:par>
+                                <p:cTn id="8" presetID="10" presetClass="entr" presetSubtype="0" fill="hold" nodeType="withEffect">
+                                  <p:stCondLst>
+                                    <p:cond delay="0"/>
+                                  </p:stCondLst>
+                                  <p:childTnLst>
+                                    <p:set>
+                                      <p:cBhvr>
+                                        <p:cTn id="9" dur="1" fill="hold">
+                                          <p:stCondLst>
+                                            <p:cond delay="0"/>
+                                          </p:stCondLst>
+                                        </p:cTn>
+                                        <p:tgtEl>
+                                          <p:spTgt spid="1026"/>
+                                        </p:tgtEl>
+                                        <p:attrNameLst>
+                                          <p:attrName>style.visibility</p:attrName>
+                                        </p:attrNameLst>
+                                      </p:cBhvr>
+                                      <p:to>
+                                        <p:strVal val="visible"/>
+                                      </p:to>
+                                    </p:set>
+                                    <p:animEffect transition="in" filter="fade">
+                                      <p:cBhvr>
+                                        <p:cTn id="10" dur="500"/>
+                                        <p:tgtEl>
+                                          <p:spTgt spid="1026"/>
                                         </p:tgtEl>
                                       </p:cBhvr>
                                     </p:animEffect>
@@ -26672,7 +31812,7 @@
                             </p:stCondLst>
                             <p:childTnLst>
                               <p:par>
-                                <p:cTn id="10" presetID="10" presetClass="entr" presetSubtype="0" fill="hold" nodeType="clickEffect">
+                                <p:cTn id="10" presetID="2" presetClass="entr" presetSubtype="4" fill="hold" nodeType="clickEffect">
                                   <p:stCondLst>
                                     <p:cond delay="0"/>
                                   </p:stCondLst>
@@ -26680,6 +31820,140 @@
                                     <p:set>
                                       <p:cBhvr>
                                         <p:cTn id="11" dur="1" fill="hold">
+                                          <p:stCondLst>
+                                            <p:cond delay="0"/>
+                                          </p:stCondLst>
+                                        </p:cTn>
+                                        <p:tgtEl>
+                                          <p:spTgt spid="2051"/>
+                                        </p:tgtEl>
+                                        <p:attrNameLst>
+                                          <p:attrName>style.visibility</p:attrName>
+                                        </p:attrNameLst>
+                                      </p:cBhvr>
+                                      <p:to>
+                                        <p:strVal val="visible"/>
+                                      </p:to>
+                                    </p:set>
+                                    <p:anim calcmode="lin" valueType="num">
+                                      <p:cBhvr additive="base">
+                                        <p:cTn id="12" dur="500" fill="hold"/>
+                                        <p:tgtEl>
+                                          <p:spTgt spid="2051"/>
+                                        </p:tgtEl>
+                                        <p:attrNameLst>
+                                          <p:attrName>ppt_x</p:attrName>
+                                        </p:attrNameLst>
+                                      </p:cBhvr>
+                                      <p:tavLst>
+                                        <p:tav tm="0">
+                                          <p:val>
+                                            <p:strVal val="#ppt_x"/>
+                                          </p:val>
+                                        </p:tav>
+                                        <p:tav tm="100000">
+                                          <p:val>
+                                            <p:strVal val="#ppt_x"/>
+                                          </p:val>
+                                        </p:tav>
+                                      </p:tavLst>
+                                    </p:anim>
+                                    <p:anim calcmode="lin" valueType="num">
+                                      <p:cBhvr additive="base">
+                                        <p:cTn id="13" dur="500" fill="hold"/>
+                                        <p:tgtEl>
+                                          <p:spTgt spid="2051"/>
+                                        </p:tgtEl>
+                                        <p:attrNameLst>
+                                          <p:attrName>ppt_y</p:attrName>
+                                        </p:attrNameLst>
+                                      </p:cBhvr>
+                                      <p:tavLst>
+                                        <p:tav tm="0">
+                                          <p:val>
+                                            <p:strVal val="1+#ppt_h/2"/>
+                                          </p:val>
+                                        </p:tav>
+                                        <p:tav tm="100000">
+                                          <p:val>
+                                            <p:strVal val="#ppt_y"/>
+                                          </p:val>
+                                        </p:tav>
+                                      </p:tavLst>
+                                    </p:anim>
+                                  </p:childTnLst>
+                                </p:cTn>
+                              </p:par>
+                            </p:childTnLst>
+                          </p:cTn>
+                        </p:par>
+                      </p:childTnLst>
+                    </p:cTn>
+                  </p:par>
+                  <p:par>
+                    <p:cTn id="14" fill="hold">
+                      <p:stCondLst>
+                        <p:cond delay="indefinite"/>
+                      </p:stCondLst>
+                      <p:childTnLst>
+                        <p:par>
+                          <p:cTn id="15" fill="hold">
+                            <p:stCondLst>
+                              <p:cond delay="0"/>
+                            </p:stCondLst>
+                            <p:childTnLst>
+                              <p:par>
+                                <p:cTn id="16" presetID="10" presetClass="entr" presetSubtype="0" fill="hold" nodeType="clickEffect">
+                                  <p:stCondLst>
+                                    <p:cond delay="0"/>
+                                  </p:stCondLst>
+                                  <p:childTnLst>
+                                    <p:set>
+                                      <p:cBhvr>
+                                        <p:cTn id="17" dur="1" fill="hold">
+                                          <p:stCondLst>
+                                            <p:cond delay="0"/>
+                                          </p:stCondLst>
+                                        </p:cTn>
+                                        <p:tgtEl>
+                                          <p:spTgt spid="3">
+                                            <p:txEl>
+                                              <p:pRg st="2" end="2"/>
+                                            </p:txEl>
+                                          </p:spTgt>
+                                        </p:tgtEl>
+                                        <p:attrNameLst>
+                                          <p:attrName>style.visibility</p:attrName>
+                                        </p:attrNameLst>
+                                      </p:cBhvr>
+                                      <p:to>
+                                        <p:strVal val="visible"/>
+                                      </p:to>
+                                    </p:set>
+                                    <p:animEffect transition="in" filter="fade">
+                                      <p:cBhvr>
+                                        <p:cTn id="18" dur="500"/>
+                                        <p:tgtEl>
+                                          <p:spTgt spid="3">
+                                            <p:txEl>
+                                              <p:pRg st="2" end="2"/>
+                                            </p:txEl>
+                                          </p:spTgt>
+                                        </p:tgtEl>
+                                      </p:cBhvr>
+                                    </p:animEffect>
+                                  </p:childTnLst>
+                                </p:cTn>
+                              </p:par>
+                              <p:par>
+                                <p:cTn id="19" presetID="10" presetClass="entr" presetSubtype="0" fill="hold" nodeType="withEffect">
+                                  <p:stCondLst>
+                                    <p:cond delay="0"/>
+                                  </p:stCondLst>
+                                  <p:childTnLst>
+                                    <p:set>
+                                      <p:cBhvr>
+                                        <p:cTn id="20" dur="1" fill="hold">
                                           <p:stCondLst>
                                             <p:cond delay="0"/>
                                           </p:stCondLst>
@@ -26701,7 +31975,7 @@
                                     </p:set>
                                     <p:animEffect transition="in" filter="fade">
                                       <p:cBhvr>
-                                        <p:cTn id="12" dur="500"/>
+                                        <p:cTn id="21" dur="500"/>
                                         <p:tgtEl>
                                           <p:spTgt spid="3">
                                             <p:txEl>
@@ -26714,33 +31988,15 @@
                                   </p:childTnLst>
                                 </p:cTn>
                               </p:par>
-                            </p:childTnLst>
-                          </p:cTn>
-                        </p:par>
-                      </p:childTnLst>
-                    </p:cTn>
-                  </p:par>
-                  <p:par>
-                    <p:cTn id="13" fill="hold">
-                      <p:stCondLst>
-                        <p:cond delay="indefinite"/>
-                      </p:stCondLst>
-                      <p:childTnLst>
-                        <p:par>
-                          <p:cTn id="14" fill="hold">
-                            <p:stCondLst>
-                              <p:cond delay="0"/>
-                            </p:stCondLst>
-                            <p:childTnLst>
                               <p:par>
-                                <p:cTn id="15" presetID="10" presetClass="entr" presetSubtype="0" fill="hold" nodeType="clickEffect">
+                                <p:cTn id="22" presetID="10" presetClass="entr" presetSubtype="0" fill="hold" nodeType="withEffect">
                                   <p:stCondLst>
                                     <p:cond delay="0"/>
                                   </p:stCondLst>
                                   <p:childTnLst>
                                     <p:set>
                                       <p:cBhvr>
-                                        <p:cTn id="16" dur="1" fill="hold">
+                                        <p:cTn id="23" dur="1" fill="hold">
                                           <p:stCondLst>
                                             <p:cond delay="0"/>
                                           </p:stCondLst>
@@ -26762,7 +32018,7 @@
                                     </p:set>
                                     <p:animEffect transition="in" filter="fade">
                                       <p:cBhvr>
-                                        <p:cTn id="17" dur="500"/>
+                                        <p:cTn id="24" dur="500"/>
                                         <p:tgtEl>
                                           <p:spTgt spid="3">
                                             <p:txEl>
@@ -26775,33 +32031,15 @@
                                   </p:childTnLst>
                                 </p:cTn>
                               </p:par>
-                            </p:childTnLst>
-                          </p:cTn>
-                        </p:par>
-                      </p:childTnLst>
-                    </p:cTn>
-                  </p:par>
-                  <p:par>
-                    <p:cTn id="18" fill="hold">
-                      <p:stCondLst>
-                        <p:cond delay="indefinite"/>
-                      </p:stCondLst>
-                      <p:childTnLst>
-                        <p:par>
-                          <p:cTn id="19" fill="hold">
-                            <p:stCondLst>
-                              <p:cond delay="0"/>
-                            </p:stCondLst>
-                            <p:childTnLst>
                               <p:par>
-                                <p:cTn id="20" presetID="10" presetClass="entr" presetSubtype="0" fill="hold" nodeType="clickEffect">
+                                <p:cTn id="25" presetID="10" presetClass="entr" presetSubtype="0" fill="hold" nodeType="withEffect">
                                   <p:stCondLst>
                                     <p:cond delay="0"/>
                                   </p:stCondLst>
                                   <p:childTnLst>
                                     <p:set>
                                       <p:cBhvr>
-                                        <p:cTn id="21" dur="1" fill="hold">
+                                        <p:cTn id="26" dur="1" fill="hold">
                                           <p:stCondLst>
                                             <p:cond delay="0"/>
                                           </p:stCondLst>
@@ -26823,7 +32061,7 @@
                                     </p:set>
                                     <p:animEffect transition="in" filter="fade">
                                       <p:cBhvr>
-                                        <p:cTn id="22" dur="500"/>
+                                        <p:cTn id="27" dur="500"/>
                                         <p:tgtEl>
                                           <p:spTgt spid="3">
                                             <p:txEl>
@@ -26836,94 +32074,15 @@
                                   </p:childTnLst>
                                 </p:cTn>
                               </p:par>
-                            </p:childTnLst>
-                          </p:cTn>
-                        </p:par>
-                      </p:childTnLst>
-                    </p:cTn>
-                  </p:par>
-                  <p:par>
-                    <p:cTn id="23" fill="hold">
-                      <p:stCondLst>
-                        <p:cond delay="indefinite"/>
-                      </p:stCondLst>
-                      <p:childTnLst>
-                        <p:par>
-                          <p:cTn id="24" fill="hold">
-                            <p:stCondLst>
-                              <p:cond delay="0"/>
-                            </p:stCondLst>
-                            <p:childTnLst>
                               <p:par>
-                                <p:cTn id="25" presetID="10" presetClass="entr" presetSubtype="0" fill="hold" nodeType="clickEffect">
+                                <p:cTn id="28" presetID="10" presetClass="entr" presetSubtype="0" fill="hold" nodeType="withEffect">
                                   <p:stCondLst>
                                     <p:cond delay="0"/>
                                   </p:stCondLst>
                                   <p:childTnLst>
                                     <p:set>
                                       <p:cBhvr>
-                                        <p:cTn id="26" dur="1" fill="hold">
-                                          <p:stCondLst>
-                                            <p:cond delay="0"/>
-                                          </p:stCondLst>
-                                        </p:cTn>
-                                        <p:tgtEl>
-                                          <p:spTgt spid="3">
-                                            <p:txEl>
-                                              <p:pRg st="2" end="2"/>
-                                            </p:txEl>
-                                          </p:spTgt>
-                                        </p:tgtEl>
-                                        <p:attrNameLst>
-                                          <p:attrName>style.visibility</p:attrName>
-                                        </p:attrNameLst>
-                                      </p:cBhvr>
-                                      <p:to>
-                                        <p:strVal val="visible"/>
-                                      </p:to>
-                                    </p:set>
-                                    <p:animEffect transition="in" filter="fade">
-                                      <p:cBhvr>
-                                        <p:cTn id="27" dur="500"/>
-                                        <p:tgtEl>
-                                          <p:spTgt spid="3">
-                                            <p:txEl>
-                                              <p:pRg st="2" end="2"/>
-                                            </p:txEl>
-                                          </p:spTgt>
-                                        </p:tgtEl>
-                                      </p:cBhvr>
-                                    </p:animEffect>
-                                  </p:childTnLst>
-                                </p:cTn>
-                              </p:par>
-                            </p:childTnLst>
-                          </p:cTn>
-                        </p:par>
-                      </p:childTnLst>
-                    </p:cTn>
-                  </p:par>
-                  <p:par>
-                    <p:cTn id="28" fill="hold">
-                      <p:stCondLst>
-                        <p:cond delay="indefinite"/>
-                      </p:stCondLst>
-                      <p:childTnLst>
-                        <p:par>
-                          <p:cTn id="29" fill="hold">
-                            <p:stCondLst>
-                              <p:cond delay="0"/>
-                            </p:stCondLst>
-                            <p:childTnLst>
-                              <p:par>
-                                <p:cTn id="30" presetID="10" presetClass="entr" presetSubtype="0" fill="hold" nodeType="clickEffect">
-                                  <p:stCondLst>
-                                    <p:cond delay="0"/>
-                                  </p:stCondLst>
-                                  <p:childTnLst>
-                                    <p:set>
-                                      <p:cBhvr>
-                                        <p:cTn id="31" dur="1" fill="hold">
+                                        <p:cTn id="29" dur="1" fill="hold">
                                           <p:stCondLst>
                                             <p:cond delay="0"/>
                                           </p:stCondLst>
@@ -26945,7 +32104,7 @@
                                     </p:set>
                                     <p:animEffect transition="in" filter="fade">
                                       <p:cBhvr>
-                                        <p:cTn id="32" dur="500"/>
+                                        <p:cTn id="30" dur="500"/>
                                         <p:tgtEl>
                                           <p:spTgt spid="3">
                                             <p:txEl>
@@ -26958,33 +32117,15 @@
                                   </p:childTnLst>
                                 </p:cTn>
                               </p:par>
-                            </p:childTnLst>
-                          </p:cTn>
-                        </p:par>
-                      </p:childTnLst>
-                    </p:cTn>
-                  </p:par>
-                  <p:par>
-                    <p:cTn id="33" fill="hold">
-                      <p:stCondLst>
-                        <p:cond delay="indefinite"/>
-                      </p:stCondLst>
-                      <p:childTnLst>
-                        <p:par>
-                          <p:cTn id="34" fill="hold">
-                            <p:stCondLst>
-                              <p:cond delay="0"/>
-                            </p:stCondLst>
-                            <p:childTnLst>
                               <p:par>
-                                <p:cTn id="35" presetID="10" presetClass="entr" presetSubtype="0" fill="hold" nodeType="clickEffect">
+                                <p:cTn id="31" presetID="10" presetClass="entr" presetSubtype="0" fill="hold" nodeType="withEffect">
                                   <p:stCondLst>
                                     <p:cond delay="0"/>
                                   </p:stCondLst>
                                   <p:childTnLst>
                                     <p:set>
                                       <p:cBhvr>
-                                        <p:cTn id="36" dur="1" fill="hold">
+                                        <p:cTn id="32" dur="1" fill="hold">
                                           <p:stCondLst>
                                             <p:cond delay="0"/>
                                           </p:stCondLst>
@@ -27006,7 +32147,7 @@
                                     </p:set>
                                     <p:animEffect transition="in" filter="fade">
                                       <p:cBhvr>
-                                        <p:cTn id="37" dur="500"/>
+                                        <p:cTn id="33" dur="500"/>
                                         <p:tgtEl>
                                           <p:spTgt spid="3">
                                             <p:txEl>
@@ -27019,33 +32160,15 @@
                                   </p:childTnLst>
                                 </p:cTn>
                               </p:par>
-                            </p:childTnLst>
-                          </p:cTn>
-                        </p:par>
-                      </p:childTnLst>
-                    </p:cTn>
-                  </p:par>
-                  <p:par>
-                    <p:cTn id="38" fill="hold">
-                      <p:stCondLst>
-                        <p:cond delay="indefinite"/>
-                      </p:stCondLst>
-                      <p:childTnLst>
-                        <p:par>
-                          <p:cTn id="39" fill="hold">
-                            <p:stCondLst>
-                              <p:cond delay="0"/>
-                            </p:stCondLst>
-                            <p:childTnLst>
                               <p:par>
-                                <p:cTn id="40" presetID="10" presetClass="entr" presetSubtype="0" fill="hold" nodeType="clickEffect">
+                                <p:cTn id="34" presetID="10" presetClass="entr" presetSubtype="0" fill="hold" nodeType="withEffect">
                                   <p:stCondLst>
                                     <p:cond delay="0"/>
                                   </p:stCondLst>
                                   <p:childTnLst>
                                     <p:set>
                                       <p:cBhvr>
-                                        <p:cTn id="41" dur="1" fill="hold">
+                                        <p:cTn id="35" dur="1" fill="hold">
                                           <p:stCondLst>
                                             <p:cond delay="0"/>
                                           </p:stCondLst>
@@ -27067,7 +32190,7 @@
                                     </p:set>
                                     <p:animEffect transition="in" filter="fade">
                                       <p:cBhvr>
-                                        <p:cTn id="42" dur="500"/>
+                                        <p:cTn id="36" dur="500"/>
                                         <p:tgtEl>
                                           <p:spTgt spid="3">
                                             <p:txEl>

--- a/week12/sql.pptx
+++ b/week12/sql.pptx
@@ -146,7 +146,7 @@
   </p:defaultTextStyle>
   <p:extLst>
     <p:ext uri="{EFAFB233-063F-42B5-8137-9DF3F51BA10A}">
-      <p15:sldGuideLst xmlns:p15="http://schemas.microsoft.com/office/powerpoint/2012/main">
+      <p15:sldGuideLst xmlns:p15="http://schemas.microsoft.com/office/powerpoint/2012/main" xmlns="">
         <p15:guide id="1" orient="horz" pos="2160">
           <p15:clr>
             <a:srgbClr val="A4A3A4"/>
@@ -245,7 +245,7 @@
           <a:p>
             <a:fld id="{BB853691-2568-724D-8AC3-0B4EBB217FA1}" type="datetimeFigureOut">
               <a:rPr lang="en-US" smtClean="0"/>
-              <a:t>11/4/2016</a:t>
+              <a:t>11/6/2016</a:t>
             </a:fld>
             <a:endParaRPr lang="en-US"/>
           </a:p>
@@ -696,7 +696,7 @@
           <a:p>
             <a:fld id="{1FACF698-560B-A546-A4FA-6B15CCA392CB}" type="datetimeFigureOut">
               <a:rPr lang="en-US" smtClean="0"/>
-              <a:t>11/4/2016</a:t>
+              <a:t>11/6/2016</a:t>
             </a:fld>
             <a:endParaRPr lang="en-US"/>
           </a:p>
@@ -861,7 +861,7 @@
           <a:p>
             <a:fld id="{1FACF698-560B-A546-A4FA-6B15CCA392CB}" type="datetimeFigureOut">
               <a:rPr lang="en-US" smtClean="0"/>
-              <a:t>11/4/2016</a:t>
+              <a:t>11/6/2016</a:t>
             </a:fld>
             <a:endParaRPr lang="en-US"/>
           </a:p>
@@ -1036,7 +1036,7 @@
           <a:p>
             <a:fld id="{1FACF698-560B-A546-A4FA-6B15CCA392CB}" type="datetimeFigureOut">
               <a:rPr lang="en-US" smtClean="0"/>
-              <a:t>11/4/2016</a:t>
+              <a:t>11/6/2016</a:t>
             </a:fld>
             <a:endParaRPr lang="en-US"/>
           </a:p>
@@ -1201,7 +1201,7 @@
           <a:p>
             <a:fld id="{1FACF698-560B-A546-A4FA-6B15CCA392CB}" type="datetimeFigureOut">
               <a:rPr lang="en-US" smtClean="0"/>
-              <a:t>11/4/2016</a:t>
+              <a:t>11/6/2016</a:t>
             </a:fld>
             <a:endParaRPr lang="en-US"/>
           </a:p>
@@ -1442,7 +1442,7 @@
           <a:p>
             <a:fld id="{1FACF698-560B-A546-A4FA-6B15CCA392CB}" type="datetimeFigureOut">
               <a:rPr lang="en-US" smtClean="0"/>
-              <a:t>11/4/2016</a:t>
+              <a:t>11/6/2016</a:t>
             </a:fld>
             <a:endParaRPr lang="en-US"/>
           </a:p>
@@ -1725,7 +1725,7 @@
           <a:p>
             <a:fld id="{1FACF698-560B-A546-A4FA-6B15CCA392CB}" type="datetimeFigureOut">
               <a:rPr lang="en-US" smtClean="0"/>
-              <a:t>11/4/2016</a:t>
+              <a:t>11/6/2016</a:t>
             </a:fld>
             <a:endParaRPr lang="en-US"/>
           </a:p>
@@ -2142,7 +2142,7 @@
           <a:p>
             <a:fld id="{1FACF698-560B-A546-A4FA-6B15CCA392CB}" type="datetimeFigureOut">
               <a:rPr lang="en-US" smtClean="0"/>
-              <a:t>11/4/2016</a:t>
+              <a:t>11/6/2016</a:t>
             </a:fld>
             <a:endParaRPr lang="en-US"/>
           </a:p>
@@ -2255,7 +2255,7 @@
           <a:p>
             <a:fld id="{1FACF698-560B-A546-A4FA-6B15CCA392CB}" type="datetimeFigureOut">
               <a:rPr lang="en-US" smtClean="0"/>
-              <a:t>11/4/2016</a:t>
+              <a:t>11/6/2016</a:t>
             </a:fld>
             <a:endParaRPr lang="en-US"/>
           </a:p>
@@ -2345,7 +2345,7 @@
           <a:p>
             <a:fld id="{1FACF698-560B-A546-A4FA-6B15CCA392CB}" type="datetimeFigureOut">
               <a:rPr lang="en-US" smtClean="0"/>
-              <a:t>11/4/2016</a:t>
+              <a:t>11/6/2016</a:t>
             </a:fld>
             <a:endParaRPr lang="en-US"/>
           </a:p>
@@ -2617,7 +2617,7 @@
           <a:p>
             <a:fld id="{1FACF698-560B-A546-A4FA-6B15CCA392CB}" type="datetimeFigureOut">
               <a:rPr lang="en-US" smtClean="0"/>
-              <a:t>11/4/2016</a:t>
+              <a:t>11/6/2016</a:t>
             </a:fld>
             <a:endParaRPr lang="en-US"/>
           </a:p>
@@ -2865,7 +2865,7 @@
           <a:p>
             <a:fld id="{1FACF698-560B-A546-A4FA-6B15CCA392CB}" type="datetimeFigureOut">
               <a:rPr lang="en-US" smtClean="0"/>
-              <a:t>11/4/2016</a:t>
+              <a:t>11/6/2016</a:t>
             </a:fld>
             <a:endParaRPr lang="en-US"/>
           </a:p>
@@ -3073,7 +3073,7 @@
           <a:p>
             <a:fld id="{1FACF698-560B-A546-A4FA-6B15CCA392CB}" type="datetimeFigureOut">
               <a:rPr lang="en-US" smtClean="0"/>
-              <a:t>11/4/2016</a:t>
+              <a:t>11/6/2016</a:t>
             </a:fld>
             <a:endParaRPr lang="en-US"/>
           </a:p>
@@ -3678,42 +3678,42 @@
                 <a:gridCol w="529114">
                   <a:extLst>
                     <a:ext uri="{9D8B030D-6E8A-4147-A177-3AD203B41FA5}">
-                      <a16:colId xmlns:a16="http://schemas.microsoft.com/office/drawing/2014/main" val="20000"/>
+                      <a16:colId xmlns:a16="http://schemas.microsoft.com/office/drawing/2014/main" xmlns="" val="20000"/>
                     </a:ext>
                   </a:extLst>
                 </a:gridCol>
                 <a:gridCol w="1020434">
                   <a:extLst>
                     <a:ext uri="{9D8B030D-6E8A-4147-A177-3AD203B41FA5}">
-                      <a16:colId xmlns:a16="http://schemas.microsoft.com/office/drawing/2014/main" val="20001"/>
+                      <a16:colId xmlns:a16="http://schemas.microsoft.com/office/drawing/2014/main" xmlns="" val="20001"/>
                     </a:ext>
                   </a:extLst>
                 </a:gridCol>
                 <a:gridCol w="1222001">
                   <a:extLst>
                     <a:ext uri="{9D8B030D-6E8A-4147-A177-3AD203B41FA5}">
-                      <a16:colId xmlns:a16="http://schemas.microsoft.com/office/drawing/2014/main" val="20002"/>
+                      <a16:colId xmlns:a16="http://schemas.microsoft.com/office/drawing/2014/main" xmlns="" val="20002"/>
                     </a:ext>
                   </a:extLst>
                 </a:gridCol>
                 <a:gridCol w="1776312">
                   <a:extLst>
                     <a:ext uri="{9D8B030D-6E8A-4147-A177-3AD203B41FA5}">
-                      <a16:colId xmlns:a16="http://schemas.microsoft.com/office/drawing/2014/main" val="20003"/>
+                      <a16:colId xmlns:a16="http://schemas.microsoft.com/office/drawing/2014/main" xmlns="" val="20003"/>
                     </a:ext>
                   </a:extLst>
                 </a:gridCol>
                 <a:gridCol w="1625137">
                   <a:extLst>
                     <a:ext uri="{9D8B030D-6E8A-4147-A177-3AD203B41FA5}">
-                      <a16:colId xmlns:a16="http://schemas.microsoft.com/office/drawing/2014/main" val="20004"/>
+                      <a16:colId xmlns:a16="http://schemas.microsoft.com/office/drawing/2014/main" xmlns="" val="20004"/>
                     </a:ext>
                   </a:extLst>
                 </a:gridCol>
                 <a:gridCol w="2217240">
                   <a:extLst>
                     <a:ext uri="{9D8B030D-6E8A-4147-A177-3AD203B41FA5}">
-                      <a16:colId xmlns:a16="http://schemas.microsoft.com/office/drawing/2014/main" val="20005"/>
+                      <a16:colId xmlns:a16="http://schemas.microsoft.com/office/drawing/2014/main" xmlns="" val="20005"/>
                     </a:ext>
                   </a:extLst>
                 </a:gridCol>
@@ -4060,7 +4060,7 @@
                 </a:tc>
                 <a:extLst>
                   <a:ext uri="{0D108BD9-81ED-4DB2-BD59-A6C34878D82A}">
-                    <a16:rowId xmlns:a16="http://schemas.microsoft.com/office/drawing/2014/main" val="10000"/>
+                    <a16:rowId xmlns:a16="http://schemas.microsoft.com/office/drawing/2014/main" xmlns="" val="10000"/>
                   </a:ext>
                 </a:extLst>
               </a:tr>
@@ -4397,7 +4397,7 @@
                 </a:tc>
                 <a:extLst>
                   <a:ext uri="{0D108BD9-81ED-4DB2-BD59-A6C34878D82A}">
-                    <a16:rowId xmlns:a16="http://schemas.microsoft.com/office/drawing/2014/main" val="10001"/>
+                    <a16:rowId xmlns:a16="http://schemas.microsoft.com/office/drawing/2014/main" xmlns="" val="10001"/>
                   </a:ext>
                 </a:extLst>
               </a:tr>
@@ -4734,7 +4734,7 @@
                 </a:tc>
                 <a:extLst>
                   <a:ext uri="{0D108BD9-81ED-4DB2-BD59-A6C34878D82A}">
-                    <a16:rowId xmlns:a16="http://schemas.microsoft.com/office/drawing/2014/main" val="10002"/>
+                    <a16:rowId xmlns:a16="http://schemas.microsoft.com/office/drawing/2014/main" xmlns="" val="10002"/>
                   </a:ext>
                 </a:extLst>
               </a:tr>
@@ -5071,7 +5071,7 @@
                 </a:tc>
                 <a:extLst>
                   <a:ext uri="{0D108BD9-81ED-4DB2-BD59-A6C34878D82A}">
-                    <a16:rowId xmlns:a16="http://schemas.microsoft.com/office/drawing/2014/main" val="10003"/>
+                    <a16:rowId xmlns:a16="http://schemas.microsoft.com/office/drawing/2014/main" xmlns="" val="10003"/>
                   </a:ext>
                 </a:extLst>
               </a:tr>
@@ -11949,7 +11949,6 @@
               <a:rPr lang="en-US" sz="2000" dirty="0" smtClean="0"/>
               <a:t>( </a:t>
             </a:r>
-            <a:endParaRPr lang="en-US" sz="2000" dirty="0" smtClean="0"/>
           </a:p>
           <a:p>
             <a:pPr marL="0" indent="0">
@@ -13710,15 +13709,7 @@
                   <a:srgbClr val="333333"/>
                 </a:solidFill>
               </a:rPr>
-              <a:t> </a:t>
-            </a:r>
-            <a:r>
-              <a:rPr lang="ru-RU" sz="2000" dirty="0">
-                <a:solidFill>
-                  <a:srgbClr val="333333"/>
-                </a:solidFill>
-              </a:rPr>
-              <a:t>– вставка новых данных</a:t>
+              <a:t> – вставка новых данных</a:t>
             </a:r>
           </a:p>
           <a:p>
@@ -18670,35 +18661,35 @@
                 <a:gridCol w="617837">
                   <a:extLst>
                     <a:ext uri="{9D8B030D-6E8A-4147-A177-3AD203B41FA5}">
-                      <a16:colId xmlns:a16="http://schemas.microsoft.com/office/drawing/2014/main" val="20000"/>
+                      <a16:colId xmlns:a16="http://schemas.microsoft.com/office/drawing/2014/main" xmlns="" val="20000"/>
                     </a:ext>
                   </a:extLst>
                 </a:gridCol>
                 <a:gridCol w="3744098">
                   <a:extLst>
                     <a:ext uri="{9D8B030D-6E8A-4147-A177-3AD203B41FA5}">
-                      <a16:colId xmlns:a16="http://schemas.microsoft.com/office/drawing/2014/main" val="20001"/>
+                      <a16:colId xmlns:a16="http://schemas.microsoft.com/office/drawing/2014/main" xmlns="" val="20001"/>
                     </a:ext>
                   </a:extLst>
                 </a:gridCol>
                 <a:gridCol w="1149178">
                   <a:extLst>
                     <a:ext uri="{9D8B030D-6E8A-4147-A177-3AD203B41FA5}">
-                      <a16:colId xmlns:a16="http://schemas.microsoft.com/office/drawing/2014/main" val="20002"/>
+                      <a16:colId xmlns:a16="http://schemas.microsoft.com/office/drawing/2014/main" xmlns="" val="20002"/>
                     </a:ext>
                   </a:extLst>
                 </a:gridCol>
                 <a:gridCol w="929679">
                   <a:extLst>
                     <a:ext uri="{9D8B030D-6E8A-4147-A177-3AD203B41FA5}">
-                      <a16:colId xmlns:a16="http://schemas.microsoft.com/office/drawing/2014/main" val="20003"/>
+                      <a16:colId xmlns:a16="http://schemas.microsoft.com/office/drawing/2014/main" xmlns="" val="20003"/>
                     </a:ext>
                   </a:extLst>
                 </a:gridCol>
                 <a:gridCol w="1610198">
                   <a:extLst>
                     <a:ext uri="{9D8B030D-6E8A-4147-A177-3AD203B41FA5}">
-                      <a16:colId xmlns:a16="http://schemas.microsoft.com/office/drawing/2014/main" val="20004"/>
+                      <a16:colId xmlns:a16="http://schemas.microsoft.com/office/drawing/2014/main" xmlns="" val="20004"/>
                     </a:ext>
                   </a:extLst>
                 </a:gridCol>
@@ -18981,7 +18972,7 @@
                 </a:tc>
                 <a:extLst>
                   <a:ext uri="{0D108BD9-81ED-4DB2-BD59-A6C34878D82A}">
-                    <a16:rowId xmlns:a16="http://schemas.microsoft.com/office/drawing/2014/main" val="10000"/>
+                    <a16:rowId xmlns:a16="http://schemas.microsoft.com/office/drawing/2014/main" xmlns="" val="10000"/>
                   </a:ext>
                 </a:extLst>
               </a:tr>
@@ -19263,7 +19254,7 @@
                 </a:tc>
                 <a:extLst>
                   <a:ext uri="{0D108BD9-81ED-4DB2-BD59-A6C34878D82A}">
-                    <a16:rowId xmlns:a16="http://schemas.microsoft.com/office/drawing/2014/main" val="10001"/>
+                    <a16:rowId xmlns:a16="http://schemas.microsoft.com/office/drawing/2014/main" xmlns="" val="10001"/>
                   </a:ext>
                 </a:extLst>
               </a:tr>
@@ -19545,7 +19536,7 @@
                 </a:tc>
                 <a:extLst>
                   <a:ext uri="{0D108BD9-81ED-4DB2-BD59-A6C34878D82A}">
-                    <a16:rowId xmlns:a16="http://schemas.microsoft.com/office/drawing/2014/main" val="10002"/>
+                    <a16:rowId xmlns:a16="http://schemas.microsoft.com/office/drawing/2014/main" xmlns="" val="10002"/>
                   </a:ext>
                 </a:extLst>
               </a:tr>
@@ -19827,7 +19818,7 @@
                 </a:tc>
                 <a:extLst>
                   <a:ext uri="{0D108BD9-81ED-4DB2-BD59-A6C34878D82A}">
-                    <a16:rowId xmlns:a16="http://schemas.microsoft.com/office/drawing/2014/main" val="10003"/>
+                    <a16:rowId xmlns:a16="http://schemas.microsoft.com/office/drawing/2014/main" xmlns="" val="10003"/>
                   </a:ext>
                 </a:extLst>
               </a:tr>
@@ -20109,7 +20100,7 @@
                 </a:tc>
                 <a:extLst>
                   <a:ext uri="{0D108BD9-81ED-4DB2-BD59-A6C34878D82A}">
-                    <a16:rowId xmlns:a16="http://schemas.microsoft.com/office/drawing/2014/main" val="10004"/>
+                    <a16:rowId xmlns:a16="http://schemas.microsoft.com/office/drawing/2014/main" xmlns="" val="10004"/>
                   </a:ext>
                 </a:extLst>
               </a:tr>
@@ -20391,7 +20382,7 @@
                 </a:tc>
                 <a:extLst>
                   <a:ext uri="{0D108BD9-81ED-4DB2-BD59-A6C34878D82A}">
-                    <a16:rowId xmlns:a16="http://schemas.microsoft.com/office/drawing/2014/main" val="10005"/>
+                    <a16:rowId xmlns:a16="http://schemas.microsoft.com/office/drawing/2014/main" xmlns="" val="10005"/>
                   </a:ext>
                 </a:extLst>
               </a:tr>
@@ -20673,7 +20664,7 @@
                 </a:tc>
                 <a:extLst>
                   <a:ext uri="{0D108BD9-81ED-4DB2-BD59-A6C34878D82A}">
-                    <a16:rowId xmlns:a16="http://schemas.microsoft.com/office/drawing/2014/main" val="10006"/>
+                    <a16:rowId xmlns:a16="http://schemas.microsoft.com/office/drawing/2014/main" xmlns="" val="10006"/>
                   </a:ext>
                 </a:extLst>
               </a:tr>
@@ -20955,7 +20946,7 @@
                 </a:tc>
                 <a:extLst>
                   <a:ext uri="{0D108BD9-81ED-4DB2-BD59-A6C34878D82A}">
-                    <a16:rowId xmlns:a16="http://schemas.microsoft.com/office/drawing/2014/main" val="10007"/>
+                    <a16:rowId xmlns:a16="http://schemas.microsoft.com/office/drawing/2014/main" xmlns="" val="10007"/>
                   </a:ext>
                 </a:extLst>
               </a:tr>
@@ -21353,14 +21344,14 @@
                 <a:gridCol w="3744098">
                   <a:extLst>
                     <a:ext uri="{9D8B030D-6E8A-4147-A177-3AD203B41FA5}">
-                      <a16:colId xmlns:a16="http://schemas.microsoft.com/office/drawing/2014/main" val="20000"/>
+                      <a16:colId xmlns:a16="http://schemas.microsoft.com/office/drawing/2014/main" xmlns="" val="20000"/>
                     </a:ext>
                   </a:extLst>
                 </a:gridCol>
                 <a:gridCol w="929679">
                   <a:extLst>
                     <a:ext uri="{9D8B030D-6E8A-4147-A177-3AD203B41FA5}">
-                      <a16:colId xmlns:a16="http://schemas.microsoft.com/office/drawing/2014/main" val="20001"/>
+                      <a16:colId xmlns:a16="http://schemas.microsoft.com/office/drawing/2014/main" xmlns="" val="20001"/>
                     </a:ext>
                   </a:extLst>
                 </a:gridCol>
@@ -21478,7 +21469,7 @@
                 </a:tc>
                 <a:extLst>
                   <a:ext uri="{0D108BD9-81ED-4DB2-BD59-A6C34878D82A}">
-                    <a16:rowId xmlns:a16="http://schemas.microsoft.com/office/drawing/2014/main" val="10000"/>
+                    <a16:rowId xmlns:a16="http://schemas.microsoft.com/office/drawing/2014/main" xmlns="" val="10000"/>
                   </a:ext>
                 </a:extLst>
               </a:tr>
@@ -21595,7 +21586,7 @@
                 </a:tc>
                 <a:extLst>
                   <a:ext uri="{0D108BD9-81ED-4DB2-BD59-A6C34878D82A}">
-                    <a16:rowId xmlns:a16="http://schemas.microsoft.com/office/drawing/2014/main" val="10001"/>
+                    <a16:rowId xmlns:a16="http://schemas.microsoft.com/office/drawing/2014/main" xmlns="" val="10001"/>
                   </a:ext>
                 </a:extLst>
               </a:tr>
@@ -21712,7 +21703,7 @@
                 </a:tc>
                 <a:extLst>
                   <a:ext uri="{0D108BD9-81ED-4DB2-BD59-A6C34878D82A}">
-                    <a16:rowId xmlns:a16="http://schemas.microsoft.com/office/drawing/2014/main" val="10002"/>
+                    <a16:rowId xmlns:a16="http://schemas.microsoft.com/office/drawing/2014/main" xmlns="" val="10002"/>
                   </a:ext>
                 </a:extLst>
               </a:tr>
@@ -21829,7 +21820,7 @@
                 </a:tc>
                 <a:extLst>
                   <a:ext uri="{0D108BD9-81ED-4DB2-BD59-A6C34878D82A}">
-                    <a16:rowId xmlns:a16="http://schemas.microsoft.com/office/drawing/2014/main" val="10003"/>
+                    <a16:rowId xmlns:a16="http://schemas.microsoft.com/office/drawing/2014/main" xmlns="" val="10003"/>
                   </a:ext>
                 </a:extLst>
               </a:tr>
@@ -21946,7 +21937,7 @@
                 </a:tc>
                 <a:extLst>
                   <a:ext uri="{0D108BD9-81ED-4DB2-BD59-A6C34878D82A}">
-                    <a16:rowId xmlns:a16="http://schemas.microsoft.com/office/drawing/2014/main" val="10004"/>
+                    <a16:rowId xmlns:a16="http://schemas.microsoft.com/office/drawing/2014/main" xmlns="" val="10004"/>
                   </a:ext>
                 </a:extLst>
               </a:tr>
@@ -22063,7 +22054,7 @@
                 </a:tc>
                 <a:extLst>
                   <a:ext uri="{0D108BD9-81ED-4DB2-BD59-A6C34878D82A}">
-                    <a16:rowId xmlns:a16="http://schemas.microsoft.com/office/drawing/2014/main" val="10005"/>
+                    <a16:rowId xmlns:a16="http://schemas.microsoft.com/office/drawing/2014/main" xmlns="" val="10005"/>
                   </a:ext>
                 </a:extLst>
               </a:tr>
@@ -22180,7 +22171,7 @@
                 </a:tc>
                 <a:extLst>
                   <a:ext uri="{0D108BD9-81ED-4DB2-BD59-A6C34878D82A}">
-                    <a16:rowId xmlns:a16="http://schemas.microsoft.com/office/drawing/2014/main" val="10006"/>
+                    <a16:rowId xmlns:a16="http://schemas.microsoft.com/office/drawing/2014/main" xmlns="" val="10006"/>
                   </a:ext>
                 </a:extLst>
               </a:tr>
@@ -22297,7 +22288,7 @@
                 </a:tc>
                 <a:extLst>
                   <a:ext uri="{0D108BD9-81ED-4DB2-BD59-A6C34878D82A}">
-                    <a16:rowId xmlns:a16="http://schemas.microsoft.com/office/drawing/2014/main" val="10007"/>
+                    <a16:rowId xmlns:a16="http://schemas.microsoft.com/office/drawing/2014/main" xmlns="" val="10007"/>
                   </a:ext>
                 </a:extLst>
               </a:tr>
@@ -22557,14 +22548,14 @@
                 <a:gridCol w="4114800">
                   <a:extLst>
                     <a:ext uri="{9D8B030D-6E8A-4147-A177-3AD203B41FA5}">
-                      <a16:colId xmlns:a16="http://schemas.microsoft.com/office/drawing/2014/main" val="20000"/>
+                      <a16:colId xmlns:a16="http://schemas.microsoft.com/office/drawing/2014/main" xmlns="" val="20000"/>
                     </a:ext>
                   </a:extLst>
                 </a:gridCol>
                 <a:gridCol w="4114800">
                   <a:extLst>
                     <a:ext uri="{9D8B030D-6E8A-4147-A177-3AD203B41FA5}">
-                      <a16:colId xmlns:a16="http://schemas.microsoft.com/office/drawing/2014/main" val="20001"/>
+                      <a16:colId xmlns:a16="http://schemas.microsoft.com/office/drawing/2014/main" xmlns="" val="20001"/>
                     </a:ext>
                   </a:extLst>
                 </a:gridCol>
@@ -22684,7 +22675,7 @@
                 </a:tc>
                 <a:extLst>
                   <a:ext uri="{0D108BD9-81ED-4DB2-BD59-A6C34878D82A}">
-                    <a16:rowId xmlns:a16="http://schemas.microsoft.com/office/drawing/2014/main" val="10000"/>
+                    <a16:rowId xmlns:a16="http://schemas.microsoft.com/office/drawing/2014/main" xmlns="" val="10000"/>
                   </a:ext>
                 </a:extLst>
               </a:tr>
@@ -22801,7 +22792,7 @@
                 </a:tc>
                 <a:extLst>
                   <a:ext uri="{0D108BD9-81ED-4DB2-BD59-A6C34878D82A}">
-                    <a16:rowId xmlns:a16="http://schemas.microsoft.com/office/drawing/2014/main" val="10001"/>
+                    <a16:rowId xmlns:a16="http://schemas.microsoft.com/office/drawing/2014/main" xmlns="" val="10001"/>
                   </a:ext>
                 </a:extLst>
               </a:tr>
@@ -22918,7 +22909,7 @@
                 </a:tc>
                 <a:extLst>
                   <a:ext uri="{0D108BD9-81ED-4DB2-BD59-A6C34878D82A}">
-                    <a16:rowId xmlns:a16="http://schemas.microsoft.com/office/drawing/2014/main" val="10002"/>
+                    <a16:rowId xmlns:a16="http://schemas.microsoft.com/office/drawing/2014/main" xmlns="" val="10002"/>
                   </a:ext>
                 </a:extLst>
               </a:tr>
@@ -23035,7 +23026,7 @@
                 </a:tc>
                 <a:extLst>
                   <a:ext uri="{0D108BD9-81ED-4DB2-BD59-A6C34878D82A}">
-                    <a16:rowId xmlns:a16="http://schemas.microsoft.com/office/drawing/2014/main" val="10003"/>
+                    <a16:rowId xmlns:a16="http://schemas.microsoft.com/office/drawing/2014/main" xmlns="" val="10003"/>
                   </a:ext>
                 </a:extLst>
               </a:tr>
@@ -23152,7 +23143,7 @@
                 </a:tc>
                 <a:extLst>
                   <a:ext uri="{0D108BD9-81ED-4DB2-BD59-A6C34878D82A}">
-                    <a16:rowId xmlns:a16="http://schemas.microsoft.com/office/drawing/2014/main" val="10004"/>
+                    <a16:rowId xmlns:a16="http://schemas.microsoft.com/office/drawing/2014/main" xmlns="" val="10004"/>
                   </a:ext>
                 </a:extLst>
               </a:tr>
@@ -23269,7 +23260,7 @@
                 </a:tc>
                 <a:extLst>
                   <a:ext uri="{0D108BD9-81ED-4DB2-BD59-A6C34878D82A}">
-                    <a16:rowId xmlns:a16="http://schemas.microsoft.com/office/drawing/2014/main" val="10005"/>
+                    <a16:rowId xmlns:a16="http://schemas.microsoft.com/office/drawing/2014/main" xmlns="" val="10005"/>
                   </a:ext>
                 </a:extLst>
               </a:tr>
@@ -23386,7 +23377,7 @@
                 </a:tc>
                 <a:extLst>
                   <a:ext uri="{0D108BD9-81ED-4DB2-BD59-A6C34878D82A}">
-                    <a16:rowId xmlns:a16="http://schemas.microsoft.com/office/drawing/2014/main" val="10006"/>
+                    <a16:rowId xmlns:a16="http://schemas.microsoft.com/office/drawing/2014/main" xmlns="" val="10006"/>
                   </a:ext>
                 </a:extLst>
               </a:tr>
@@ -23503,7 +23494,7 @@
                 </a:tc>
                 <a:extLst>
                   <a:ext uri="{0D108BD9-81ED-4DB2-BD59-A6C34878D82A}">
-                    <a16:rowId xmlns:a16="http://schemas.microsoft.com/office/drawing/2014/main" val="10007"/>
+                    <a16:rowId xmlns:a16="http://schemas.microsoft.com/office/drawing/2014/main" xmlns="" val="10007"/>
                   </a:ext>
                 </a:extLst>
               </a:tr>
@@ -23620,7 +23611,7 @@
                 </a:tc>
                 <a:extLst>
                   <a:ext uri="{0D108BD9-81ED-4DB2-BD59-A6C34878D82A}">
-                    <a16:rowId xmlns:a16="http://schemas.microsoft.com/office/drawing/2014/main" val="10008"/>
+                    <a16:rowId xmlns:a16="http://schemas.microsoft.com/office/drawing/2014/main" xmlns="" val="10008"/>
                   </a:ext>
                 </a:extLst>
               </a:tr>
@@ -23737,7 +23728,7 @@
                 </a:tc>
                 <a:extLst>
                   <a:ext uri="{0D108BD9-81ED-4DB2-BD59-A6C34878D82A}">
-                    <a16:rowId xmlns:a16="http://schemas.microsoft.com/office/drawing/2014/main" val="10009"/>
+                    <a16:rowId xmlns:a16="http://schemas.microsoft.com/office/drawing/2014/main" xmlns="" val="10009"/>
                   </a:ext>
                 </a:extLst>
               </a:tr>
@@ -23854,7 +23845,7 @@
                 </a:tc>
                 <a:extLst>
                   <a:ext uri="{0D108BD9-81ED-4DB2-BD59-A6C34878D82A}">
-                    <a16:rowId xmlns:a16="http://schemas.microsoft.com/office/drawing/2014/main" val="10010"/>
+                    <a16:rowId xmlns:a16="http://schemas.microsoft.com/office/drawing/2014/main" xmlns="" val="10010"/>
                   </a:ext>
                 </a:extLst>
               </a:tr>
@@ -24367,7 +24358,7 @@
                 <a:latin typeface="Consolas" pitchFamily="49" charset="0"/>
                 <a:cs typeface="Consolas" pitchFamily="49" charset="0"/>
               </a:rPr>
-              <a:t>WHERE</a:t>
+              <a:t>WHERE </a:t>
             </a:r>
             <a:r>
               <a:rPr kumimoji="0" lang="en-US" b="0" i="0" u="none" strike="noStrike" cap="none" normalizeH="0" baseline="0" dirty="0" smtClean="0">
@@ -24381,7 +24372,21 @@
                 <a:latin typeface="Consolas" pitchFamily="49" charset="0"/>
                 <a:cs typeface="Consolas" pitchFamily="49" charset="0"/>
               </a:rPr>
-              <a:t> between</a:t>
+              <a:t>year </a:t>
+            </a:r>
+            <a:r>
+              <a:rPr kumimoji="0" lang="en-US" b="0" i="0" u="none" strike="noStrike" cap="none" normalizeH="0" baseline="0" dirty="0" smtClean="0">
+                <a:ln>
+                  <a:noFill/>
+                </a:ln>
+                <a:solidFill>
+                  <a:srgbClr val="A71D5D"/>
+                </a:solidFill>
+                <a:effectLst/>
+                <a:latin typeface="Consolas" pitchFamily="49" charset="0"/>
+                <a:cs typeface="Consolas" pitchFamily="49" charset="0"/>
+              </a:rPr>
+              <a:t>between</a:t>
             </a:r>
             <a:r>
               <a:rPr kumimoji="0" lang="ru-RU" b="0" i="0" u="none" strike="noStrike" cap="none" normalizeH="0" baseline="0" dirty="0" smtClean="0">
@@ -24535,14 +24540,14 @@
                 <a:gridCol w="4114800">
                   <a:extLst>
                     <a:ext uri="{9D8B030D-6E8A-4147-A177-3AD203B41FA5}">
-                      <a16:colId xmlns:a16="http://schemas.microsoft.com/office/drawing/2014/main" val="20000"/>
+                      <a16:colId xmlns:a16="http://schemas.microsoft.com/office/drawing/2014/main" xmlns="" val="20000"/>
                     </a:ext>
                   </a:extLst>
                 </a:gridCol>
                 <a:gridCol w="4114800">
                   <a:extLst>
                     <a:ext uri="{9D8B030D-6E8A-4147-A177-3AD203B41FA5}">
-                      <a16:colId xmlns:a16="http://schemas.microsoft.com/office/drawing/2014/main" val="20001"/>
+                      <a16:colId xmlns:a16="http://schemas.microsoft.com/office/drawing/2014/main" xmlns="" val="20001"/>
                     </a:ext>
                   </a:extLst>
                 </a:gridCol>
@@ -24660,7 +24665,7 @@
                 </a:tc>
                 <a:extLst>
                   <a:ext uri="{0D108BD9-81ED-4DB2-BD59-A6C34878D82A}">
-                    <a16:rowId xmlns:a16="http://schemas.microsoft.com/office/drawing/2014/main" val="10000"/>
+                    <a16:rowId xmlns:a16="http://schemas.microsoft.com/office/drawing/2014/main" xmlns="" val="10000"/>
                   </a:ext>
                 </a:extLst>
               </a:tr>
@@ -24777,7 +24782,7 @@
                 </a:tc>
                 <a:extLst>
                   <a:ext uri="{0D108BD9-81ED-4DB2-BD59-A6C34878D82A}">
-                    <a16:rowId xmlns:a16="http://schemas.microsoft.com/office/drawing/2014/main" val="10001"/>
+                    <a16:rowId xmlns:a16="http://schemas.microsoft.com/office/drawing/2014/main" xmlns="" val="10001"/>
                   </a:ext>
                 </a:extLst>
               </a:tr>
@@ -24894,7 +24899,7 @@
                 </a:tc>
                 <a:extLst>
                   <a:ext uri="{0D108BD9-81ED-4DB2-BD59-A6C34878D82A}">
-                    <a16:rowId xmlns:a16="http://schemas.microsoft.com/office/drawing/2014/main" val="10002"/>
+                    <a16:rowId xmlns:a16="http://schemas.microsoft.com/office/drawing/2014/main" xmlns="" val="10002"/>
                   </a:ext>
                 </a:extLst>
               </a:tr>
@@ -25011,7 +25016,7 @@
                 </a:tc>
                 <a:extLst>
                   <a:ext uri="{0D108BD9-81ED-4DB2-BD59-A6C34878D82A}">
-                    <a16:rowId xmlns:a16="http://schemas.microsoft.com/office/drawing/2014/main" val="10003"/>
+                    <a16:rowId xmlns:a16="http://schemas.microsoft.com/office/drawing/2014/main" xmlns="" val="10003"/>
                   </a:ext>
                 </a:extLst>
               </a:tr>
@@ -25128,7 +25133,7 @@
                 </a:tc>
                 <a:extLst>
                   <a:ext uri="{0D108BD9-81ED-4DB2-BD59-A6C34878D82A}">
-                    <a16:rowId xmlns:a16="http://schemas.microsoft.com/office/drawing/2014/main" val="10004"/>
+                    <a16:rowId xmlns:a16="http://schemas.microsoft.com/office/drawing/2014/main" xmlns="" val="10004"/>
                   </a:ext>
                 </a:extLst>
               </a:tr>
@@ -25147,7 +25152,7 @@
         <p:spPr bwMode="auto">
           <a:xfrm>
             <a:off x="481914" y="5294872"/>
-            <a:ext cx="8347157" cy="553998"/>
+            <a:ext cx="8600431" cy="553998"/>
           </a:xfrm>
           <a:prstGeom prst="rect">
             <a:avLst/>
@@ -25446,6 +25451,20 @@
               <a:t>&gt;</a:t>
             </a:r>
             <a:r>
+              <a:rPr kumimoji="0" lang="en-US" b="0" i="0" u="none" strike="noStrike" cap="none" normalizeH="0" baseline="0" dirty="0" smtClean="0">
+                <a:ln>
+                  <a:noFill/>
+                </a:ln>
+                <a:solidFill>
+                  <a:srgbClr val="A71D5D"/>
+                </a:solidFill>
+                <a:effectLst/>
+                <a:latin typeface="Consolas" pitchFamily="49" charset="0"/>
+                <a:cs typeface="Consolas" pitchFamily="49" charset="0"/>
+              </a:rPr>
+              <a:t>=</a:t>
+            </a:r>
+            <a:r>
               <a:rPr kumimoji="0" lang="ru-RU" b="0" i="0" u="none" strike="noStrike" cap="none" normalizeH="0" baseline="0" dirty="0" smtClean="0">
                 <a:ln>
                   <a:noFill/>
@@ -25556,6 +25575,20 @@
                 <a:cs typeface="Consolas" pitchFamily="49" charset="0"/>
               </a:rPr>
               <a:t>&lt;</a:t>
+            </a:r>
+            <a:r>
+              <a:rPr kumimoji="0" lang="en-US" b="0" i="0" u="none" strike="noStrike" cap="none" normalizeH="0" baseline="0" dirty="0" smtClean="0">
+                <a:ln>
+                  <a:noFill/>
+                </a:ln>
+                <a:solidFill>
+                  <a:srgbClr val="A71D5D"/>
+                </a:solidFill>
+                <a:effectLst/>
+                <a:latin typeface="Consolas" pitchFamily="49" charset="0"/>
+                <a:cs typeface="Consolas" pitchFamily="49" charset="0"/>
+              </a:rPr>
+              <a:t>=</a:t>
             </a:r>
             <a:r>
               <a:rPr kumimoji="0" lang="ru-RU" b="0" i="0" u="none" strike="noStrike" cap="none" normalizeH="0" baseline="0" dirty="0" smtClean="0">
@@ -25933,14 +25966,14 @@
                 <a:gridCol w="4114800">
                   <a:extLst>
                     <a:ext uri="{9D8B030D-6E8A-4147-A177-3AD203B41FA5}">
-                      <a16:colId xmlns:a16="http://schemas.microsoft.com/office/drawing/2014/main" val="20000"/>
+                      <a16:colId xmlns:a16="http://schemas.microsoft.com/office/drawing/2014/main" xmlns="" val="20000"/>
                     </a:ext>
                   </a:extLst>
                 </a:gridCol>
                 <a:gridCol w="4114800">
                   <a:extLst>
                     <a:ext uri="{9D8B030D-6E8A-4147-A177-3AD203B41FA5}">
-                      <a16:colId xmlns:a16="http://schemas.microsoft.com/office/drawing/2014/main" val="20001"/>
+                      <a16:colId xmlns:a16="http://schemas.microsoft.com/office/drawing/2014/main" xmlns="" val="20001"/>
                     </a:ext>
                   </a:extLst>
                 </a:gridCol>
@@ -26058,7 +26091,7 @@
                 </a:tc>
                 <a:extLst>
                   <a:ext uri="{0D108BD9-81ED-4DB2-BD59-A6C34878D82A}">
-                    <a16:rowId xmlns:a16="http://schemas.microsoft.com/office/drawing/2014/main" val="10000"/>
+                    <a16:rowId xmlns:a16="http://schemas.microsoft.com/office/drawing/2014/main" xmlns="" val="10000"/>
                   </a:ext>
                 </a:extLst>
               </a:tr>
@@ -26175,7 +26208,7 @@
                 </a:tc>
                 <a:extLst>
                   <a:ext uri="{0D108BD9-81ED-4DB2-BD59-A6C34878D82A}">
-                    <a16:rowId xmlns:a16="http://schemas.microsoft.com/office/drawing/2014/main" val="10001"/>
+                    <a16:rowId xmlns:a16="http://schemas.microsoft.com/office/drawing/2014/main" xmlns="" val="10001"/>
                   </a:ext>
                 </a:extLst>
               </a:tr>
@@ -26292,7 +26325,7 @@
                 </a:tc>
                 <a:extLst>
                   <a:ext uri="{0D108BD9-81ED-4DB2-BD59-A6C34878D82A}">
-                    <a16:rowId xmlns:a16="http://schemas.microsoft.com/office/drawing/2014/main" val="10002"/>
+                    <a16:rowId xmlns:a16="http://schemas.microsoft.com/office/drawing/2014/main" xmlns="" val="10002"/>
                   </a:ext>
                 </a:extLst>
               </a:tr>
@@ -26409,7 +26442,7 @@
                 </a:tc>
                 <a:extLst>
                   <a:ext uri="{0D108BD9-81ED-4DB2-BD59-A6C34878D82A}">
-                    <a16:rowId xmlns:a16="http://schemas.microsoft.com/office/drawing/2014/main" val="10003"/>
+                    <a16:rowId xmlns:a16="http://schemas.microsoft.com/office/drawing/2014/main" xmlns="" val="10003"/>
                   </a:ext>
                 </a:extLst>
               </a:tr>
@@ -26538,7 +26571,7 @@
                 </a:tc>
                 <a:extLst>
                   <a:ext uri="{0D108BD9-81ED-4DB2-BD59-A6C34878D82A}">
-                    <a16:rowId xmlns:a16="http://schemas.microsoft.com/office/drawing/2014/main" val="10004"/>
+                    <a16:rowId xmlns:a16="http://schemas.microsoft.com/office/drawing/2014/main" xmlns="" val="10004"/>
                   </a:ext>
                 </a:extLst>
               </a:tr>
@@ -26894,35 +26927,35 @@
                 <a:gridCol w="617837">
                   <a:extLst>
                     <a:ext uri="{9D8B030D-6E8A-4147-A177-3AD203B41FA5}">
-                      <a16:colId xmlns:a16="http://schemas.microsoft.com/office/drawing/2014/main" val="20000"/>
+                      <a16:colId xmlns:a16="http://schemas.microsoft.com/office/drawing/2014/main" xmlns="" val="20000"/>
                     </a:ext>
                   </a:extLst>
                 </a:gridCol>
                 <a:gridCol w="2674003">
                   <a:extLst>
                     <a:ext uri="{9D8B030D-6E8A-4147-A177-3AD203B41FA5}">
-                      <a16:colId xmlns:a16="http://schemas.microsoft.com/office/drawing/2014/main" val="20001"/>
+                      <a16:colId xmlns:a16="http://schemas.microsoft.com/office/drawing/2014/main" xmlns="" val="20001"/>
                     </a:ext>
                   </a:extLst>
                 </a:gridCol>
                 <a:gridCol w="1645920">
                   <a:extLst>
                     <a:ext uri="{9D8B030D-6E8A-4147-A177-3AD203B41FA5}">
-                      <a16:colId xmlns:a16="http://schemas.microsoft.com/office/drawing/2014/main" val="20002"/>
+                      <a16:colId xmlns:a16="http://schemas.microsoft.com/office/drawing/2014/main" xmlns="" val="20002"/>
                     </a:ext>
                   </a:extLst>
                 </a:gridCol>
                 <a:gridCol w="1645920">
                   <a:extLst>
                     <a:ext uri="{9D8B030D-6E8A-4147-A177-3AD203B41FA5}">
-                      <a16:colId xmlns:a16="http://schemas.microsoft.com/office/drawing/2014/main" val="20003"/>
+                      <a16:colId xmlns:a16="http://schemas.microsoft.com/office/drawing/2014/main" xmlns="" val="20003"/>
                     </a:ext>
                   </a:extLst>
                 </a:gridCol>
                 <a:gridCol w="1645920">
                   <a:extLst>
                     <a:ext uri="{9D8B030D-6E8A-4147-A177-3AD203B41FA5}">
-                      <a16:colId xmlns:a16="http://schemas.microsoft.com/office/drawing/2014/main" val="20004"/>
+                      <a16:colId xmlns:a16="http://schemas.microsoft.com/office/drawing/2014/main" xmlns="" val="20004"/>
                     </a:ext>
                   </a:extLst>
                 </a:gridCol>
@@ -27205,7 +27238,7 @@
                 </a:tc>
                 <a:extLst>
                   <a:ext uri="{0D108BD9-81ED-4DB2-BD59-A6C34878D82A}">
-                    <a16:rowId xmlns:a16="http://schemas.microsoft.com/office/drawing/2014/main" val="10000"/>
+                    <a16:rowId xmlns:a16="http://schemas.microsoft.com/office/drawing/2014/main" xmlns="" val="10000"/>
                   </a:ext>
                 </a:extLst>
               </a:tr>
@@ -27487,7 +27520,7 @@
                 </a:tc>
                 <a:extLst>
                   <a:ext uri="{0D108BD9-81ED-4DB2-BD59-A6C34878D82A}">
-                    <a16:rowId xmlns:a16="http://schemas.microsoft.com/office/drawing/2014/main" val="10001"/>
+                    <a16:rowId xmlns:a16="http://schemas.microsoft.com/office/drawing/2014/main" xmlns="" val="10001"/>
                   </a:ext>
                 </a:extLst>
               </a:tr>
@@ -27769,7 +27802,7 @@
                 </a:tc>
                 <a:extLst>
                   <a:ext uri="{0D108BD9-81ED-4DB2-BD59-A6C34878D82A}">
-                    <a16:rowId xmlns:a16="http://schemas.microsoft.com/office/drawing/2014/main" val="10002"/>
+                    <a16:rowId xmlns:a16="http://schemas.microsoft.com/office/drawing/2014/main" xmlns="" val="10002"/>
                   </a:ext>
                 </a:extLst>
               </a:tr>
@@ -28728,35 +28761,35 @@
                 <a:gridCol w="1645920">
                   <a:extLst>
                     <a:ext uri="{9D8B030D-6E8A-4147-A177-3AD203B41FA5}">
-                      <a16:colId xmlns:a16="http://schemas.microsoft.com/office/drawing/2014/main" val="20000"/>
+                      <a16:colId xmlns:a16="http://schemas.microsoft.com/office/drawing/2014/main" xmlns="" val="20000"/>
                     </a:ext>
                   </a:extLst>
                 </a:gridCol>
                 <a:gridCol w="1645920">
                   <a:extLst>
                     <a:ext uri="{9D8B030D-6E8A-4147-A177-3AD203B41FA5}">
-                      <a16:colId xmlns:a16="http://schemas.microsoft.com/office/drawing/2014/main" val="20001"/>
+                      <a16:colId xmlns:a16="http://schemas.microsoft.com/office/drawing/2014/main" xmlns="" val="20001"/>
                     </a:ext>
                   </a:extLst>
                 </a:gridCol>
                 <a:gridCol w="1645920">
                   <a:extLst>
                     <a:ext uri="{9D8B030D-6E8A-4147-A177-3AD203B41FA5}">
-                      <a16:colId xmlns:a16="http://schemas.microsoft.com/office/drawing/2014/main" val="20002"/>
+                      <a16:colId xmlns:a16="http://schemas.microsoft.com/office/drawing/2014/main" xmlns="" val="20002"/>
                     </a:ext>
                   </a:extLst>
                 </a:gridCol>
                 <a:gridCol w="1645920">
                   <a:extLst>
                     <a:ext uri="{9D8B030D-6E8A-4147-A177-3AD203B41FA5}">
-                      <a16:colId xmlns:a16="http://schemas.microsoft.com/office/drawing/2014/main" val="20003"/>
+                      <a16:colId xmlns:a16="http://schemas.microsoft.com/office/drawing/2014/main" xmlns="" val="20003"/>
                     </a:ext>
                   </a:extLst>
                 </a:gridCol>
                 <a:gridCol w="1645920">
                   <a:extLst>
                     <a:ext uri="{9D8B030D-6E8A-4147-A177-3AD203B41FA5}">
-                      <a16:colId xmlns:a16="http://schemas.microsoft.com/office/drawing/2014/main" val="20004"/>
+                      <a16:colId xmlns:a16="http://schemas.microsoft.com/office/drawing/2014/main" xmlns="" val="20004"/>
                     </a:ext>
                   </a:extLst>
                 </a:gridCol>
@@ -29047,7 +29080,7 @@
                 </a:tc>
                 <a:extLst>
                   <a:ext uri="{0D108BD9-81ED-4DB2-BD59-A6C34878D82A}">
-                    <a16:rowId xmlns:a16="http://schemas.microsoft.com/office/drawing/2014/main" val="10000"/>
+                    <a16:rowId xmlns:a16="http://schemas.microsoft.com/office/drawing/2014/main" xmlns="" val="10000"/>
                   </a:ext>
                 </a:extLst>
               </a:tr>
@@ -29332,7 +29365,7 @@
                 </a:tc>
                 <a:extLst>
                   <a:ext uri="{0D108BD9-81ED-4DB2-BD59-A6C34878D82A}">
-                    <a16:rowId xmlns:a16="http://schemas.microsoft.com/office/drawing/2014/main" val="10001"/>
+                    <a16:rowId xmlns:a16="http://schemas.microsoft.com/office/drawing/2014/main" xmlns="" val="10001"/>
                   </a:ext>
                 </a:extLst>
               </a:tr>
@@ -29617,7 +29650,7 @@
                 </a:tc>
                 <a:extLst>
                   <a:ext uri="{0D108BD9-81ED-4DB2-BD59-A6C34878D82A}">
-                    <a16:rowId xmlns:a16="http://schemas.microsoft.com/office/drawing/2014/main" val="10002"/>
+                    <a16:rowId xmlns:a16="http://schemas.microsoft.com/office/drawing/2014/main" xmlns="" val="10002"/>
                   </a:ext>
                 </a:extLst>
               </a:tr>
@@ -29902,7 +29935,7 @@
                 </a:tc>
                 <a:extLst>
                   <a:ext uri="{0D108BD9-81ED-4DB2-BD59-A6C34878D82A}">
-                    <a16:rowId xmlns:a16="http://schemas.microsoft.com/office/drawing/2014/main" val="10003"/>
+                    <a16:rowId xmlns:a16="http://schemas.microsoft.com/office/drawing/2014/main" xmlns="" val="10003"/>
                   </a:ext>
                 </a:extLst>
               </a:tr>
